--- a/Part_1_Resources_for_computational_modellers/6_Computing_infrastructure/1_Neuroscience_Gateway.pptx
+++ b/Part_1_Resources_for_computational_modellers/6_Computing_infrastructure/1_Neuroscience_Gateway.pptx
@@ -1,26 +1,454 @@
 
 <file path=ppt/presentation.xml><?xml version="1.0" encoding="utf-8"?>
-<p:presentation xmlns:a="http://schemas.openxmlformats.org/drawingml/2006/main" xmlns:p="http://schemas.openxmlformats.org/presentationml/2006/main" xmlns:r="http://schemas.openxmlformats.org/officeDocument/2006/relationships" xmlns:p14="http://schemas.microsoft.com/office/powerpoint/2010/main" xmlns:p15="http://schemas.microsoft.com/office/powerpoint/2012/main" xmlns:mc="http://schemas.openxmlformats.org/markup-compatibility/2006">
+<p:presentation xmlns:a="http://schemas.openxmlformats.org/drawingml/2006/main" xmlns:r="http://schemas.openxmlformats.org/officeDocument/2006/relationships" xmlns:p="http://schemas.openxmlformats.org/presentationml/2006/main" saveSubsetFonts="1">
   <p:sldMasterIdLst>
-    <p:sldMasterId id="2147483648" r:id="rId2"/>
-    <p:sldMasterId id="2147483661" r:id="rId3"/>
+    <p:sldMasterId id="2147483648" r:id="rId1"/>
+    <p:sldMasterId id="2147483661" r:id="rId2"/>
   </p:sldMasterIdLst>
   <p:notesMasterIdLst>
-    <p:notesMasterId r:id="rId4"/>
+    <p:notesMasterId r:id="rId7"/>
   </p:notesMasterIdLst>
   <p:sldIdLst>
-    <p:sldId id="256" r:id="rId5"/>
-    <p:sldId id="257" r:id="rId6"/>
-    <p:sldId id="258" r:id="rId7"/>
-    <p:sldId id="259" r:id="rId8"/>
+    <p:sldId id="256" r:id="rId3"/>
+    <p:sldId id="257" r:id="rId4"/>
+    <p:sldId id="258" r:id="rId5"/>
+    <p:sldId id="259" r:id="rId6"/>
   </p:sldIdLst>
   <p:sldSz cx="10080625" cy="7559675"/>
-  <p:notesSz cx="7559675" cy="10691812"/>
+  <p:notesSz cx="7559675" cy="10691813"/>
+  <p:defaultTextStyle>
+    <a:defPPr>
+      <a:defRPr lang="en-US"/>
+    </a:defPPr>
+    <a:lvl1pPr marL="0" algn="l" defTabSz="914400" rtl="0" eaLnBrk="1" latinLnBrk="0" hangingPunct="1">
+      <a:defRPr sz="1800" kern="1200">
+        <a:solidFill>
+          <a:schemeClr val="tx1"/>
+        </a:solidFill>
+        <a:latin typeface="+mn-lt"/>
+        <a:ea typeface="+mn-ea"/>
+        <a:cs typeface="+mn-cs"/>
+      </a:defRPr>
+    </a:lvl1pPr>
+    <a:lvl2pPr marL="457200" algn="l" defTabSz="914400" rtl="0" eaLnBrk="1" latinLnBrk="0" hangingPunct="1">
+      <a:defRPr sz="1800" kern="1200">
+        <a:solidFill>
+          <a:schemeClr val="tx1"/>
+        </a:solidFill>
+        <a:latin typeface="+mn-lt"/>
+        <a:ea typeface="+mn-ea"/>
+        <a:cs typeface="+mn-cs"/>
+      </a:defRPr>
+    </a:lvl2pPr>
+    <a:lvl3pPr marL="914400" algn="l" defTabSz="914400" rtl="0" eaLnBrk="1" latinLnBrk="0" hangingPunct="1">
+      <a:defRPr sz="1800" kern="1200">
+        <a:solidFill>
+          <a:schemeClr val="tx1"/>
+        </a:solidFill>
+        <a:latin typeface="+mn-lt"/>
+        <a:ea typeface="+mn-ea"/>
+        <a:cs typeface="+mn-cs"/>
+      </a:defRPr>
+    </a:lvl3pPr>
+    <a:lvl4pPr marL="1371600" algn="l" defTabSz="914400" rtl="0" eaLnBrk="1" latinLnBrk="0" hangingPunct="1">
+      <a:defRPr sz="1800" kern="1200">
+        <a:solidFill>
+          <a:schemeClr val="tx1"/>
+        </a:solidFill>
+        <a:latin typeface="+mn-lt"/>
+        <a:ea typeface="+mn-ea"/>
+        <a:cs typeface="+mn-cs"/>
+      </a:defRPr>
+    </a:lvl4pPr>
+    <a:lvl5pPr marL="1828800" algn="l" defTabSz="914400" rtl="0" eaLnBrk="1" latinLnBrk="0" hangingPunct="1">
+      <a:defRPr sz="1800" kern="1200">
+        <a:solidFill>
+          <a:schemeClr val="tx1"/>
+        </a:solidFill>
+        <a:latin typeface="+mn-lt"/>
+        <a:ea typeface="+mn-ea"/>
+        <a:cs typeface="+mn-cs"/>
+      </a:defRPr>
+    </a:lvl5pPr>
+    <a:lvl6pPr marL="2286000" algn="l" defTabSz="914400" rtl="0" eaLnBrk="1" latinLnBrk="0" hangingPunct="1">
+      <a:defRPr sz="1800" kern="1200">
+        <a:solidFill>
+          <a:schemeClr val="tx1"/>
+        </a:solidFill>
+        <a:latin typeface="+mn-lt"/>
+        <a:ea typeface="+mn-ea"/>
+        <a:cs typeface="+mn-cs"/>
+      </a:defRPr>
+    </a:lvl6pPr>
+    <a:lvl7pPr marL="2743200" algn="l" defTabSz="914400" rtl="0" eaLnBrk="1" latinLnBrk="0" hangingPunct="1">
+      <a:defRPr sz="1800" kern="1200">
+        <a:solidFill>
+          <a:schemeClr val="tx1"/>
+        </a:solidFill>
+        <a:latin typeface="+mn-lt"/>
+        <a:ea typeface="+mn-ea"/>
+        <a:cs typeface="+mn-cs"/>
+      </a:defRPr>
+    </a:lvl7pPr>
+    <a:lvl8pPr marL="3200400" algn="l" defTabSz="914400" rtl="0" eaLnBrk="1" latinLnBrk="0" hangingPunct="1">
+      <a:defRPr sz="1800" kern="1200">
+        <a:solidFill>
+          <a:schemeClr val="tx1"/>
+        </a:solidFill>
+        <a:latin typeface="+mn-lt"/>
+        <a:ea typeface="+mn-ea"/>
+        <a:cs typeface="+mn-cs"/>
+      </a:defRPr>
+    </a:lvl8pPr>
+    <a:lvl9pPr marL="3657600" algn="l" defTabSz="914400" rtl="0" eaLnBrk="1" latinLnBrk="0" hangingPunct="1">
+      <a:defRPr sz="1800" kern="1200">
+        <a:solidFill>
+          <a:schemeClr val="tx1"/>
+        </a:solidFill>
+        <a:latin typeface="+mn-lt"/>
+        <a:ea typeface="+mn-ea"/>
+        <a:cs typeface="+mn-cs"/>
+      </a:defRPr>
+    </a:lvl9pPr>
+  </p:defaultTextStyle>
 </p:presentation>
 </file>
 
 <file path=ppt/notesMasters/notesMaster1.xml><?xml version="1.0" encoding="utf-8"?>
-<p:notesMaster xmlns:a="http://schemas.openxmlformats.org/drawingml/2006/main" xmlns:p="http://schemas.openxmlformats.org/presentationml/2006/main" xmlns:r="http://schemas.openxmlformats.org/officeDocument/2006/relationships" xmlns:p14="http://schemas.microsoft.com/office/powerpoint/2010/main" xmlns:p15="http://schemas.microsoft.com/office/powerpoint/2012/main" xmlns:mc="http://schemas.openxmlformats.org/markup-compatibility/2006">
+<p:notesMaster xmlns:a="http://schemas.openxmlformats.org/drawingml/2006/main" xmlns:r="http://schemas.openxmlformats.org/officeDocument/2006/relationships" xmlns:p="http://schemas.openxmlformats.org/presentationml/2006/main">
+  <p:cSld>
+    <p:bg>
+      <p:bgRef idx="1001">
+        <a:schemeClr val="bg1"/>
+      </p:bgRef>
+    </p:bg>
+    <p:spTree>
+      <p:nvGrpSpPr>
+        <p:cNvPr id="1" name=""/>
+        <p:cNvGrpSpPr/>
+        <p:nvPr/>
+      </p:nvGrpSpPr>
+      <p:grpSpPr>
+        <a:xfrm>
+          <a:off x="0" y="0"/>
+          <a:ext cx="0" cy="0"/>
+          <a:chOff x="0" y="0"/>
+          <a:chExt cx="0" cy="0"/>
+        </a:xfrm>
+      </p:grpSpPr>
+      <p:sp>
+        <p:nvSpPr>
+          <p:cNvPr id="72" name="PlaceHolder 1"/>
+          <p:cNvSpPr>
+            <a:spLocks noGrp="1"/>
+          </p:cNvSpPr>
+          <p:nvPr>
+            <p:ph type="body"/>
+          </p:nvPr>
+        </p:nvSpPr>
+        <p:spPr>
+          <a:xfrm>
+            <a:off x="756000" y="5078520"/>
+            <a:ext cx="6047640" cy="4811040"/>
+          </a:xfrm>
+          <a:prstGeom prst="rect">
+            <a:avLst/>
+          </a:prstGeom>
+        </p:spPr>
+        <p:txBody>
+          <a:bodyPr lIns="0" tIns="0" rIns="0" bIns="0"/>
+          <a:lstStyle/>
+          <a:p>
+            <a:r>
+              <a:rPr lang="en-GB" sz="2000" b="0" strike="noStrike" spc="-1">
+                <a:solidFill>
+                  <a:srgbClr val="000000"/>
+                </a:solidFill>
+                <a:uFill>
+                  <a:solidFill>
+                    <a:srgbClr val="FFFFFF"/>
+                  </a:solidFill>
+                </a:uFill>
+                <a:latin typeface="Arial"/>
+              </a:rPr>
+              <a:t>Click to edit the notes format</a:t>
+            </a:r>
+          </a:p>
+        </p:txBody>
+      </p:sp>
+      <p:sp>
+        <p:nvSpPr>
+          <p:cNvPr id="73" name="PlaceHolder 2"/>
+          <p:cNvSpPr>
+            <a:spLocks noGrp="1"/>
+          </p:cNvSpPr>
+          <p:nvPr>
+            <p:ph type="hdr"/>
+          </p:nvPr>
+        </p:nvSpPr>
+        <p:spPr>
+          <a:xfrm>
+            <a:off x="0" y="0"/>
+            <a:ext cx="3280680" cy="534240"/>
+          </a:xfrm>
+          <a:prstGeom prst="rect">
+            <a:avLst/>
+          </a:prstGeom>
+        </p:spPr>
+        <p:txBody>
+          <a:bodyPr lIns="0" tIns="0" rIns="0" bIns="0"/>
+          <a:lstStyle/>
+          <a:p>
+            <a:r>
+              <a:rPr lang="en-GB" sz="1400" b="0" strike="noStrike" spc="-1">
+                <a:solidFill>
+                  <a:srgbClr val="000000"/>
+                </a:solidFill>
+                <a:uFill>
+                  <a:solidFill>
+                    <a:srgbClr val="FFFFFF"/>
+                  </a:solidFill>
+                </a:uFill>
+                <a:latin typeface="Times New Roman"/>
+              </a:rPr>
+              <a:t>&lt;header&gt;</a:t>
+            </a:r>
+          </a:p>
+        </p:txBody>
+      </p:sp>
+      <p:sp>
+        <p:nvSpPr>
+          <p:cNvPr id="74" name="PlaceHolder 3"/>
+          <p:cNvSpPr>
+            <a:spLocks noGrp="1"/>
+          </p:cNvSpPr>
+          <p:nvPr>
+            <p:ph type="dt"/>
+          </p:nvPr>
+        </p:nvSpPr>
+        <p:spPr>
+          <a:xfrm>
+            <a:off x="4278960" y="0"/>
+            <a:ext cx="3280680" cy="534240"/>
+          </a:xfrm>
+          <a:prstGeom prst="rect">
+            <a:avLst/>
+          </a:prstGeom>
+        </p:spPr>
+        <p:txBody>
+          <a:bodyPr lIns="0" tIns="0" rIns="0" bIns="0"/>
+          <a:lstStyle/>
+          <a:p>
+            <a:pPr algn="r"/>
+            <a:r>
+              <a:rPr lang="en-GB" sz="1400" b="0" strike="noStrike" spc="-1">
+                <a:solidFill>
+                  <a:srgbClr val="000000"/>
+                </a:solidFill>
+                <a:uFill>
+                  <a:solidFill>
+                    <a:srgbClr val="FFFFFF"/>
+                  </a:solidFill>
+                </a:uFill>
+                <a:latin typeface="Times New Roman"/>
+              </a:rPr>
+              <a:t>&lt;date/time&gt;</a:t>
+            </a:r>
+          </a:p>
+        </p:txBody>
+      </p:sp>
+      <p:sp>
+        <p:nvSpPr>
+          <p:cNvPr id="75" name="PlaceHolder 4"/>
+          <p:cNvSpPr>
+            <a:spLocks noGrp="1"/>
+          </p:cNvSpPr>
+          <p:nvPr>
+            <p:ph type="ftr"/>
+          </p:nvPr>
+        </p:nvSpPr>
+        <p:spPr>
+          <a:xfrm>
+            <a:off x="0" y="10157400"/>
+            <a:ext cx="3280680" cy="534240"/>
+          </a:xfrm>
+          <a:prstGeom prst="rect">
+            <a:avLst/>
+          </a:prstGeom>
+        </p:spPr>
+        <p:txBody>
+          <a:bodyPr lIns="0" tIns="0" rIns="0" bIns="0" anchor="b"/>
+          <a:lstStyle/>
+          <a:p>
+            <a:r>
+              <a:rPr lang="en-GB" sz="1400" b="0" strike="noStrike" spc="-1">
+                <a:solidFill>
+                  <a:srgbClr val="000000"/>
+                </a:solidFill>
+                <a:uFill>
+                  <a:solidFill>
+                    <a:srgbClr val="FFFFFF"/>
+                  </a:solidFill>
+                </a:uFill>
+                <a:latin typeface="Times New Roman"/>
+              </a:rPr>
+              <a:t>&lt;footer&gt;</a:t>
+            </a:r>
+          </a:p>
+        </p:txBody>
+      </p:sp>
+      <p:sp>
+        <p:nvSpPr>
+          <p:cNvPr id="76" name="PlaceHolder 5"/>
+          <p:cNvSpPr>
+            <a:spLocks noGrp="1"/>
+          </p:cNvSpPr>
+          <p:nvPr>
+            <p:ph type="sldNum"/>
+          </p:nvPr>
+        </p:nvSpPr>
+        <p:spPr>
+          <a:xfrm>
+            <a:off x="4278960" y="10157400"/>
+            <a:ext cx="3280680" cy="534240"/>
+          </a:xfrm>
+          <a:prstGeom prst="rect">
+            <a:avLst/>
+          </a:prstGeom>
+        </p:spPr>
+        <p:txBody>
+          <a:bodyPr lIns="0" tIns="0" rIns="0" bIns="0" anchor="b"/>
+          <a:lstStyle/>
+          <a:p>
+            <a:pPr algn="r"/>
+            <a:fld id="{11C835DD-5748-401A-A097-30897079ECC1}" type="slidenum">
+              <a:rPr lang="en-GB" sz="1400" b="0" strike="noStrike" spc="-1">
+                <a:solidFill>
+                  <a:srgbClr val="000000"/>
+                </a:solidFill>
+                <a:uFill>
+                  <a:solidFill>
+                    <a:srgbClr val="FFFFFF"/>
+                  </a:solidFill>
+                </a:uFill>
+                <a:latin typeface="Times New Roman"/>
+              </a:rPr>
+              <a:t>‹#›</a:t>
+            </a:fld>
+            <a:endParaRPr lang="en-GB" sz="1400" b="0" strike="noStrike" spc="-1">
+              <a:solidFill>
+                <a:srgbClr val="000000"/>
+              </a:solidFill>
+              <a:uFill>
+                <a:solidFill>
+                  <a:srgbClr val="FFFFFF"/>
+                </a:solidFill>
+              </a:uFill>
+              <a:latin typeface="Times New Roman"/>
+            </a:endParaRPr>
+          </a:p>
+        </p:txBody>
+      </p:sp>
+    </p:spTree>
+  </p:cSld>
+  <p:clrMap bg1="lt1" tx1="dk1" bg2="lt2" tx2="dk2" accent1="accent1" accent2="accent2" accent3="accent3" accent4="accent4" accent5="accent5" accent6="accent6" hlink="hlink" folHlink="folHlink"/>
+  <p:notesStyle>
+    <a:lvl1pPr marL="0" algn="l" defTabSz="914400" rtl="0" eaLnBrk="1" latinLnBrk="0" hangingPunct="1">
+      <a:defRPr sz="1200" kern="1200">
+        <a:solidFill>
+          <a:schemeClr val="tx1"/>
+        </a:solidFill>
+        <a:latin typeface="+mn-lt"/>
+        <a:ea typeface="+mn-ea"/>
+        <a:cs typeface="+mn-cs"/>
+      </a:defRPr>
+    </a:lvl1pPr>
+    <a:lvl2pPr marL="457200" algn="l" defTabSz="914400" rtl="0" eaLnBrk="1" latinLnBrk="0" hangingPunct="1">
+      <a:defRPr sz="1200" kern="1200">
+        <a:solidFill>
+          <a:schemeClr val="tx1"/>
+        </a:solidFill>
+        <a:latin typeface="+mn-lt"/>
+        <a:ea typeface="+mn-ea"/>
+        <a:cs typeface="+mn-cs"/>
+      </a:defRPr>
+    </a:lvl2pPr>
+    <a:lvl3pPr marL="914400" algn="l" defTabSz="914400" rtl="0" eaLnBrk="1" latinLnBrk="0" hangingPunct="1">
+      <a:defRPr sz="1200" kern="1200">
+        <a:solidFill>
+          <a:schemeClr val="tx1"/>
+        </a:solidFill>
+        <a:latin typeface="+mn-lt"/>
+        <a:ea typeface="+mn-ea"/>
+        <a:cs typeface="+mn-cs"/>
+      </a:defRPr>
+    </a:lvl3pPr>
+    <a:lvl4pPr marL="1371600" algn="l" defTabSz="914400" rtl="0" eaLnBrk="1" latinLnBrk="0" hangingPunct="1">
+      <a:defRPr sz="1200" kern="1200">
+        <a:solidFill>
+          <a:schemeClr val="tx1"/>
+        </a:solidFill>
+        <a:latin typeface="+mn-lt"/>
+        <a:ea typeface="+mn-ea"/>
+        <a:cs typeface="+mn-cs"/>
+      </a:defRPr>
+    </a:lvl4pPr>
+    <a:lvl5pPr marL="1828800" algn="l" defTabSz="914400" rtl="0" eaLnBrk="1" latinLnBrk="0" hangingPunct="1">
+      <a:defRPr sz="1200" kern="1200">
+        <a:solidFill>
+          <a:schemeClr val="tx1"/>
+        </a:solidFill>
+        <a:latin typeface="+mn-lt"/>
+        <a:ea typeface="+mn-ea"/>
+        <a:cs typeface="+mn-cs"/>
+      </a:defRPr>
+    </a:lvl5pPr>
+    <a:lvl6pPr marL="2286000" algn="l" defTabSz="914400" rtl="0" eaLnBrk="1" latinLnBrk="0" hangingPunct="1">
+      <a:defRPr sz="1200" kern="1200">
+        <a:solidFill>
+          <a:schemeClr val="tx1"/>
+        </a:solidFill>
+        <a:latin typeface="+mn-lt"/>
+        <a:ea typeface="+mn-ea"/>
+        <a:cs typeface="+mn-cs"/>
+      </a:defRPr>
+    </a:lvl6pPr>
+    <a:lvl7pPr marL="2743200" algn="l" defTabSz="914400" rtl="0" eaLnBrk="1" latinLnBrk="0" hangingPunct="1">
+      <a:defRPr sz="1200" kern="1200">
+        <a:solidFill>
+          <a:schemeClr val="tx1"/>
+        </a:solidFill>
+        <a:latin typeface="+mn-lt"/>
+        <a:ea typeface="+mn-ea"/>
+        <a:cs typeface="+mn-cs"/>
+      </a:defRPr>
+    </a:lvl7pPr>
+    <a:lvl8pPr marL="3200400" algn="l" defTabSz="914400" rtl="0" eaLnBrk="1" latinLnBrk="0" hangingPunct="1">
+      <a:defRPr sz="1200" kern="1200">
+        <a:solidFill>
+          <a:schemeClr val="tx1"/>
+        </a:solidFill>
+        <a:latin typeface="+mn-lt"/>
+        <a:ea typeface="+mn-ea"/>
+        <a:cs typeface="+mn-cs"/>
+      </a:defRPr>
+    </a:lvl8pPr>
+    <a:lvl9pPr marL="3657600" algn="l" defTabSz="914400" rtl="0" eaLnBrk="1" latinLnBrk="0" hangingPunct="1">
+      <a:defRPr sz="1200" kern="1200">
+        <a:solidFill>
+          <a:schemeClr val="tx1"/>
+        </a:solidFill>
+        <a:latin typeface="+mn-lt"/>
+        <a:ea typeface="+mn-ea"/>
+        <a:cs typeface="+mn-cs"/>
+      </a:defRPr>
+    </a:lvl9pPr>
+  </p:notesStyle>
+</p:notesMaster>
+</file>
+
+<file path=ppt/notesSlides/notesSlide1.xml><?xml version="1.0" encoding="utf-8"?>
+<p:notes xmlns:a="http://schemas.openxmlformats.org/drawingml/2006/main" xmlns:r="http://schemas.openxmlformats.org/officeDocument/2006/relationships" xmlns:p="http://schemas.openxmlformats.org/presentationml/2006/main">
   <p:cSld>
     <p:spTree>
       <p:nvGrpSpPr>
@@ -38,281 +466,6 @@
       </p:grpSpPr>
       <p:sp>
         <p:nvSpPr>
-          <p:cNvPr id="72" name="PlaceHolder 1"/>
-          <p:cNvSpPr>
-            <a:spLocks noGrp="1"/>
-          </p:cNvSpPr>
-          <p:nvPr>
-            <p:ph type="body"/>
-          </p:nvPr>
-        </p:nvSpPr>
-        <p:spPr>
-          <a:xfrm>
-            <a:off x="756000" y="5078520"/>
-            <a:ext cx="6047640" cy="4811040"/>
-          </a:xfrm>
-          <a:prstGeom prst="rect">
-            <a:avLst/>
-          </a:prstGeom>
-        </p:spPr>
-        <p:txBody>
-          <a:bodyPr lIns="0" rIns="0" tIns="0" bIns="0"/>
-          <a:p>
-            <a:r>
-              <a:rPr b="0" lang="en-GB" sz="2000" spc="-1" strike="noStrike">
-                <a:solidFill>
-                  <a:srgbClr val="000000"/>
-                </a:solidFill>
-                <a:uFill>
-                  <a:solidFill>
-                    <a:srgbClr val="ffffff"/>
-                  </a:solidFill>
-                </a:uFill>
-                <a:latin typeface="Arial"/>
-              </a:rPr>
-              <a:t>Click to edit the notes format</a:t>
-            </a:r>
-            <a:endParaRPr b="0" lang="en-GB" sz="2000" spc="-1" strike="noStrike">
-              <a:solidFill>
-                <a:srgbClr val="000000"/>
-              </a:solidFill>
-              <a:uFill>
-                <a:solidFill>
-                  <a:srgbClr val="ffffff"/>
-                </a:solidFill>
-              </a:uFill>
-              <a:latin typeface="Arial"/>
-            </a:endParaRPr>
-          </a:p>
-        </p:txBody>
-      </p:sp>
-      <p:sp>
-        <p:nvSpPr>
-          <p:cNvPr id="73" name="PlaceHolder 2"/>
-          <p:cNvSpPr>
-            <a:spLocks noGrp="1"/>
-          </p:cNvSpPr>
-          <p:nvPr>
-            <p:ph type="hdr"/>
-          </p:nvPr>
-        </p:nvSpPr>
-        <p:spPr>
-          <a:xfrm>
-            <a:off x="0" y="0"/>
-            <a:ext cx="3280680" cy="534240"/>
-          </a:xfrm>
-          <a:prstGeom prst="rect">
-            <a:avLst/>
-          </a:prstGeom>
-        </p:spPr>
-        <p:txBody>
-          <a:bodyPr lIns="0" rIns="0" tIns="0" bIns="0"/>
-          <a:p>
-            <a:r>
-              <a:rPr b="0" lang="en-GB" sz="1400" spc="-1" strike="noStrike">
-                <a:solidFill>
-                  <a:srgbClr val="000000"/>
-                </a:solidFill>
-                <a:uFill>
-                  <a:solidFill>
-                    <a:srgbClr val="ffffff"/>
-                  </a:solidFill>
-                </a:uFill>
-                <a:latin typeface="Times New Roman"/>
-              </a:rPr>
-              <a:t>&lt;header&gt;</a:t>
-            </a:r>
-            <a:endParaRPr b="0" lang="en-GB" sz="1400" spc="-1" strike="noStrike">
-              <a:solidFill>
-                <a:srgbClr val="000000"/>
-              </a:solidFill>
-              <a:uFill>
-                <a:solidFill>
-                  <a:srgbClr val="ffffff"/>
-                </a:solidFill>
-              </a:uFill>
-              <a:latin typeface="Times New Roman"/>
-            </a:endParaRPr>
-          </a:p>
-        </p:txBody>
-      </p:sp>
-      <p:sp>
-        <p:nvSpPr>
-          <p:cNvPr id="74" name="PlaceHolder 3"/>
-          <p:cNvSpPr>
-            <a:spLocks noGrp="1"/>
-          </p:cNvSpPr>
-          <p:nvPr>
-            <p:ph type="dt"/>
-          </p:nvPr>
-        </p:nvSpPr>
-        <p:spPr>
-          <a:xfrm>
-            <a:off x="4278960" y="0"/>
-            <a:ext cx="3280680" cy="534240"/>
-          </a:xfrm>
-          <a:prstGeom prst="rect">
-            <a:avLst/>
-          </a:prstGeom>
-        </p:spPr>
-        <p:txBody>
-          <a:bodyPr lIns="0" rIns="0" tIns="0" bIns="0"/>
-          <a:p>
-            <a:pPr algn="r"/>
-            <a:r>
-              <a:rPr b="0" lang="en-GB" sz="1400" spc="-1" strike="noStrike">
-                <a:solidFill>
-                  <a:srgbClr val="000000"/>
-                </a:solidFill>
-                <a:uFill>
-                  <a:solidFill>
-                    <a:srgbClr val="ffffff"/>
-                  </a:solidFill>
-                </a:uFill>
-                <a:latin typeface="Times New Roman"/>
-              </a:rPr>
-              <a:t>&lt;date/time&gt;</a:t>
-            </a:r>
-            <a:endParaRPr b="0" lang="en-GB" sz="1400" spc="-1" strike="noStrike">
-              <a:solidFill>
-                <a:srgbClr val="000000"/>
-              </a:solidFill>
-              <a:uFill>
-                <a:solidFill>
-                  <a:srgbClr val="ffffff"/>
-                </a:solidFill>
-              </a:uFill>
-              <a:latin typeface="Times New Roman"/>
-            </a:endParaRPr>
-          </a:p>
-        </p:txBody>
-      </p:sp>
-      <p:sp>
-        <p:nvSpPr>
-          <p:cNvPr id="75" name="PlaceHolder 4"/>
-          <p:cNvSpPr>
-            <a:spLocks noGrp="1"/>
-          </p:cNvSpPr>
-          <p:nvPr>
-            <p:ph type="ftr"/>
-          </p:nvPr>
-        </p:nvSpPr>
-        <p:spPr>
-          <a:xfrm>
-            <a:off x="0" y="10157400"/>
-            <a:ext cx="3280680" cy="534240"/>
-          </a:xfrm>
-          <a:prstGeom prst="rect">
-            <a:avLst/>
-          </a:prstGeom>
-        </p:spPr>
-        <p:txBody>
-          <a:bodyPr lIns="0" rIns="0" tIns="0" bIns="0" anchor="b"/>
-          <a:p>
-            <a:r>
-              <a:rPr b="0" lang="en-GB" sz="1400" spc="-1" strike="noStrike">
-                <a:solidFill>
-                  <a:srgbClr val="000000"/>
-                </a:solidFill>
-                <a:uFill>
-                  <a:solidFill>
-                    <a:srgbClr val="ffffff"/>
-                  </a:solidFill>
-                </a:uFill>
-                <a:latin typeface="Times New Roman"/>
-              </a:rPr>
-              <a:t>&lt;footer&gt;</a:t>
-            </a:r>
-            <a:endParaRPr b="0" lang="en-GB" sz="1400" spc="-1" strike="noStrike">
-              <a:solidFill>
-                <a:srgbClr val="000000"/>
-              </a:solidFill>
-              <a:uFill>
-                <a:solidFill>
-                  <a:srgbClr val="ffffff"/>
-                </a:solidFill>
-              </a:uFill>
-              <a:latin typeface="Times New Roman"/>
-            </a:endParaRPr>
-          </a:p>
-        </p:txBody>
-      </p:sp>
-      <p:sp>
-        <p:nvSpPr>
-          <p:cNvPr id="76" name="PlaceHolder 5"/>
-          <p:cNvSpPr>
-            <a:spLocks noGrp="1"/>
-          </p:cNvSpPr>
-          <p:nvPr>
-            <p:ph type="sldNum"/>
-          </p:nvPr>
-        </p:nvSpPr>
-        <p:spPr>
-          <a:xfrm>
-            <a:off x="4278960" y="10157400"/>
-            <a:ext cx="3280680" cy="534240"/>
-          </a:xfrm>
-          <a:prstGeom prst="rect">
-            <a:avLst/>
-          </a:prstGeom>
-        </p:spPr>
-        <p:txBody>
-          <a:bodyPr lIns="0" rIns="0" tIns="0" bIns="0" anchor="b"/>
-          <a:p>
-            <a:pPr algn="r"/>
-            <a:fld id="{11C835DD-5748-401A-A097-30897079ECC1}" type="slidenum">
-              <a:rPr b="0" lang="en-GB" sz="1400" spc="-1" strike="noStrike">
-                <a:solidFill>
-                  <a:srgbClr val="000000"/>
-                </a:solidFill>
-                <a:uFill>
-                  <a:solidFill>
-                    <a:srgbClr val="ffffff"/>
-                  </a:solidFill>
-                </a:uFill>
-                <a:latin typeface="Times New Roman"/>
-              </a:rPr>
-              <a:t>&lt;number&gt;</a:t>
-            </a:fld>
-            <a:endParaRPr b="0" lang="en-GB" sz="1400" spc="-1" strike="noStrike">
-              <a:solidFill>
-                <a:srgbClr val="000000"/>
-              </a:solidFill>
-              <a:uFill>
-                <a:solidFill>
-                  <a:srgbClr val="ffffff"/>
-                </a:solidFill>
-              </a:uFill>
-              <a:latin typeface="Times New Roman"/>
-            </a:endParaRPr>
-          </a:p>
-        </p:txBody>
-      </p:sp>
-    </p:spTree>
-  </p:cSld>
-  <p:clrMap bg1="lt1" bg2="lt2" tx1="dk1" tx2="dk2" accent1="accent1" accent2="accent2" accent3="accent3" accent4="accent4" accent5="accent5" accent6="accent6" hlink="hlink" folHlink="folHlink"/>
-</p:notesMaster>
-</file>
-
-<file path=ppt/notesSlides/notesSlide1.xml><?xml version="1.0" encoding="utf-8"?>
-<p:notes xmlns:a="http://schemas.openxmlformats.org/drawingml/2006/main" xmlns:p="http://schemas.openxmlformats.org/presentationml/2006/main" xmlns:r="http://schemas.openxmlformats.org/officeDocument/2006/relationships" xmlns:p14="http://schemas.microsoft.com/office/powerpoint/2010/main" xmlns:p15="http://schemas.microsoft.com/office/powerpoint/2012/main" xmlns:mc="http://schemas.openxmlformats.org/markup-compatibility/2006">
-  <p:cSld>
-    <p:spTree>
-      <p:nvGrpSpPr>
-        <p:cNvPr id="1" name=""/>
-        <p:cNvGrpSpPr/>
-        <p:nvPr/>
-      </p:nvGrpSpPr>
-      <p:grpSpPr>
-        <a:xfrm>
-          <a:off x="0" y="0"/>
-          <a:ext cx="0" cy="0"/>
-          <a:chOff x="0" y="0"/>
-          <a:chExt cx="0" cy="0"/>
-        </a:xfrm>
-      </p:grpSpPr>
-      <p:sp>
-        <p:nvSpPr>
           <p:cNvPr id="128" name="CustomShape 1"/>
           <p:cNvSpPr/>
           <p:nvPr/>
@@ -331,13 +484,20 @@
           </a:ln>
         </p:spPr>
         <p:style>
-          <a:lnRef idx="0"/>
-          <a:fillRef idx="0"/>
-          <a:effectRef idx="0"/>
+          <a:lnRef idx="0">
+            <a:scrgbClr r="0" g="0" b="0"/>
+          </a:lnRef>
+          <a:fillRef idx="0">
+            <a:scrgbClr r="0" g="0" b="0"/>
+          </a:fillRef>
+          <a:effectRef idx="0">
+            <a:scrgbClr r="0" g="0" b="0"/>
+          </a:effectRef>
           <a:fontRef idx="minor"/>
         </p:style>
         <p:txBody>
-          <a:bodyPr lIns="0" rIns="0" tIns="0" bIns="0" anchor="b"/>
+          <a:bodyPr lIns="0" tIns="0" rIns="0" bIns="0" anchor="b"/>
+          <a:lstStyle/>
           <a:p>
             <a:pPr algn="r">
               <a:lnSpc>
@@ -345,27 +505,27 @@
               </a:lnSpc>
             </a:pPr>
             <a:fld id="{40812F23-EBC9-47F7-ADAC-F89B0F89AEDE}" type="slidenum">
-              <a:rPr b="0" lang="en-GB" sz="1400" spc="-1" strike="noStrike">
+              <a:rPr lang="en-GB" sz="1400" b="0" strike="noStrike" spc="-1">
                 <a:solidFill>
                   <a:srgbClr val="000000"/>
                 </a:solidFill>
                 <a:uFill>
                   <a:solidFill>
-                    <a:srgbClr val="ffffff"/>
+                    <a:srgbClr val="FFFFFF"/>
                   </a:solidFill>
                 </a:uFill>
                 <a:latin typeface="Times New Roman"/>
                 <a:ea typeface="DejaVu Sans"/>
               </a:rPr>
-              <a:t>&lt;number&gt;</a:t>
+              <a:t>1</a:t>
             </a:fld>
-            <a:endParaRPr b="0" lang="en-GB" sz="1800" spc="-1" strike="noStrike">
+            <a:endParaRPr lang="en-GB" sz="1800" b="0" strike="noStrike" spc="-1">
               <a:solidFill>
                 <a:srgbClr val="000000"/>
               </a:solidFill>
               <a:uFill>
                 <a:solidFill>
-                  <a:srgbClr val="ffffff"/>
+                  <a:srgbClr val="FFFFFF"/>
                 </a:solidFill>
               </a:uFill>
               <a:latin typeface="Arial"/>
@@ -393,15 +553,16 @@
           </a:prstGeom>
         </p:spPr>
         <p:txBody>
-          <a:bodyPr lIns="0" rIns="0" tIns="0" bIns="0" anchor="ctr"/>
-          <a:p>
-            <a:endParaRPr b="0" lang="en-GB" sz="2000" spc="-1" strike="noStrike">
+          <a:bodyPr lIns="0" tIns="0" rIns="0" bIns="0" anchor="ctr"/>
+          <a:lstStyle/>
+          <a:p>
+            <a:endParaRPr lang="en-GB" sz="2000" b="0" strike="noStrike" spc="-1">
               <a:solidFill>
                 <a:srgbClr val="000000"/>
               </a:solidFill>
               <a:uFill>
                 <a:solidFill>
-                  <a:srgbClr val="ffffff"/>
+                  <a:srgbClr val="FFFFFF"/>
                 </a:solidFill>
               </a:uFill>
               <a:latin typeface="Arial"/>
@@ -411,11 +572,14 @@
       </p:sp>
     </p:spTree>
   </p:cSld>
+  <p:clrMapOvr>
+    <a:masterClrMapping/>
+  </p:clrMapOvr>
 </p:notes>
 </file>
 
 <file path=ppt/slideLayouts/slideLayout1.xml><?xml version="1.0" encoding="utf-8"?>
-<p:sldLayout xmlns:a="http://schemas.openxmlformats.org/drawingml/2006/main" xmlns:p="http://schemas.openxmlformats.org/presentationml/2006/main" xmlns:r="http://schemas.openxmlformats.org/officeDocument/2006/relationships" xmlns:p14="http://schemas.microsoft.com/office/powerpoint/2010/main" xmlns:p15="http://schemas.microsoft.com/office/powerpoint/2012/main" xmlns:mc="http://schemas.openxmlformats.org/markup-compatibility/2006" type="blank" preserve="1">
+<p:sldLayout xmlns:a="http://schemas.openxmlformats.org/drawingml/2006/main" xmlns:r="http://schemas.openxmlformats.org/officeDocument/2006/relationships" xmlns:p="http://schemas.openxmlformats.org/presentationml/2006/main" type="blank" preserve="1">
   <p:cSld name="Blank Slide">
     <p:spTree>
       <p:nvGrpSpPr>
@@ -433,11 +597,14 @@
       </p:grpSpPr>
     </p:spTree>
   </p:cSld>
+  <p:clrMapOvr>
+    <a:masterClrMapping/>
+  </p:clrMapOvr>
 </p:sldLayout>
 </file>
 
 <file path=ppt/slideLayouts/slideLayout10.xml><?xml version="1.0" encoding="utf-8"?>
-<p:sldLayout xmlns:a="http://schemas.openxmlformats.org/drawingml/2006/main" xmlns:p="http://schemas.openxmlformats.org/presentationml/2006/main" xmlns:r="http://schemas.openxmlformats.org/officeDocument/2006/relationships" xmlns:p14="http://schemas.microsoft.com/office/powerpoint/2010/main" xmlns:p15="http://schemas.microsoft.com/office/powerpoint/2012/main" xmlns:mc="http://schemas.openxmlformats.org/markup-compatibility/2006" type="objOverTx" preserve="1">
+<p:sldLayout xmlns:a="http://schemas.openxmlformats.org/drawingml/2006/main" xmlns:r="http://schemas.openxmlformats.org/officeDocument/2006/relationships" xmlns:p="http://schemas.openxmlformats.org/presentationml/2006/main" type="objOverTx" preserve="1">
   <p:cSld name="Title, Content over Content">
     <p:spTree>
       <p:nvGrpSpPr>
@@ -473,16 +640,17 @@
           </a:prstGeom>
         </p:spPr>
         <p:txBody>
-          <a:bodyPr lIns="0" rIns="0" tIns="0" bIns="0" anchor="ctr"/>
+          <a:bodyPr lIns="0" tIns="0" rIns="0" bIns="0" anchor="ctr"/>
+          <a:lstStyle/>
           <a:p>
             <a:pPr algn="ctr"/>
-            <a:endParaRPr b="0" lang="en-GB" sz="4400" spc="-1" strike="noStrike">
+            <a:endParaRPr lang="en-GB" sz="4400" b="0" strike="noStrike" spc="-1">
               <a:solidFill>
                 <a:srgbClr val="000000"/>
               </a:solidFill>
               <a:uFill>
                 <a:solidFill>
-                  <a:srgbClr val="ffffff"/>
+                  <a:srgbClr val="FFFFFF"/>
                 </a:solidFill>
               </a:uFill>
               <a:latin typeface="Arial"/>
@@ -510,15 +678,16 @@
           </a:prstGeom>
         </p:spPr>
         <p:txBody>
-          <a:bodyPr lIns="0" rIns="0" tIns="0" bIns="0"/>
-          <a:p>
-            <a:endParaRPr b="0" lang="en-GB" sz="3200" spc="-1" strike="noStrike">
+          <a:bodyPr lIns="0" tIns="0" rIns="0" bIns="0"/>
+          <a:lstStyle/>
+          <a:p>
+            <a:endParaRPr lang="en-GB" sz="3200" b="0" strike="noStrike" spc="-1">
               <a:solidFill>
                 <a:srgbClr val="000000"/>
               </a:solidFill>
               <a:uFill>
                 <a:solidFill>
-                  <a:srgbClr val="ffffff"/>
+                  <a:srgbClr val="FFFFFF"/>
                 </a:solidFill>
               </a:uFill>
               <a:latin typeface="Arial"/>
@@ -546,15 +715,16 @@
           </a:prstGeom>
         </p:spPr>
         <p:txBody>
-          <a:bodyPr lIns="0" rIns="0" tIns="0" bIns="0"/>
-          <a:p>
-            <a:endParaRPr b="0" lang="en-GB" sz="3200" spc="-1" strike="noStrike">
+          <a:bodyPr lIns="0" tIns="0" rIns="0" bIns="0"/>
+          <a:lstStyle/>
+          <a:p>
+            <a:endParaRPr lang="en-GB" sz="3200" b="0" strike="noStrike" spc="-1">
               <a:solidFill>
                 <a:srgbClr val="000000"/>
               </a:solidFill>
               <a:uFill>
                 <a:solidFill>
-                  <a:srgbClr val="ffffff"/>
+                  <a:srgbClr val="FFFFFF"/>
                 </a:solidFill>
               </a:uFill>
               <a:latin typeface="Arial"/>
@@ -564,11 +734,14 @@
       </p:sp>
     </p:spTree>
   </p:cSld>
+  <p:clrMapOvr>
+    <a:masterClrMapping/>
+  </p:clrMapOvr>
 </p:sldLayout>
 </file>
 
 <file path=ppt/slideLayouts/slideLayout11.xml><?xml version="1.0" encoding="utf-8"?>
-<p:sldLayout xmlns:a="http://schemas.openxmlformats.org/drawingml/2006/main" xmlns:p="http://schemas.openxmlformats.org/presentationml/2006/main" xmlns:r="http://schemas.openxmlformats.org/officeDocument/2006/relationships" xmlns:p14="http://schemas.microsoft.com/office/powerpoint/2010/main" xmlns:p15="http://schemas.microsoft.com/office/powerpoint/2012/main" xmlns:mc="http://schemas.openxmlformats.org/markup-compatibility/2006" type="fourObj" preserve="1">
+<p:sldLayout xmlns:a="http://schemas.openxmlformats.org/drawingml/2006/main" xmlns:r="http://schemas.openxmlformats.org/officeDocument/2006/relationships" xmlns:p="http://schemas.openxmlformats.org/presentationml/2006/main" type="fourObj" preserve="1">
   <p:cSld name="Title, 4 Content">
     <p:spTree>
       <p:nvGrpSpPr>
@@ -604,16 +777,17 @@
           </a:prstGeom>
         </p:spPr>
         <p:txBody>
-          <a:bodyPr lIns="0" rIns="0" tIns="0" bIns="0" anchor="ctr"/>
+          <a:bodyPr lIns="0" tIns="0" rIns="0" bIns="0" anchor="ctr"/>
+          <a:lstStyle/>
           <a:p>
             <a:pPr algn="ctr"/>
-            <a:endParaRPr b="0" lang="en-GB" sz="4400" spc="-1" strike="noStrike">
+            <a:endParaRPr lang="en-GB" sz="4400" b="0" strike="noStrike" spc="-1">
               <a:solidFill>
                 <a:srgbClr val="000000"/>
               </a:solidFill>
               <a:uFill>
                 <a:solidFill>
-                  <a:srgbClr val="ffffff"/>
+                  <a:srgbClr val="FFFFFF"/>
                 </a:solidFill>
               </a:uFill>
               <a:latin typeface="Arial"/>
@@ -641,15 +815,16 @@
           </a:prstGeom>
         </p:spPr>
         <p:txBody>
-          <a:bodyPr lIns="0" rIns="0" tIns="0" bIns="0"/>
-          <a:p>
-            <a:endParaRPr b="0" lang="en-GB" sz="3200" spc="-1" strike="noStrike">
+          <a:bodyPr lIns="0" tIns="0" rIns="0" bIns="0"/>
+          <a:lstStyle/>
+          <a:p>
+            <a:endParaRPr lang="en-GB" sz="3200" b="0" strike="noStrike" spc="-1">
               <a:solidFill>
                 <a:srgbClr val="000000"/>
               </a:solidFill>
               <a:uFill>
                 <a:solidFill>
-                  <a:srgbClr val="ffffff"/>
+                  <a:srgbClr val="FFFFFF"/>
                 </a:solidFill>
               </a:uFill>
               <a:latin typeface="Arial"/>
@@ -677,15 +852,16 @@
           </a:prstGeom>
         </p:spPr>
         <p:txBody>
-          <a:bodyPr lIns="0" rIns="0" tIns="0" bIns="0"/>
-          <a:p>
-            <a:endParaRPr b="0" lang="en-GB" sz="3200" spc="-1" strike="noStrike">
+          <a:bodyPr lIns="0" tIns="0" rIns="0" bIns="0"/>
+          <a:lstStyle/>
+          <a:p>
+            <a:endParaRPr lang="en-GB" sz="3200" b="0" strike="noStrike" spc="-1">
               <a:solidFill>
                 <a:srgbClr val="000000"/>
               </a:solidFill>
               <a:uFill>
                 <a:solidFill>
-                  <a:srgbClr val="ffffff"/>
+                  <a:srgbClr val="FFFFFF"/>
                 </a:solidFill>
               </a:uFill>
               <a:latin typeface="Arial"/>
@@ -713,15 +889,16 @@
           </a:prstGeom>
         </p:spPr>
         <p:txBody>
-          <a:bodyPr lIns="0" rIns="0" tIns="0" bIns="0"/>
-          <a:p>
-            <a:endParaRPr b="0" lang="en-GB" sz="3200" spc="-1" strike="noStrike">
+          <a:bodyPr lIns="0" tIns="0" rIns="0" bIns="0"/>
+          <a:lstStyle/>
+          <a:p>
+            <a:endParaRPr lang="en-GB" sz="3200" b="0" strike="noStrike" spc="-1">
               <a:solidFill>
                 <a:srgbClr val="000000"/>
               </a:solidFill>
               <a:uFill>
                 <a:solidFill>
-                  <a:srgbClr val="ffffff"/>
+                  <a:srgbClr val="FFFFFF"/>
                 </a:solidFill>
               </a:uFill>
               <a:latin typeface="Arial"/>
@@ -749,15 +926,16 @@
           </a:prstGeom>
         </p:spPr>
         <p:txBody>
-          <a:bodyPr lIns="0" rIns="0" tIns="0" bIns="0"/>
-          <a:p>
-            <a:endParaRPr b="0" lang="en-GB" sz="3200" spc="-1" strike="noStrike">
+          <a:bodyPr lIns="0" tIns="0" rIns="0" bIns="0"/>
+          <a:lstStyle/>
+          <a:p>
+            <a:endParaRPr lang="en-GB" sz="3200" b="0" strike="noStrike" spc="-1">
               <a:solidFill>
                 <a:srgbClr val="000000"/>
               </a:solidFill>
               <a:uFill>
                 <a:solidFill>
-                  <a:srgbClr val="ffffff"/>
+                  <a:srgbClr val="FFFFFF"/>
                 </a:solidFill>
               </a:uFill>
               <a:latin typeface="Arial"/>
@@ -767,11 +945,14 @@
       </p:sp>
     </p:spTree>
   </p:cSld>
+  <p:clrMapOvr>
+    <a:masterClrMapping/>
+  </p:clrMapOvr>
 </p:sldLayout>
 </file>
 
 <file path=ppt/slideLayouts/slideLayout12.xml><?xml version="1.0" encoding="utf-8"?>
-<p:sldLayout xmlns:a="http://schemas.openxmlformats.org/drawingml/2006/main" xmlns:p="http://schemas.openxmlformats.org/presentationml/2006/main" xmlns:r="http://schemas.openxmlformats.org/officeDocument/2006/relationships" xmlns:p14="http://schemas.microsoft.com/office/powerpoint/2010/main" xmlns:p15="http://schemas.microsoft.com/office/powerpoint/2012/main" xmlns:mc="http://schemas.openxmlformats.org/markup-compatibility/2006" type="blank" preserve="1">
+<p:sldLayout xmlns:a="http://schemas.openxmlformats.org/drawingml/2006/main" xmlns:r="http://schemas.openxmlformats.org/officeDocument/2006/relationships" xmlns:p="http://schemas.openxmlformats.org/presentationml/2006/main" type="blank" preserve="1">
   <p:cSld name="Title, 6 Content">
     <p:spTree>
       <p:nvGrpSpPr>
@@ -807,16 +988,17 @@
           </a:prstGeom>
         </p:spPr>
         <p:txBody>
-          <a:bodyPr lIns="0" rIns="0" tIns="0" bIns="0" anchor="ctr"/>
+          <a:bodyPr lIns="0" tIns="0" rIns="0" bIns="0" anchor="ctr"/>
+          <a:lstStyle/>
           <a:p>
             <a:pPr algn="ctr"/>
-            <a:endParaRPr b="0" lang="en-GB" sz="4400" spc="-1" strike="noStrike">
+            <a:endParaRPr lang="en-GB" sz="4400" b="0" strike="noStrike" spc="-1">
               <a:solidFill>
                 <a:srgbClr val="000000"/>
               </a:solidFill>
               <a:uFill>
                 <a:solidFill>
-                  <a:srgbClr val="ffffff"/>
+                  <a:srgbClr val="FFFFFF"/>
                 </a:solidFill>
               </a:uFill>
               <a:latin typeface="Arial"/>
@@ -844,15 +1026,16 @@
           </a:prstGeom>
         </p:spPr>
         <p:txBody>
-          <a:bodyPr lIns="0" rIns="0" tIns="0" bIns="0"/>
-          <a:p>
-            <a:endParaRPr b="0" lang="en-GB" sz="3200" spc="-1" strike="noStrike">
+          <a:bodyPr lIns="0" tIns="0" rIns="0" bIns="0"/>
+          <a:lstStyle/>
+          <a:p>
+            <a:endParaRPr lang="en-GB" sz="3200" b="0" strike="noStrike" spc="-1">
               <a:solidFill>
                 <a:srgbClr val="000000"/>
               </a:solidFill>
               <a:uFill>
                 <a:solidFill>
-                  <a:srgbClr val="ffffff"/>
+                  <a:srgbClr val="FFFFFF"/>
                 </a:solidFill>
               </a:uFill>
               <a:latin typeface="Arial"/>
@@ -880,15 +1063,16 @@
           </a:prstGeom>
         </p:spPr>
         <p:txBody>
-          <a:bodyPr lIns="0" rIns="0" tIns="0" bIns="0"/>
-          <a:p>
-            <a:endParaRPr b="0" lang="en-GB" sz="3200" spc="-1" strike="noStrike">
+          <a:bodyPr lIns="0" tIns="0" rIns="0" bIns="0"/>
+          <a:lstStyle/>
+          <a:p>
+            <a:endParaRPr lang="en-GB" sz="3200" b="0" strike="noStrike" spc="-1">
               <a:solidFill>
                 <a:srgbClr val="000000"/>
               </a:solidFill>
               <a:uFill>
                 <a:solidFill>
-                  <a:srgbClr val="ffffff"/>
+                  <a:srgbClr val="FFFFFF"/>
                 </a:solidFill>
               </a:uFill>
               <a:latin typeface="Arial"/>
@@ -898,7 +1082,7 @@
       </p:sp>
       <p:pic>
         <p:nvPicPr>
-          <p:cNvPr id="34" name="" descr=""/>
+          <p:cNvPr id="34" name="Picture 33"/>
           <p:cNvPicPr/>
           <p:nvPr/>
         </p:nvPicPr>
@@ -921,12 +1105,12 @@
       </p:pic>
       <p:pic>
         <p:nvPicPr>
-          <p:cNvPr id="35" name="" descr=""/>
+          <p:cNvPr id="35" name="Picture 34"/>
           <p:cNvPicPr/>
           <p:nvPr/>
         </p:nvPicPr>
         <p:blipFill>
-          <a:blip r:embed="rId3"/>
+          <a:blip r:embed="rId2"/>
           <a:stretch/>
         </p:blipFill>
         <p:spPr>
@@ -944,11 +1128,14 @@
       </p:pic>
     </p:spTree>
   </p:cSld>
+  <p:clrMapOvr>
+    <a:masterClrMapping/>
+  </p:clrMapOvr>
 </p:sldLayout>
 </file>
 
 <file path=ppt/slideLayouts/slideLayout13.xml><?xml version="1.0" encoding="utf-8"?>
-<p:sldLayout xmlns:a="http://schemas.openxmlformats.org/drawingml/2006/main" xmlns:p="http://schemas.openxmlformats.org/presentationml/2006/main" xmlns:r="http://schemas.openxmlformats.org/officeDocument/2006/relationships" xmlns:p14="http://schemas.microsoft.com/office/powerpoint/2010/main" xmlns:p15="http://schemas.microsoft.com/office/powerpoint/2012/main" xmlns:mc="http://schemas.openxmlformats.org/markup-compatibility/2006" type="blank" preserve="1">
+<p:sldLayout xmlns:a="http://schemas.openxmlformats.org/drawingml/2006/main" xmlns:r="http://schemas.openxmlformats.org/officeDocument/2006/relationships" xmlns:p="http://schemas.openxmlformats.org/presentationml/2006/main" type="blank" preserve="1">
   <p:cSld name="Blank Slide">
     <p:spTree>
       <p:nvGrpSpPr>
@@ -966,11 +1153,14 @@
       </p:grpSpPr>
     </p:spTree>
   </p:cSld>
+  <p:clrMapOvr>
+    <a:masterClrMapping/>
+  </p:clrMapOvr>
 </p:sldLayout>
 </file>
 
 <file path=ppt/slideLayouts/slideLayout14.xml><?xml version="1.0" encoding="utf-8"?>
-<p:sldLayout xmlns:a="http://schemas.openxmlformats.org/drawingml/2006/main" xmlns:p="http://schemas.openxmlformats.org/presentationml/2006/main" xmlns:r="http://schemas.openxmlformats.org/officeDocument/2006/relationships" xmlns:p14="http://schemas.microsoft.com/office/powerpoint/2010/main" xmlns:p15="http://schemas.microsoft.com/office/powerpoint/2012/main" xmlns:mc="http://schemas.openxmlformats.org/markup-compatibility/2006" type="tx" preserve="1">
+<p:sldLayout xmlns:a="http://schemas.openxmlformats.org/drawingml/2006/main" xmlns:r="http://schemas.openxmlformats.org/officeDocument/2006/relationships" xmlns:p="http://schemas.openxmlformats.org/presentationml/2006/main" type="tx" preserve="1">
   <p:cSld name="Title Slide">
     <p:spTree>
       <p:nvGrpSpPr>
@@ -1006,16 +1196,17 @@
           </a:prstGeom>
         </p:spPr>
         <p:txBody>
-          <a:bodyPr lIns="0" rIns="0" tIns="0" bIns="0" anchor="ctr"/>
+          <a:bodyPr lIns="0" tIns="0" rIns="0" bIns="0" anchor="ctr"/>
+          <a:lstStyle/>
           <a:p>
             <a:pPr algn="ctr"/>
-            <a:endParaRPr b="0" lang="en-GB" sz="4400" spc="-1" strike="noStrike">
+            <a:endParaRPr lang="en-GB" sz="4400" b="0" strike="noStrike" spc="-1">
               <a:solidFill>
                 <a:srgbClr val="000000"/>
               </a:solidFill>
               <a:uFill>
                 <a:solidFill>
-                  <a:srgbClr val="ffffff"/>
+                  <a:srgbClr val="FFFFFF"/>
                 </a:solidFill>
               </a:uFill>
               <a:latin typeface="Arial"/>
@@ -1043,16 +1234,17 @@
           </a:prstGeom>
         </p:spPr>
         <p:txBody>
-          <a:bodyPr lIns="0" rIns="0" tIns="0" bIns="0" anchor="ctr"/>
+          <a:bodyPr lIns="0" tIns="0" rIns="0" bIns="0" anchor="ctr"/>
+          <a:lstStyle/>
           <a:p>
             <a:pPr algn="ctr"/>
-            <a:endParaRPr b="0" lang="en-GB" sz="3200" spc="-1" strike="noStrike">
+            <a:endParaRPr lang="en-GB" sz="3200" b="0" strike="noStrike" spc="-1">
               <a:solidFill>
                 <a:srgbClr val="000000"/>
               </a:solidFill>
               <a:uFill>
                 <a:solidFill>
-                  <a:srgbClr val="ffffff"/>
+                  <a:srgbClr val="FFFFFF"/>
                 </a:solidFill>
               </a:uFill>
               <a:latin typeface="Arial"/>
@@ -1062,11 +1254,14 @@
       </p:sp>
     </p:spTree>
   </p:cSld>
+  <p:clrMapOvr>
+    <a:masterClrMapping/>
+  </p:clrMapOvr>
 </p:sldLayout>
 </file>
 
 <file path=ppt/slideLayouts/slideLayout15.xml><?xml version="1.0" encoding="utf-8"?>
-<p:sldLayout xmlns:a="http://schemas.openxmlformats.org/drawingml/2006/main" xmlns:p="http://schemas.openxmlformats.org/presentationml/2006/main" xmlns:r="http://schemas.openxmlformats.org/officeDocument/2006/relationships" xmlns:p14="http://schemas.microsoft.com/office/powerpoint/2010/main" xmlns:p15="http://schemas.microsoft.com/office/powerpoint/2012/main" xmlns:mc="http://schemas.openxmlformats.org/markup-compatibility/2006" type="obj" preserve="1">
+<p:sldLayout xmlns:a="http://schemas.openxmlformats.org/drawingml/2006/main" xmlns:r="http://schemas.openxmlformats.org/officeDocument/2006/relationships" xmlns:p="http://schemas.openxmlformats.org/presentationml/2006/main" type="obj" preserve="1">
   <p:cSld name="Title, Content">
     <p:spTree>
       <p:nvGrpSpPr>
@@ -1102,16 +1297,17 @@
           </a:prstGeom>
         </p:spPr>
         <p:txBody>
-          <a:bodyPr lIns="0" rIns="0" tIns="0" bIns="0" anchor="ctr"/>
+          <a:bodyPr lIns="0" tIns="0" rIns="0" bIns="0" anchor="ctr"/>
+          <a:lstStyle/>
           <a:p>
             <a:pPr algn="ctr"/>
-            <a:endParaRPr b="0" lang="en-GB" sz="4400" spc="-1" strike="noStrike">
+            <a:endParaRPr lang="en-GB" sz="4400" b="0" strike="noStrike" spc="-1">
               <a:solidFill>
                 <a:srgbClr val="000000"/>
               </a:solidFill>
               <a:uFill>
                 <a:solidFill>
-                  <a:srgbClr val="ffffff"/>
+                  <a:srgbClr val="FFFFFF"/>
                 </a:solidFill>
               </a:uFill>
               <a:latin typeface="Arial"/>
@@ -1139,15 +1335,16 @@
           </a:prstGeom>
         </p:spPr>
         <p:txBody>
-          <a:bodyPr lIns="0" rIns="0" tIns="0" bIns="0"/>
-          <a:p>
-            <a:endParaRPr b="0" lang="en-GB" sz="3200" spc="-1" strike="noStrike">
+          <a:bodyPr lIns="0" tIns="0" rIns="0" bIns="0"/>
+          <a:lstStyle/>
+          <a:p>
+            <a:endParaRPr lang="en-GB" sz="3200" b="0" strike="noStrike" spc="-1">
               <a:solidFill>
                 <a:srgbClr val="000000"/>
               </a:solidFill>
               <a:uFill>
                 <a:solidFill>
-                  <a:srgbClr val="ffffff"/>
+                  <a:srgbClr val="FFFFFF"/>
                 </a:solidFill>
               </a:uFill>
               <a:latin typeface="Arial"/>
@@ -1157,11 +1354,14 @@
       </p:sp>
     </p:spTree>
   </p:cSld>
+  <p:clrMapOvr>
+    <a:masterClrMapping/>
+  </p:clrMapOvr>
 </p:sldLayout>
 </file>
 
 <file path=ppt/slideLayouts/slideLayout16.xml><?xml version="1.0" encoding="utf-8"?>
-<p:sldLayout xmlns:a="http://schemas.openxmlformats.org/drawingml/2006/main" xmlns:p="http://schemas.openxmlformats.org/presentationml/2006/main" xmlns:r="http://schemas.openxmlformats.org/officeDocument/2006/relationships" xmlns:p14="http://schemas.microsoft.com/office/powerpoint/2010/main" xmlns:p15="http://schemas.microsoft.com/office/powerpoint/2012/main" xmlns:mc="http://schemas.openxmlformats.org/markup-compatibility/2006" type="twoObj" preserve="1">
+<p:sldLayout xmlns:a="http://schemas.openxmlformats.org/drawingml/2006/main" xmlns:r="http://schemas.openxmlformats.org/officeDocument/2006/relationships" xmlns:p="http://schemas.openxmlformats.org/presentationml/2006/main" type="twoObj" preserve="1">
   <p:cSld name="Title, 2 Content">
     <p:spTree>
       <p:nvGrpSpPr>
@@ -1197,16 +1397,17 @@
           </a:prstGeom>
         </p:spPr>
         <p:txBody>
-          <a:bodyPr lIns="0" rIns="0" tIns="0" bIns="0" anchor="ctr"/>
+          <a:bodyPr lIns="0" tIns="0" rIns="0" bIns="0" anchor="ctr"/>
+          <a:lstStyle/>
           <a:p>
             <a:pPr algn="ctr"/>
-            <a:endParaRPr b="0" lang="en-GB" sz="4400" spc="-1" strike="noStrike">
+            <a:endParaRPr lang="en-GB" sz="4400" b="0" strike="noStrike" spc="-1">
               <a:solidFill>
                 <a:srgbClr val="000000"/>
               </a:solidFill>
               <a:uFill>
                 <a:solidFill>
-                  <a:srgbClr val="ffffff"/>
+                  <a:srgbClr val="FFFFFF"/>
                 </a:solidFill>
               </a:uFill>
               <a:latin typeface="Arial"/>
@@ -1234,15 +1435,16 @@
           </a:prstGeom>
         </p:spPr>
         <p:txBody>
-          <a:bodyPr lIns="0" rIns="0" tIns="0" bIns="0"/>
-          <a:p>
-            <a:endParaRPr b="0" lang="en-GB" sz="3200" spc="-1" strike="noStrike">
+          <a:bodyPr lIns="0" tIns="0" rIns="0" bIns="0"/>
+          <a:lstStyle/>
+          <a:p>
+            <a:endParaRPr lang="en-GB" sz="3200" b="0" strike="noStrike" spc="-1">
               <a:solidFill>
                 <a:srgbClr val="000000"/>
               </a:solidFill>
               <a:uFill>
                 <a:solidFill>
-                  <a:srgbClr val="ffffff"/>
+                  <a:srgbClr val="FFFFFF"/>
                 </a:solidFill>
               </a:uFill>
               <a:latin typeface="Arial"/>
@@ -1270,15 +1472,16 @@
           </a:prstGeom>
         </p:spPr>
         <p:txBody>
-          <a:bodyPr lIns="0" rIns="0" tIns="0" bIns="0"/>
-          <a:p>
-            <a:endParaRPr b="0" lang="en-GB" sz="3200" spc="-1" strike="noStrike">
+          <a:bodyPr lIns="0" tIns="0" rIns="0" bIns="0"/>
+          <a:lstStyle/>
+          <a:p>
+            <a:endParaRPr lang="en-GB" sz="3200" b="0" strike="noStrike" spc="-1">
               <a:solidFill>
                 <a:srgbClr val="000000"/>
               </a:solidFill>
               <a:uFill>
                 <a:solidFill>
-                  <a:srgbClr val="ffffff"/>
+                  <a:srgbClr val="FFFFFF"/>
                 </a:solidFill>
               </a:uFill>
               <a:latin typeface="Arial"/>
@@ -1288,11 +1491,14 @@
       </p:sp>
     </p:spTree>
   </p:cSld>
+  <p:clrMapOvr>
+    <a:masterClrMapping/>
+  </p:clrMapOvr>
 </p:sldLayout>
 </file>
 
 <file path=ppt/slideLayouts/slideLayout17.xml><?xml version="1.0" encoding="utf-8"?>
-<p:sldLayout xmlns:a="http://schemas.openxmlformats.org/drawingml/2006/main" xmlns:p="http://schemas.openxmlformats.org/presentationml/2006/main" xmlns:r="http://schemas.openxmlformats.org/officeDocument/2006/relationships" xmlns:p14="http://schemas.microsoft.com/office/powerpoint/2010/main" xmlns:p15="http://schemas.microsoft.com/office/powerpoint/2012/main" xmlns:mc="http://schemas.openxmlformats.org/markup-compatibility/2006" type="titleOnly" preserve="1">
+<p:sldLayout xmlns:a="http://schemas.openxmlformats.org/drawingml/2006/main" xmlns:r="http://schemas.openxmlformats.org/officeDocument/2006/relationships" xmlns:p="http://schemas.openxmlformats.org/presentationml/2006/main" type="titleOnly" preserve="1">
   <p:cSld name="Title Only">
     <p:spTree>
       <p:nvGrpSpPr>
@@ -1328,16 +1534,17 @@
           </a:prstGeom>
         </p:spPr>
         <p:txBody>
-          <a:bodyPr lIns="0" rIns="0" tIns="0" bIns="0" anchor="ctr"/>
+          <a:bodyPr lIns="0" tIns="0" rIns="0" bIns="0" anchor="ctr"/>
+          <a:lstStyle/>
           <a:p>
             <a:pPr algn="ctr"/>
-            <a:endParaRPr b="0" lang="en-GB" sz="4400" spc="-1" strike="noStrike">
+            <a:endParaRPr lang="en-GB" sz="4400" b="0" strike="noStrike" spc="-1">
               <a:solidFill>
                 <a:srgbClr val="000000"/>
               </a:solidFill>
               <a:uFill>
                 <a:solidFill>
-                  <a:srgbClr val="ffffff"/>
+                  <a:srgbClr val="FFFFFF"/>
                 </a:solidFill>
               </a:uFill>
               <a:latin typeface="Arial"/>
@@ -1347,11 +1554,14 @@
       </p:sp>
     </p:spTree>
   </p:cSld>
+  <p:clrMapOvr>
+    <a:masterClrMapping/>
+  </p:clrMapOvr>
 </p:sldLayout>
 </file>
 
 <file path=ppt/slideLayouts/slideLayout18.xml><?xml version="1.0" encoding="utf-8"?>
-<p:sldLayout xmlns:a="http://schemas.openxmlformats.org/drawingml/2006/main" xmlns:p="http://schemas.openxmlformats.org/presentationml/2006/main" xmlns:r="http://schemas.openxmlformats.org/officeDocument/2006/relationships" xmlns:p14="http://schemas.microsoft.com/office/powerpoint/2010/main" xmlns:p15="http://schemas.microsoft.com/office/powerpoint/2012/main" xmlns:mc="http://schemas.openxmlformats.org/markup-compatibility/2006" type="objOnly" preserve="1">
+<p:sldLayout xmlns:a="http://schemas.openxmlformats.org/drawingml/2006/main" xmlns:r="http://schemas.openxmlformats.org/officeDocument/2006/relationships" xmlns:p="http://schemas.openxmlformats.org/presentationml/2006/main" type="objOnly" preserve="1">
   <p:cSld name="Centered Text">
     <p:spTree>
       <p:nvGrpSpPr>
@@ -1387,16 +1597,17 @@
           </a:prstGeom>
         </p:spPr>
         <p:txBody>
-          <a:bodyPr lIns="0" rIns="0" tIns="0" bIns="0" anchor="ctr"/>
+          <a:bodyPr lIns="0" tIns="0" rIns="0" bIns="0" anchor="ctr"/>
+          <a:lstStyle/>
           <a:p>
             <a:pPr algn="ctr"/>
-            <a:endParaRPr b="0" lang="en-GB" sz="3200" spc="-1" strike="noStrike">
+            <a:endParaRPr lang="en-GB" sz="3200" b="0" strike="noStrike" spc="-1">
               <a:solidFill>
                 <a:srgbClr val="000000"/>
               </a:solidFill>
               <a:uFill>
                 <a:solidFill>
-                  <a:srgbClr val="ffffff"/>
+                  <a:srgbClr val="FFFFFF"/>
                 </a:solidFill>
               </a:uFill>
               <a:latin typeface="Arial"/>
@@ -1406,11 +1617,14 @@
       </p:sp>
     </p:spTree>
   </p:cSld>
+  <p:clrMapOvr>
+    <a:masterClrMapping/>
+  </p:clrMapOvr>
 </p:sldLayout>
 </file>
 
 <file path=ppt/slideLayouts/slideLayout19.xml><?xml version="1.0" encoding="utf-8"?>
-<p:sldLayout xmlns:a="http://schemas.openxmlformats.org/drawingml/2006/main" xmlns:p="http://schemas.openxmlformats.org/presentationml/2006/main" xmlns:r="http://schemas.openxmlformats.org/officeDocument/2006/relationships" xmlns:p14="http://schemas.microsoft.com/office/powerpoint/2010/main" xmlns:p15="http://schemas.microsoft.com/office/powerpoint/2012/main" xmlns:mc="http://schemas.openxmlformats.org/markup-compatibility/2006" type="twoObjAndObj" preserve="1">
+<p:sldLayout xmlns:a="http://schemas.openxmlformats.org/drawingml/2006/main" xmlns:r="http://schemas.openxmlformats.org/officeDocument/2006/relationships" xmlns:p="http://schemas.openxmlformats.org/presentationml/2006/main" type="twoObjAndObj" preserve="1">
   <p:cSld name="Title, 2 Content and Content">
     <p:spTree>
       <p:nvGrpSpPr>
@@ -1446,16 +1660,17 @@
           </a:prstGeom>
         </p:spPr>
         <p:txBody>
-          <a:bodyPr lIns="0" rIns="0" tIns="0" bIns="0" anchor="ctr"/>
+          <a:bodyPr lIns="0" tIns="0" rIns="0" bIns="0" anchor="ctr"/>
+          <a:lstStyle/>
           <a:p>
             <a:pPr algn="ctr"/>
-            <a:endParaRPr b="0" lang="en-GB" sz="4400" spc="-1" strike="noStrike">
+            <a:endParaRPr lang="en-GB" sz="4400" b="0" strike="noStrike" spc="-1">
               <a:solidFill>
                 <a:srgbClr val="000000"/>
               </a:solidFill>
               <a:uFill>
                 <a:solidFill>
-                  <a:srgbClr val="ffffff"/>
+                  <a:srgbClr val="FFFFFF"/>
                 </a:solidFill>
               </a:uFill>
               <a:latin typeface="Arial"/>
@@ -1483,15 +1698,16 @@
           </a:prstGeom>
         </p:spPr>
         <p:txBody>
-          <a:bodyPr lIns="0" rIns="0" tIns="0" bIns="0"/>
-          <a:p>
-            <a:endParaRPr b="0" lang="en-GB" sz="3200" spc="-1" strike="noStrike">
+          <a:bodyPr lIns="0" tIns="0" rIns="0" bIns="0"/>
+          <a:lstStyle/>
+          <a:p>
+            <a:endParaRPr lang="en-GB" sz="3200" b="0" strike="noStrike" spc="-1">
               <a:solidFill>
                 <a:srgbClr val="000000"/>
               </a:solidFill>
               <a:uFill>
                 <a:solidFill>
-                  <a:srgbClr val="ffffff"/>
+                  <a:srgbClr val="FFFFFF"/>
                 </a:solidFill>
               </a:uFill>
               <a:latin typeface="Arial"/>
@@ -1519,15 +1735,16 @@
           </a:prstGeom>
         </p:spPr>
         <p:txBody>
-          <a:bodyPr lIns="0" rIns="0" tIns="0" bIns="0"/>
-          <a:p>
-            <a:endParaRPr b="0" lang="en-GB" sz="3200" spc="-1" strike="noStrike">
+          <a:bodyPr lIns="0" tIns="0" rIns="0" bIns="0"/>
+          <a:lstStyle/>
+          <a:p>
+            <a:endParaRPr lang="en-GB" sz="3200" b="0" strike="noStrike" spc="-1">
               <a:solidFill>
                 <a:srgbClr val="000000"/>
               </a:solidFill>
               <a:uFill>
                 <a:solidFill>
-                  <a:srgbClr val="ffffff"/>
+                  <a:srgbClr val="FFFFFF"/>
                 </a:solidFill>
               </a:uFill>
               <a:latin typeface="Arial"/>
@@ -1555,15 +1772,16 @@
           </a:prstGeom>
         </p:spPr>
         <p:txBody>
-          <a:bodyPr lIns="0" rIns="0" tIns="0" bIns="0"/>
-          <a:p>
-            <a:endParaRPr b="0" lang="en-GB" sz="3200" spc="-1" strike="noStrike">
+          <a:bodyPr lIns="0" tIns="0" rIns="0" bIns="0"/>
+          <a:lstStyle/>
+          <a:p>
+            <a:endParaRPr lang="en-GB" sz="3200" b="0" strike="noStrike" spc="-1">
               <a:solidFill>
                 <a:srgbClr val="000000"/>
               </a:solidFill>
               <a:uFill>
                 <a:solidFill>
-                  <a:srgbClr val="ffffff"/>
+                  <a:srgbClr val="FFFFFF"/>
                 </a:solidFill>
               </a:uFill>
               <a:latin typeface="Arial"/>
@@ -1573,11 +1791,14 @@
       </p:sp>
     </p:spTree>
   </p:cSld>
+  <p:clrMapOvr>
+    <a:masterClrMapping/>
+  </p:clrMapOvr>
 </p:sldLayout>
 </file>
 
 <file path=ppt/slideLayouts/slideLayout2.xml><?xml version="1.0" encoding="utf-8"?>
-<p:sldLayout xmlns:a="http://schemas.openxmlformats.org/drawingml/2006/main" xmlns:p="http://schemas.openxmlformats.org/presentationml/2006/main" xmlns:r="http://schemas.openxmlformats.org/officeDocument/2006/relationships" xmlns:p14="http://schemas.microsoft.com/office/powerpoint/2010/main" xmlns:p15="http://schemas.microsoft.com/office/powerpoint/2012/main" xmlns:mc="http://schemas.openxmlformats.org/markup-compatibility/2006" type="tx" preserve="1">
+<p:sldLayout xmlns:a="http://schemas.openxmlformats.org/drawingml/2006/main" xmlns:r="http://schemas.openxmlformats.org/officeDocument/2006/relationships" xmlns:p="http://schemas.openxmlformats.org/presentationml/2006/main" type="tx" preserve="1">
   <p:cSld name="Title Slide">
     <p:spTree>
       <p:nvGrpSpPr>
@@ -1613,16 +1834,17 @@
           </a:prstGeom>
         </p:spPr>
         <p:txBody>
-          <a:bodyPr lIns="0" rIns="0" tIns="0" bIns="0" anchor="ctr"/>
+          <a:bodyPr lIns="0" tIns="0" rIns="0" bIns="0" anchor="ctr"/>
+          <a:lstStyle/>
           <a:p>
             <a:pPr algn="ctr"/>
-            <a:endParaRPr b="0" lang="en-GB" sz="4400" spc="-1" strike="noStrike">
+            <a:endParaRPr lang="en-GB" sz="4400" b="0" strike="noStrike" spc="-1">
               <a:solidFill>
                 <a:srgbClr val="000000"/>
               </a:solidFill>
               <a:uFill>
                 <a:solidFill>
-                  <a:srgbClr val="ffffff"/>
+                  <a:srgbClr val="FFFFFF"/>
                 </a:solidFill>
               </a:uFill>
               <a:latin typeface="Arial"/>
@@ -1650,16 +1872,17 @@
           </a:prstGeom>
         </p:spPr>
         <p:txBody>
-          <a:bodyPr lIns="0" rIns="0" tIns="0" bIns="0" anchor="ctr"/>
+          <a:bodyPr lIns="0" tIns="0" rIns="0" bIns="0" anchor="ctr"/>
+          <a:lstStyle/>
           <a:p>
             <a:pPr algn="ctr"/>
-            <a:endParaRPr b="0" lang="en-GB" sz="3200" spc="-1" strike="noStrike">
+            <a:endParaRPr lang="en-GB" sz="3200" b="0" strike="noStrike" spc="-1">
               <a:solidFill>
                 <a:srgbClr val="000000"/>
               </a:solidFill>
               <a:uFill>
                 <a:solidFill>
-                  <a:srgbClr val="ffffff"/>
+                  <a:srgbClr val="FFFFFF"/>
                 </a:solidFill>
               </a:uFill>
               <a:latin typeface="Arial"/>
@@ -1669,11 +1892,14 @@
       </p:sp>
     </p:spTree>
   </p:cSld>
+  <p:clrMapOvr>
+    <a:masterClrMapping/>
+  </p:clrMapOvr>
 </p:sldLayout>
 </file>
 
 <file path=ppt/slideLayouts/slideLayout20.xml><?xml version="1.0" encoding="utf-8"?>
-<p:sldLayout xmlns:a="http://schemas.openxmlformats.org/drawingml/2006/main" xmlns:p="http://schemas.openxmlformats.org/presentationml/2006/main" xmlns:r="http://schemas.openxmlformats.org/officeDocument/2006/relationships" xmlns:p14="http://schemas.microsoft.com/office/powerpoint/2010/main" xmlns:p15="http://schemas.microsoft.com/office/powerpoint/2012/main" xmlns:mc="http://schemas.openxmlformats.org/markup-compatibility/2006" type="objAndTwoObj" preserve="1">
+<p:sldLayout xmlns:a="http://schemas.openxmlformats.org/drawingml/2006/main" xmlns:r="http://schemas.openxmlformats.org/officeDocument/2006/relationships" xmlns:p="http://schemas.openxmlformats.org/presentationml/2006/main" type="objAndTwoObj" preserve="1">
   <p:cSld name="Title Content and 2 Content">
     <p:spTree>
       <p:nvGrpSpPr>
@@ -1709,16 +1935,17 @@
           </a:prstGeom>
         </p:spPr>
         <p:txBody>
-          <a:bodyPr lIns="0" rIns="0" tIns="0" bIns="0" anchor="ctr"/>
+          <a:bodyPr lIns="0" tIns="0" rIns="0" bIns="0" anchor="ctr"/>
+          <a:lstStyle/>
           <a:p>
             <a:pPr algn="ctr"/>
-            <a:endParaRPr b="0" lang="en-GB" sz="4400" spc="-1" strike="noStrike">
+            <a:endParaRPr lang="en-GB" sz="4400" b="0" strike="noStrike" spc="-1">
               <a:solidFill>
                 <a:srgbClr val="000000"/>
               </a:solidFill>
               <a:uFill>
                 <a:solidFill>
-                  <a:srgbClr val="ffffff"/>
+                  <a:srgbClr val="FFFFFF"/>
                 </a:solidFill>
               </a:uFill>
               <a:latin typeface="Arial"/>
@@ -1746,15 +1973,16 @@
           </a:prstGeom>
         </p:spPr>
         <p:txBody>
-          <a:bodyPr lIns="0" rIns="0" tIns="0" bIns="0"/>
-          <a:p>
-            <a:endParaRPr b="0" lang="en-GB" sz="3200" spc="-1" strike="noStrike">
+          <a:bodyPr lIns="0" tIns="0" rIns="0" bIns="0"/>
+          <a:lstStyle/>
+          <a:p>
+            <a:endParaRPr lang="en-GB" sz="3200" b="0" strike="noStrike" spc="-1">
               <a:solidFill>
                 <a:srgbClr val="000000"/>
               </a:solidFill>
               <a:uFill>
                 <a:solidFill>
-                  <a:srgbClr val="ffffff"/>
+                  <a:srgbClr val="FFFFFF"/>
                 </a:solidFill>
               </a:uFill>
               <a:latin typeface="Arial"/>
@@ -1782,15 +2010,16 @@
           </a:prstGeom>
         </p:spPr>
         <p:txBody>
-          <a:bodyPr lIns="0" rIns="0" tIns="0" bIns="0"/>
-          <a:p>
-            <a:endParaRPr b="0" lang="en-GB" sz="3200" spc="-1" strike="noStrike">
+          <a:bodyPr lIns="0" tIns="0" rIns="0" bIns="0"/>
+          <a:lstStyle/>
+          <a:p>
+            <a:endParaRPr lang="en-GB" sz="3200" b="0" strike="noStrike" spc="-1">
               <a:solidFill>
                 <a:srgbClr val="000000"/>
               </a:solidFill>
               <a:uFill>
                 <a:solidFill>
-                  <a:srgbClr val="ffffff"/>
+                  <a:srgbClr val="FFFFFF"/>
                 </a:solidFill>
               </a:uFill>
               <a:latin typeface="Arial"/>
@@ -1818,15 +2047,16 @@
           </a:prstGeom>
         </p:spPr>
         <p:txBody>
-          <a:bodyPr lIns="0" rIns="0" tIns="0" bIns="0"/>
-          <a:p>
-            <a:endParaRPr b="0" lang="en-GB" sz="3200" spc="-1" strike="noStrike">
+          <a:bodyPr lIns="0" tIns="0" rIns="0" bIns="0"/>
+          <a:lstStyle/>
+          <a:p>
+            <a:endParaRPr lang="en-GB" sz="3200" b="0" strike="noStrike" spc="-1">
               <a:solidFill>
                 <a:srgbClr val="000000"/>
               </a:solidFill>
               <a:uFill>
                 <a:solidFill>
-                  <a:srgbClr val="ffffff"/>
+                  <a:srgbClr val="FFFFFF"/>
                 </a:solidFill>
               </a:uFill>
               <a:latin typeface="Arial"/>
@@ -1836,11 +2066,14 @@
       </p:sp>
     </p:spTree>
   </p:cSld>
+  <p:clrMapOvr>
+    <a:masterClrMapping/>
+  </p:clrMapOvr>
 </p:sldLayout>
 </file>
 
 <file path=ppt/slideLayouts/slideLayout21.xml><?xml version="1.0" encoding="utf-8"?>
-<p:sldLayout xmlns:a="http://schemas.openxmlformats.org/drawingml/2006/main" xmlns:p="http://schemas.openxmlformats.org/presentationml/2006/main" xmlns:r="http://schemas.openxmlformats.org/officeDocument/2006/relationships" xmlns:p14="http://schemas.microsoft.com/office/powerpoint/2010/main" xmlns:p15="http://schemas.microsoft.com/office/powerpoint/2012/main" xmlns:mc="http://schemas.openxmlformats.org/markup-compatibility/2006" type="twoObjOverTx" preserve="1">
+<p:sldLayout xmlns:a="http://schemas.openxmlformats.org/drawingml/2006/main" xmlns:r="http://schemas.openxmlformats.org/officeDocument/2006/relationships" xmlns:p="http://schemas.openxmlformats.org/presentationml/2006/main" type="twoObjOverTx" preserve="1">
   <p:cSld name="Title, 2 Content over Content">
     <p:spTree>
       <p:nvGrpSpPr>
@@ -1876,16 +2109,17 @@
           </a:prstGeom>
         </p:spPr>
         <p:txBody>
-          <a:bodyPr lIns="0" rIns="0" tIns="0" bIns="0" anchor="ctr"/>
+          <a:bodyPr lIns="0" tIns="0" rIns="0" bIns="0" anchor="ctr"/>
+          <a:lstStyle/>
           <a:p>
             <a:pPr algn="ctr"/>
-            <a:endParaRPr b="0" lang="en-GB" sz="4400" spc="-1" strike="noStrike">
+            <a:endParaRPr lang="en-GB" sz="4400" b="0" strike="noStrike" spc="-1">
               <a:solidFill>
                 <a:srgbClr val="000000"/>
               </a:solidFill>
               <a:uFill>
                 <a:solidFill>
-                  <a:srgbClr val="ffffff"/>
+                  <a:srgbClr val="FFFFFF"/>
                 </a:solidFill>
               </a:uFill>
               <a:latin typeface="Arial"/>
@@ -1913,15 +2147,16 @@
           </a:prstGeom>
         </p:spPr>
         <p:txBody>
-          <a:bodyPr lIns="0" rIns="0" tIns="0" bIns="0"/>
-          <a:p>
-            <a:endParaRPr b="0" lang="en-GB" sz="3200" spc="-1" strike="noStrike">
+          <a:bodyPr lIns="0" tIns="0" rIns="0" bIns="0"/>
+          <a:lstStyle/>
+          <a:p>
+            <a:endParaRPr lang="en-GB" sz="3200" b="0" strike="noStrike" spc="-1">
               <a:solidFill>
                 <a:srgbClr val="000000"/>
               </a:solidFill>
               <a:uFill>
                 <a:solidFill>
-                  <a:srgbClr val="ffffff"/>
+                  <a:srgbClr val="FFFFFF"/>
                 </a:solidFill>
               </a:uFill>
               <a:latin typeface="Arial"/>
@@ -1949,15 +2184,16 @@
           </a:prstGeom>
         </p:spPr>
         <p:txBody>
-          <a:bodyPr lIns="0" rIns="0" tIns="0" bIns="0"/>
-          <a:p>
-            <a:endParaRPr b="0" lang="en-GB" sz="3200" spc="-1" strike="noStrike">
+          <a:bodyPr lIns="0" tIns="0" rIns="0" bIns="0"/>
+          <a:lstStyle/>
+          <a:p>
+            <a:endParaRPr lang="en-GB" sz="3200" b="0" strike="noStrike" spc="-1">
               <a:solidFill>
                 <a:srgbClr val="000000"/>
               </a:solidFill>
               <a:uFill>
                 <a:solidFill>
-                  <a:srgbClr val="ffffff"/>
+                  <a:srgbClr val="FFFFFF"/>
                 </a:solidFill>
               </a:uFill>
               <a:latin typeface="Arial"/>
@@ -1985,15 +2221,16 @@
           </a:prstGeom>
         </p:spPr>
         <p:txBody>
-          <a:bodyPr lIns="0" rIns="0" tIns="0" bIns="0"/>
-          <a:p>
-            <a:endParaRPr b="0" lang="en-GB" sz="3200" spc="-1" strike="noStrike">
+          <a:bodyPr lIns="0" tIns="0" rIns="0" bIns="0"/>
+          <a:lstStyle/>
+          <a:p>
+            <a:endParaRPr lang="en-GB" sz="3200" b="0" strike="noStrike" spc="-1">
               <a:solidFill>
                 <a:srgbClr val="000000"/>
               </a:solidFill>
               <a:uFill>
                 <a:solidFill>
-                  <a:srgbClr val="ffffff"/>
+                  <a:srgbClr val="FFFFFF"/>
                 </a:solidFill>
               </a:uFill>
               <a:latin typeface="Arial"/>
@@ -2003,11 +2240,14 @@
       </p:sp>
     </p:spTree>
   </p:cSld>
+  <p:clrMapOvr>
+    <a:masterClrMapping/>
+  </p:clrMapOvr>
 </p:sldLayout>
 </file>
 
 <file path=ppt/slideLayouts/slideLayout22.xml><?xml version="1.0" encoding="utf-8"?>
-<p:sldLayout xmlns:a="http://schemas.openxmlformats.org/drawingml/2006/main" xmlns:p="http://schemas.openxmlformats.org/presentationml/2006/main" xmlns:r="http://schemas.openxmlformats.org/officeDocument/2006/relationships" xmlns:p14="http://schemas.microsoft.com/office/powerpoint/2010/main" xmlns:p15="http://schemas.microsoft.com/office/powerpoint/2012/main" xmlns:mc="http://schemas.openxmlformats.org/markup-compatibility/2006" type="objOverTx" preserve="1">
+<p:sldLayout xmlns:a="http://schemas.openxmlformats.org/drawingml/2006/main" xmlns:r="http://schemas.openxmlformats.org/officeDocument/2006/relationships" xmlns:p="http://schemas.openxmlformats.org/presentationml/2006/main" type="objOverTx" preserve="1">
   <p:cSld name="Title, Content over Content">
     <p:spTree>
       <p:nvGrpSpPr>
@@ -2043,16 +2283,17 @@
           </a:prstGeom>
         </p:spPr>
         <p:txBody>
-          <a:bodyPr lIns="0" rIns="0" tIns="0" bIns="0" anchor="ctr"/>
+          <a:bodyPr lIns="0" tIns="0" rIns="0" bIns="0" anchor="ctr"/>
+          <a:lstStyle/>
           <a:p>
             <a:pPr algn="ctr"/>
-            <a:endParaRPr b="0" lang="en-GB" sz="4400" spc="-1" strike="noStrike">
+            <a:endParaRPr lang="en-GB" sz="4400" b="0" strike="noStrike" spc="-1">
               <a:solidFill>
                 <a:srgbClr val="000000"/>
               </a:solidFill>
               <a:uFill>
                 <a:solidFill>
-                  <a:srgbClr val="ffffff"/>
+                  <a:srgbClr val="FFFFFF"/>
                 </a:solidFill>
               </a:uFill>
               <a:latin typeface="Arial"/>
@@ -2080,15 +2321,16 @@
           </a:prstGeom>
         </p:spPr>
         <p:txBody>
-          <a:bodyPr lIns="0" rIns="0" tIns="0" bIns="0"/>
-          <a:p>
-            <a:endParaRPr b="0" lang="en-GB" sz="3200" spc="-1" strike="noStrike">
+          <a:bodyPr lIns="0" tIns="0" rIns="0" bIns="0"/>
+          <a:lstStyle/>
+          <a:p>
+            <a:endParaRPr lang="en-GB" sz="3200" b="0" strike="noStrike" spc="-1">
               <a:solidFill>
                 <a:srgbClr val="000000"/>
               </a:solidFill>
               <a:uFill>
                 <a:solidFill>
-                  <a:srgbClr val="ffffff"/>
+                  <a:srgbClr val="FFFFFF"/>
                 </a:solidFill>
               </a:uFill>
               <a:latin typeface="Arial"/>
@@ -2116,15 +2358,16 @@
           </a:prstGeom>
         </p:spPr>
         <p:txBody>
-          <a:bodyPr lIns="0" rIns="0" tIns="0" bIns="0"/>
-          <a:p>
-            <a:endParaRPr b="0" lang="en-GB" sz="3200" spc="-1" strike="noStrike">
+          <a:bodyPr lIns="0" tIns="0" rIns="0" bIns="0"/>
+          <a:lstStyle/>
+          <a:p>
+            <a:endParaRPr lang="en-GB" sz="3200" b="0" strike="noStrike" spc="-1">
               <a:solidFill>
                 <a:srgbClr val="000000"/>
               </a:solidFill>
               <a:uFill>
                 <a:solidFill>
-                  <a:srgbClr val="ffffff"/>
+                  <a:srgbClr val="FFFFFF"/>
                 </a:solidFill>
               </a:uFill>
               <a:latin typeface="Arial"/>
@@ -2134,11 +2377,14 @@
       </p:sp>
     </p:spTree>
   </p:cSld>
+  <p:clrMapOvr>
+    <a:masterClrMapping/>
+  </p:clrMapOvr>
 </p:sldLayout>
 </file>
 
 <file path=ppt/slideLayouts/slideLayout23.xml><?xml version="1.0" encoding="utf-8"?>
-<p:sldLayout xmlns:a="http://schemas.openxmlformats.org/drawingml/2006/main" xmlns:p="http://schemas.openxmlformats.org/presentationml/2006/main" xmlns:r="http://schemas.openxmlformats.org/officeDocument/2006/relationships" xmlns:p14="http://schemas.microsoft.com/office/powerpoint/2010/main" xmlns:p15="http://schemas.microsoft.com/office/powerpoint/2012/main" xmlns:mc="http://schemas.openxmlformats.org/markup-compatibility/2006" type="fourObj" preserve="1">
+<p:sldLayout xmlns:a="http://schemas.openxmlformats.org/drawingml/2006/main" xmlns:r="http://schemas.openxmlformats.org/officeDocument/2006/relationships" xmlns:p="http://schemas.openxmlformats.org/presentationml/2006/main" type="fourObj" preserve="1">
   <p:cSld name="Title, 4 Content">
     <p:spTree>
       <p:nvGrpSpPr>
@@ -2174,16 +2420,17 @@
           </a:prstGeom>
         </p:spPr>
         <p:txBody>
-          <a:bodyPr lIns="0" rIns="0" tIns="0" bIns="0" anchor="ctr"/>
+          <a:bodyPr lIns="0" tIns="0" rIns="0" bIns="0" anchor="ctr"/>
+          <a:lstStyle/>
           <a:p>
             <a:pPr algn="ctr"/>
-            <a:endParaRPr b="0" lang="en-GB" sz="4400" spc="-1" strike="noStrike">
+            <a:endParaRPr lang="en-GB" sz="4400" b="0" strike="noStrike" spc="-1">
               <a:solidFill>
                 <a:srgbClr val="000000"/>
               </a:solidFill>
               <a:uFill>
                 <a:solidFill>
-                  <a:srgbClr val="ffffff"/>
+                  <a:srgbClr val="FFFFFF"/>
                 </a:solidFill>
               </a:uFill>
               <a:latin typeface="Arial"/>
@@ -2211,15 +2458,16 @@
           </a:prstGeom>
         </p:spPr>
         <p:txBody>
-          <a:bodyPr lIns="0" rIns="0" tIns="0" bIns="0"/>
-          <a:p>
-            <a:endParaRPr b="0" lang="en-GB" sz="3200" spc="-1" strike="noStrike">
+          <a:bodyPr lIns="0" tIns="0" rIns="0" bIns="0"/>
+          <a:lstStyle/>
+          <a:p>
+            <a:endParaRPr lang="en-GB" sz="3200" b="0" strike="noStrike" spc="-1">
               <a:solidFill>
                 <a:srgbClr val="000000"/>
               </a:solidFill>
               <a:uFill>
                 <a:solidFill>
-                  <a:srgbClr val="ffffff"/>
+                  <a:srgbClr val="FFFFFF"/>
                 </a:solidFill>
               </a:uFill>
               <a:latin typeface="Arial"/>
@@ -2247,15 +2495,16 @@
           </a:prstGeom>
         </p:spPr>
         <p:txBody>
-          <a:bodyPr lIns="0" rIns="0" tIns="0" bIns="0"/>
-          <a:p>
-            <a:endParaRPr b="0" lang="en-GB" sz="3200" spc="-1" strike="noStrike">
+          <a:bodyPr lIns="0" tIns="0" rIns="0" bIns="0"/>
+          <a:lstStyle/>
+          <a:p>
+            <a:endParaRPr lang="en-GB" sz="3200" b="0" strike="noStrike" spc="-1">
               <a:solidFill>
                 <a:srgbClr val="000000"/>
               </a:solidFill>
               <a:uFill>
                 <a:solidFill>
-                  <a:srgbClr val="ffffff"/>
+                  <a:srgbClr val="FFFFFF"/>
                 </a:solidFill>
               </a:uFill>
               <a:latin typeface="Arial"/>
@@ -2283,15 +2532,16 @@
           </a:prstGeom>
         </p:spPr>
         <p:txBody>
-          <a:bodyPr lIns="0" rIns="0" tIns="0" bIns="0"/>
-          <a:p>
-            <a:endParaRPr b="0" lang="en-GB" sz="3200" spc="-1" strike="noStrike">
+          <a:bodyPr lIns="0" tIns="0" rIns="0" bIns="0"/>
+          <a:lstStyle/>
+          <a:p>
+            <a:endParaRPr lang="en-GB" sz="3200" b="0" strike="noStrike" spc="-1">
               <a:solidFill>
                 <a:srgbClr val="000000"/>
               </a:solidFill>
               <a:uFill>
                 <a:solidFill>
-                  <a:srgbClr val="ffffff"/>
+                  <a:srgbClr val="FFFFFF"/>
                 </a:solidFill>
               </a:uFill>
               <a:latin typeface="Arial"/>
@@ -2319,15 +2569,16 @@
           </a:prstGeom>
         </p:spPr>
         <p:txBody>
-          <a:bodyPr lIns="0" rIns="0" tIns="0" bIns="0"/>
-          <a:p>
-            <a:endParaRPr b="0" lang="en-GB" sz="3200" spc="-1" strike="noStrike">
+          <a:bodyPr lIns="0" tIns="0" rIns="0" bIns="0"/>
+          <a:lstStyle/>
+          <a:p>
+            <a:endParaRPr lang="en-GB" sz="3200" b="0" strike="noStrike" spc="-1">
               <a:solidFill>
                 <a:srgbClr val="000000"/>
               </a:solidFill>
               <a:uFill>
                 <a:solidFill>
-                  <a:srgbClr val="ffffff"/>
+                  <a:srgbClr val="FFFFFF"/>
                 </a:solidFill>
               </a:uFill>
               <a:latin typeface="Arial"/>
@@ -2337,11 +2588,14 @@
       </p:sp>
     </p:spTree>
   </p:cSld>
+  <p:clrMapOvr>
+    <a:masterClrMapping/>
+  </p:clrMapOvr>
 </p:sldLayout>
 </file>
 
 <file path=ppt/slideLayouts/slideLayout24.xml><?xml version="1.0" encoding="utf-8"?>
-<p:sldLayout xmlns:a="http://schemas.openxmlformats.org/drawingml/2006/main" xmlns:p="http://schemas.openxmlformats.org/presentationml/2006/main" xmlns:r="http://schemas.openxmlformats.org/officeDocument/2006/relationships" xmlns:p14="http://schemas.microsoft.com/office/powerpoint/2010/main" xmlns:p15="http://schemas.microsoft.com/office/powerpoint/2012/main" xmlns:mc="http://schemas.openxmlformats.org/markup-compatibility/2006" type="blank" preserve="1">
+<p:sldLayout xmlns:a="http://schemas.openxmlformats.org/drawingml/2006/main" xmlns:r="http://schemas.openxmlformats.org/officeDocument/2006/relationships" xmlns:p="http://schemas.openxmlformats.org/presentationml/2006/main" type="blank" preserve="1">
   <p:cSld name="Title, 6 Content">
     <p:spTree>
       <p:nvGrpSpPr>
@@ -2377,16 +2631,17 @@
           </a:prstGeom>
         </p:spPr>
         <p:txBody>
-          <a:bodyPr lIns="0" rIns="0" tIns="0" bIns="0" anchor="ctr"/>
+          <a:bodyPr lIns="0" tIns="0" rIns="0" bIns="0" anchor="ctr"/>
+          <a:lstStyle/>
           <a:p>
             <a:pPr algn="ctr"/>
-            <a:endParaRPr b="0" lang="en-GB" sz="4400" spc="-1" strike="noStrike">
+            <a:endParaRPr lang="en-GB" sz="4400" b="0" strike="noStrike" spc="-1">
               <a:solidFill>
                 <a:srgbClr val="000000"/>
               </a:solidFill>
               <a:uFill>
                 <a:solidFill>
-                  <a:srgbClr val="ffffff"/>
+                  <a:srgbClr val="FFFFFF"/>
                 </a:solidFill>
               </a:uFill>
               <a:latin typeface="Arial"/>
@@ -2414,15 +2669,16 @@
           </a:prstGeom>
         </p:spPr>
         <p:txBody>
-          <a:bodyPr lIns="0" rIns="0" tIns="0" bIns="0"/>
-          <a:p>
-            <a:endParaRPr b="0" lang="en-GB" sz="3200" spc="-1" strike="noStrike">
+          <a:bodyPr lIns="0" tIns="0" rIns="0" bIns="0"/>
+          <a:lstStyle/>
+          <a:p>
+            <a:endParaRPr lang="en-GB" sz="3200" b="0" strike="noStrike" spc="-1">
               <a:solidFill>
                 <a:srgbClr val="000000"/>
               </a:solidFill>
               <a:uFill>
                 <a:solidFill>
-                  <a:srgbClr val="ffffff"/>
+                  <a:srgbClr val="FFFFFF"/>
                 </a:solidFill>
               </a:uFill>
               <a:latin typeface="Arial"/>
@@ -2450,15 +2706,16 @@
           </a:prstGeom>
         </p:spPr>
         <p:txBody>
-          <a:bodyPr lIns="0" rIns="0" tIns="0" bIns="0"/>
-          <a:p>
-            <a:endParaRPr b="0" lang="en-GB" sz="3200" spc="-1" strike="noStrike">
+          <a:bodyPr lIns="0" tIns="0" rIns="0" bIns="0"/>
+          <a:lstStyle/>
+          <a:p>
+            <a:endParaRPr lang="en-GB" sz="3200" b="0" strike="noStrike" spc="-1">
               <a:solidFill>
                 <a:srgbClr val="000000"/>
               </a:solidFill>
               <a:uFill>
                 <a:solidFill>
-                  <a:srgbClr val="ffffff"/>
+                  <a:srgbClr val="FFFFFF"/>
                 </a:solidFill>
               </a:uFill>
               <a:latin typeface="Arial"/>
@@ -2468,7 +2725,7 @@
       </p:sp>
       <p:pic>
         <p:nvPicPr>
-          <p:cNvPr id="70" name="" descr=""/>
+          <p:cNvPr id="70" name="Picture 69"/>
           <p:cNvPicPr/>
           <p:nvPr/>
         </p:nvPicPr>
@@ -2491,12 +2748,12 @@
       </p:pic>
       <p:pic>
         <p:nvPicPr>
-          <p:cNvPr id="71" name="" descr=""/>
+          <p:cNvPr id="71" name="Picture 70"/>
           <p:cNvPicPr/>
           <p:nvPr/>
         </p:nvPicPr>
         <p:blipFill>
-          <a:blip r:embed="rId3"/>
+          <a:blip r:embed="rId2"/>
           <a:stretch/>
         </p:blipFill>
         <p:spPr>
@@ -2514,11 +2771,14 @@
       </p:pic>
     </p:spTree>
   </p:cSld>
+  <p:clrMapOvr>
+    <a:masterClrMapping/>
+  </p:clrMapOvr>
 </p:sldLayout>
 </file>
 
 <file path=ppt/slideLayouts/slideLayout3.xml><?xml version="1.0" encoding="utf-8"?>
-<p:sldLayout xmlns:a="http://schemas.openxmlformats.org/drawingml/2006/main" xmlns:p="http://schemas.openxmlformats.org/presentationml/2006/main" xmlns:r="http://schemas.openxmlformats.org/officeDocument/2006/relationships" xmlns:p14="http://schemas.microsoft.com/office/powerpoint/2010/main" xmlns:p15="http://schemas.microsoft.com/office/powerpoint/2012/main" xmlns:mc="http://schemas.openxmlformats.org/markup-compatibility/2006" type="obj" preserve="1">
+<p:sldLayout xmlns:a="http://schemas.openxmlformats.org/drawingml/2006/main" xmlns:r="http://schemas.openxmlformats.org/officeDocument/2006/relationships" xmlns:p="http://schemas.openxmlformats.org/presentationml/2006/main" type="obj" preserve="1">
   <p:cSld name="Title, Content">
     <p:spTree>
       <p:nvGrpSpPr>
@@ -2554,16 +2814,17 @@
           </a:prstGeom>
         </p:spPr>
         <p:txBody>
-          <a:bodyPr lIns="0" rIns="0" tIns="0" bIns="0" anchor="ctr"/>
+          <a:bodyPr lIns="0" tIns="0" rIns="0" bIns="0" anchor="ctr"/>
+          <a:lstStyle/>
           <a:p>
             <a:pPr algn="ctr"/>
-            <a:endParaRPr b="0" lang="en-GB" sz="4400" spc="-1" strike="noStrike">
+            <a:endParaRPr lang="en-GB" sz="4400" b="0" strike="noStrike" spc="-1">
               <a:solidFill>
                 <a:srgbClr val="000000"/>
               </a:solidFill>
               <a:uFill>
                 <a:solidFill>
-                  <a:srgbClr val="ffffff"/>
+                  <a:srgbClr val="FFFFFF"/>
                 </a:solidFill>
               </a:uFill>
               <a:latin typeface="Arial"/>
@@ -2591,15 +2852,16 @@
           </a:prstGeom>
         </p:spPr>
         <p:txBody>
-          <a:bodyPr lIns="0" rIns="0" tIns="0" bIns="0"/>
-          <a:p>
-            <a:endParaRPr b="0" lang="en-GB" sz="3200" spc="-1" strike="noStrike">
+          <a:bodyPr lIns="0" tIns="0" rIns="0" bIns="0"/>
+          <a:lstStyle/>
+          <a:p>
+            <a:endParaRPr lang="en-GB" sz="3200" b="0" strike="noStrike" spc="-1">
               <a:solidFill>
                 <a:srgbClr val="000000"/>
               </a:solidFill>
               <a:uFill>
                 <a:solidFill>
-                  <a:srgbClr val="ffffff"/>
+                  <a:srgbClr val="FFFFFF"/>
                 </a:solidFill>
               </a:uFill>
               <a:latin typeface="Arial"/>
@@ -2609,11 +2871,14 @@
       </p:sp>
     </p:spTree>
   </p:cSld>
+  <p:clrMapOvr>
+    <a:masterClrMapping/>
+  </p:clrMapOvr>
 </p:sldLayout>
 </file>
 
 <file path=ppt/slideLayouts/slideLayout4.xml><?xml version="1.0" encoding="utf-8"?>
-<p:sldLayout xmlns:a="http://schemas.openxmlformats.org/drawingml/2006/main" xmlns:p="http://schemas.openxmlformats.org/presentationml/2006/main" xmlns:r="http://schemas.openxmlformats.org/officeDocument/2006/relationships" xmlns:p14="http://schemas.microsoft.com/office/powerpoint/2010/main" xmlns:p15="http://schemas.microsoft.com/office/powerpoint/2012/main" xmlns:mc="http://schemas.openxmlformats.org/markup-compatibility/2006" type="twoObj" preserve="1">
+<p:sldLayout xmlns:a="http://schemas.openxmlformats.org/drawingml/2006/main" xmlns:r="http://schemas.openxmlformats.org/officeDocument/2006/relationships" xmlns:p="http://schemas.openxmlformats.org/presentationml/2006/main" type="twoObj" preserve="1">
   <p:cSld name="Title, 2 Content">
     <p:spTree>
       <p:nvGrpSpPr>
@@ -2649,16 +2914,17 @@
           </a:prstGeom>
         </p:spPr>
         <p:txBody>
-          <a:bodyPr lIns="0" rIns="0" tIns="0" bIns="0" anchor="ctr"/>
+          <a:bodyPr lIns="0" tIns="0" rIns="0" bIns="0" anchor="ctr"/>
+          <a:lstStyle/>
           <a:p>
             <a:pPr algn="ctr"/>
-            <a:endParaRPr b="0" lang="en-GB" sz="4400" spc="-1" strike="noStrike">
+            <a:endParaRPr lang="en-GB" sz="4400" b="0" strike="noStrike" spc="-1">
               <a:solidFill>
                 <a:srgbClr val="000000"/>
               </a:solidFill>
               <a:uFill>
                 <a:solidFill>
-                  <a:srgbClr val="ffffff"/>
+                  <a:srgbClr val="FFFFFF"/>
                 </a:solidFill>
               </a:uFill>
               <a:latin typeface="Arial"/>
@@ -2686,15 +2952,16 @@
           </a:prstGeom>
         </p:spPr>
         <p:txBody>
-          <a:bodyPr lIns="0" rIns="0" tIns="0" bIns="0"/>
-          <a:p>
-            <a:endParaRPr b="0" lang="en-GB" sz="3200" spc="-1" strike="noStrike">
+          <a:bodyPr lIns="0" tIns="0" rIns="0" bIns="0"/>
+          <a:lstStyle/>
+          <a:p>
+            <a:endParaRPr lang="en-GB" sz="3200" b="0" strike="noStrike" spc="-1">
               <a:solidFill>
                 <a:srgbClr val="000000"/>
               </a:solidFill>
               <a:uFill>
                 <a:solidFill>
-                  <a:srgbClr val="ffffff"/>
+                  <a:srgbClr val="FFFFFF"/>
                 </a:solidFill>
               </a:uFill>
               <a:latin typeface="Arial"/>
@@ -2722,15 +2989,16 @@
           </a:prstGeom>
         </p:spPr>
         <p:txBody>
-          <a:bodyPr lIns="0" rIns="0" tIns="0" bIns="0"/>
-          <a:p>
-            <a:endParaRPr b="0" lang="en-GB" sz="3200" spc="-1" strike="noStrike">
+          <a:bodyPr lIns="0" tIns="0" rIns="0" bIns="0"/>
+          <a:lstStyle/>
+          <a:p>
+            <a:endParaRPr lang="en-GB" sz="3200" b="0" strike="noStrike" spc="-1">
               <a:solidFill>
                 <a:srgbClr val="000000"/>
               </a:solidFill>
               <a:uFill>
                 <a:solidFill>
-                  <a:srgbClr val="ffffff"/>
+                  <a:srgbClr val="FFFFFF"/>
                 </a:solidFill>
               </a:uFill>
               <a:latin typeface="Arial"/>
@@ -2740,11 +3008,14 @@
       </p:sp>
     </p:spTree>
   </p:cSld>
+  <p:clrMapOvr>
+    <a:masterClrMapping/>
+  </p:clrMapOvr>
 </p:sldLayout>
 </file>
 
 <file path=ppt/slideLayouts/slideLayout5.xml><?xml version="1.0" encoding="utf-8"?>
-<p:sldLayout xmlns:a="http://schemas.openxmlformats.org/drawingml/2006/main" xmlns:p="http://schemas.openxmlformats.org/presentationml/2006/main" xmlns:r="http://schemas.openxmlformats.org/officeDocument/2006/relationships" xmlns:p14="http://schemas.microsoft.com/office/powerpoint/2010/main" xmlns:p15="http://schemas.microsoft.com/office/powerpoint/2012/main" xmlns:mc="http://schemas.openxmlformats.org/markup-compatibility/2006" type="titleOnly" preserve="1">
+<p:sldLayout xmlns:a="http://schemas.openxmlformats.org/drawingml/2006/main" xmlns:r="http://schemas.openxmlformats.org/officeDocument/2006/relationships" xmlns:p="http://schemas.openxmlformats.org/presentationml/2006/main" type="titleOnly" preserve="1">
   <p:cSld name="Title Only">
     <p:spTree>
       <p:nvGrpSpPr>
@@ -2780,16 +3051,17 @@
           </a:prstGeom>
         </p:spPr>
         <p:txBody>
-          <a:bodyPr lIns="0" rIns="0" tIns="0" bIns="0" anchor="ctr"/>
+          <a:bodyPr lIns="0" tIns="0" rIns="0" bIns="0" anchor="ctr"/>
+          <a:lstStyle/>
           <a:p>
             <a:pPr algn="ctr"/>
-            <a:endParaRPr b="0" lang="en-GB" sz="4400" spc="-1" strike="noStrike">
+            <a:endParaRPr lang="en-GB" sz="4400" b="0" strike="noStrike" spc="-1">
               <a:solidFill>
                 <a:srgbClr val="000000"/>
               </a:solidFill>
               <a:uFill>
                 <a:solidFill>
-                  <a:srgbClr val="ffffff"/>
+                  <a:srgbClr val="FFFFFF"/>
                 </a:solidFill>
               </a:uFill>
               <a:latin typeface="Arial"/>
@@ -2799,11 +3071,14 @@
       </p:sp>
     </p:spTree>
   </p:cSld>
+  <p:clrMapOvr>
+    <a:masterClrMapping/>
+  </p:clrMapOvr>
 </p:sldLayout>
 </file>
 
 <file path=ppt/slideLayouts/slideLayout6.xml><?xml version="1.0" encoding="utf-8"?>
-<p:sldLayout xmlns:a="http://schemas.openxmlformats.org/drawingml/2006/main" xmlns:p="http://schemas.openxmlformats.org/presentationml/2006/main" xmlns:r="http://schemas.openxmlformats.org/officeDocument/2006/relationships" xmlns:p14="http://schemas.microsoft.com/office/powerpoint/2010/main" xmlns:p15="http://schemas.microsoft.com/office/powerpoint/2012/main" xmlns:mc="http://schemas.openxmlformats.org/markup-compatibility/2006" type="objOnly" preserve="1">
+<p:sldLayout xmlns:a="http://schemas.openxmlformats.org/drawingml/2006/main" xmlns:r="http://schemas.openxmlformats.org/officeDocument/2006/relationships" xmlns:p="http://schemas.openxmlformats.org/presentationml/2006/main" type="objOnly" preserve="1">
   <p:cSld name="Centered Text">
     <p:spTree>
       <p:nvGrpSpPr>
@@ -2839,16 +3114,17 @@
           </a:prstGeom>
         </p:spPr>
         <p:txBody>
-          <a:bodyPr lIns="0" rIns="0" tIns="0" bIns="0" anchor="ctr"/>
+          <a:bodyPr lIns="0" tIns="0" rIns="0" bIns="0" anchor="ctr"/>
+          <a:lstStyle/>
           <a:p>
             <a:pPr algn="ctr"/>
-            <a:endParaRPr b="0" lang="en-GB" sz="3200" spc="-1" strike="noStrike">
+            <a:endParaRPr lang="en-GB" sz="3200" b="0" strike="noStrike" spc="-1">
               <a:solidFill>
                 <a:srgbClr val="000000"/>
               </a:solidFill>
               <a:uFill>
                 <a:solidFill>
-                  <a:srgbClr val="ffffff"/>
+                  <a:srgbClr val="FFFFFF"/>
                 </a:solidFill>
               </a:uFill>
               <a:latin typeface="Arial"/>
@@ -2858,11 +3134,14 @@
       </p:sp>
     </p:spTree>
   </p:cSld>
+  <p:clrMapOvr>
+    <a:masterClrMapping/>
+  </p:clrMapOvr>
 </p:sldLayout>
 </file>
 
 <file path=ppt/slideLayouts/slideLayout7.xml><?xml version="1.0" encoding="utf-8"?>
-<p:sldLayout xmlns:a="http://schemas.openxmlformats.org/drawingml/2006/main" xmlns:p="http://schemas.openxmlformats.org/presentationml/2006/main" xmlns:r="http://schemas.openxmlformats.org/officeDocument/2006/relationships" xmlns:p14="http://schemas.microsoft.com/office/powerpoint/2010/main" xmlns:p15="http://schemas.microsoft.com/office/powerpoint/2012/main" xmlns:mc="http://schemas.openxmlformats.org/markup-compatibility/2006" type="twoObjAndObj" preserve="1">
+<p:sldLayout xmlns:a="http://schemas.openxmlformats.org/drawingml/2006/main" xmlns:r="http://schemas.openxmlformats.org/officeDocument/2006/relationships" xmlns:p="http://schemas.openxmlformats.org/presentationml/2006/main" type="twoObjAndObj" preserve="1">
   <p:cSld name="Title, 2 Content and Content">
     <p:spTree>
       <p:nvGrpSpPr>
@@ -2898,16 +3177,17 @@
           </a:prstGeom>
         </p:spPr>
         <p:txBody>
-          <a:bodyPr lIns="0" rIns="0" tIns="0" bIns="0" anchor="ctr"/>
+          <a:bodyPr lIns="0" tIns="0" rIns="0" bIns="0" anchor="ctr"/>
+          <a:lstStyle/>
           <a:p>
             <a:pPr algn="ctr"/>
-            <a:endParaRPr b="0" lang="en-GB" sz="4400" spc="-1" strike="noStrike">
+            <a:endParaRPr lang="en-GB" sz="4400" b="0" strike="noStrike" spc="-1">
               <a:solidFill>
                 <a:srgbClr val="000000"/>
               </a:solidFill>
               <a:uFill>
                 <a:solidFill>
-                  <a:srgbClr val="ffffff"/>
+                  <a:srgbClr val="FFFFFF"/>
                 </a:solidFill>
               </a:uFill>
               <a:latin typeface="Arial"/>
@@ -2935,15 +3215,16 @@
           </a:prstGeom>
         </p:spPr>
         <p:txBody>
-          <a:bodyPr lIns="0" rIns="0" tIns="0" bIns="0"/>
-          <a:p>
-            <a:endParaRPr b="0" lang="en-GB" sz="3200" spc="-1" strike="noStrike">
+          <a:bodyPr lIns="0" tIns="0" rIns="0" bIns="0"/>
+          <a:lstStyle/>
+          <a:p>
+            <a:endParaRPr lang="en-GB" sz="3200" b="0" strike="noStrike" spc="-1">
               <a:solidFill>
                 <a:srgbClr val="000000"/>
               </a:solidFill>
               <a:uFill>
                 <a:solidFill>
-                  <a:srgbClr val="ffffff"/>
+                  <a:srgbClr val="FFFFFF"/>
                 </a:solidFill>
               </a:uFill>
               <a:latin typeface="Arial"/>
@@ -2971,15 +3252,16 @@
           </a:prstGeom>
         </p:spPr>
         <p:txBody>
-          <a:bodyPr lIns="0" rIns="0" tIns="0" bIns="0"/>
-          <a:p>
-            <a:endParaRPr b="0" lang="en-GB" sz="3200" spc="-1" strike="noStrike">
+          <a:bodyPr lIns="0" tIns="0" rIns="0" bIns="0"/>
+          <a:lstStyle/>
+          <a:p>
+            <a:endParaRPr lang="en-GB" sz="3200" b="0" strike="noStrike" spc="-1">
               <a:solidFill>
                 <a:srgbClr val="000000"/>
               </a:solidFill>
               <a:uFill>
                 <a:solidFill>
-                  <a:srgbClr val="ffffff"/>
+                  <a:srgbClr val="FFFFFF"/>
                 </a:solidFill>
               </a:uFill>
               <a:latin typeface="Arial"/>
@@ -3007,15 +3289,16 @@
           </a:prstGeom>
         </p:spPr>
         <p:txBody>
-          <a:bodyPr lIns="0" rIns="0" tIns="0" bIns="0"/>
-          <a:p>
-            <a:endParaRPr b="0" lang="en-GB" sz="3200" spc="-1" strike="noStrike">
+          <a:bodyPr lIns="0" tIns="0" rIns="0" bIns="0"/>
+          <a:lstStyle/>
+          <a:p>
+            <a:endParaRPr lang="en-GB" sz="3200" b="0" strike="noStrike" spc="-1">
               <a:solidFill>
                 <a:srgbClr val="000000"/>
               </a:solidFill>
               <a:uFill>
                 <a:solidFill>
-                  <a:srgbClr val="ffffff"/>
+                  <a:srgbClr val="FFFFFF"/>
                 </a:solidFill>
               </a:uFill>
               <a:latin typeface="Arial"/>
@@ -3025,11 +3308,14 @@
       </p:sp>
     </p:spTree>
   </p:cSld>
+  <p:clrMapOvr>
+    <a:masterClrMapping/>
+  </p:clrMapOvr>
 </p:sldLayout>
 </file>
 
 <file path=ppt/slideLayouts/slideLayout8.xml><?xml version="1.0" encoding="utf-8"?>
-<p:sldLayout xmlns:a="http://schemas.openxmlformats.org/drawingml/2006/main" xmlns:p="http://schemas.openxmlformats.org/presentationml/2006/main" xmlns:r="http://schemas.openxmlformats.org/officeDocument/2006/relationships" xmlns:p14="http://schemas.microsoft.com/office/powerpoint/2010/main" xmlns:p15="http://schemas.microsoft.com/office/powerpoint/2012/main" xmlns:mc="http://schemas.openxmlformats.org/markup-compatibility/2006" type="objAndTwoObj" preserve="1">
+<p:sldLayout xmlns:a="http://schemas.openxmlformats.org/drawingml/2006/main" xmlns:r="http://schemas.openxmlformats.org/officeDocument/2006/relationships" xmlns:p="http://schemas.openxmlformats.org/presentationml/2006/main" type="objAndTwoObj" preserve="1">
   <p:cSld name="Title Content and 2 Content">
     <p:spTree>
       <p:nvGrpSpPr>
@@ -3065,16 +3351,17 @@
           </a:prstGeom>
         </p:spPr>
         <p:txBody>
-          <a:bodyPr lIns="0" rIns="0" tIns="0" bIns="0" anchor="ctr"/>
+          <a:bodyPr lIns="0" tIns="0" rIns="0" bIns="0" anchor="ctr"/>
+          <a:lstStyle/>
           <a:p>
             <a:pPr algn="ctr"/>
-            <a:endParaRPr b="0" lang="en-GB" sz="4400" spc="-1" strike="noStrike">
+            <a:endParaRPr lang="en-GB" sz="4400" b="0" strike="noStrike" spc="-1">
               <a:solidFill>
                 <a:srgbClr val="000000"/>
               </a:solidFill>
               <a:uFill>
                 <a:solidFill>
-                  <a:srgbClr val="ffffff"/>
+                  <a:srgbClr val="FFFFFF"/>
                 </a:solidFill>
               </a:uFill>
               <a:latin typeface="Arial"/>
@@ -3102,15 +3389,16 @@
           </a:prstGeom>
         </p:spPr>
         <p:txBody>
-          <a:bodyPr lIns="0" rIns="0" tIns="0" bIns="0"/>
-          <a:p>
-            <a:endParaRPr b="0" lang="en-GB" sz="3200" spc="-1" strike="noStrike">
+          <a:bodyPr lIns="0" tIns="0" rIns="0" bIns="0"/>
+          <a:lstStyle/>
+          <a:p>
+            <a:endParaRPr lang="en-GB" sz="3200" b="0" strike="noStrike" spc="-1">
               <a:solidFill>
                 <a:srgbClr val="000000"/>
               </a:solidFill>
               <a:uFill>
                 <a:solidFill>
-                  <a:srgbClr val="ffffff"/>
+                  <a:srgbClr val="FFFFFF"/>
                 </a:solidFill>
               </a:uFill>
               <a:latin typeface="Arial"/>
@@ -3138,15 +3426,16 @@
           </a:prstGeom>
         </p:spPr>
         <p:txBody>
-          <a:bodyPr lIns="0" rIns="0" tIns="0" bIns="0"/>
-          <a:p>
-            <a:endParaRPr b="0" lang="en-GB" sz="3200" spc="-1" strike="noStrike">
+          <a:bodyPr lIns="0" tIns="0" rIns="0" bIns="0"/>
+          <a:lstStyle/>
+          <a:p>
+            <a:endParaRPr lang="en-GB" sz="3200" b="0" strike="noStrike" spc="-1">
               <a:solidFill>
                 <a:srgbClr val="000000"/>
               </a:solidFill>
               <a:uFill>
                 <a:solidFill>
-                  <a:srgbClr val="ffffff"/>
+                  <a:srgbClr val="FFFFFF"/>
                 </a:solidFill>
               </a:uFill>
               <a:latin typeface="Arial"/>
@@ -3174,15 +3463,16 @@
           </a:prstGeom>
         </p:spPr>
         <p:txBody>
-          <a:bodyPr lIns="0" rIns="0" tIns="0" bIns="0"/>
-          <a:p>
-            <a:endParaRPr b="0" lang="en-GB" sz="3200" spc="-1" strike="noStrike">
+          <a:bodyPr lIns="0" tIns="0" rIns="0" bIns="0"/>
+          <a:lstStyle/>
+          <a:p>
+            <a:endParaRPr lang="en-GB" sz="3200" b="0" strike="noStrike" spc="-1">
               <a:solidFill>
                 <a:srgbClr val="000000"/>
               </a:solidFill>
               <a:uFill>
                 <a:solidFill>
-                  <a:srgbClr val="ffffff"/>
+                  <a:srgbClr val="FFFFFF"/>
                 </a:solidFill>
               </a:uFill>
               <a:latin typeface="Arial"/>
@@ -3192,11 +3482,14 @@
       </p:sp>
     </p:spTree>
   </p:cSld>
+  <p:clrMapOvr>
+    <a:masterClrMapping/>
+  </p:clrMapOvr>
 </p:sldLayout>
 </file>
 
 <file path=ppt/slideLayouts/slideLayout9.xml><?xml version="1.0" encoding="utf-8"?>
-<p:sldLayout xmlns:a="http://schemas.openxmlformats.org/drawingml/2006/main" xmlns:p="http://schemas.openxmlformats.org/presentationml/2006/main" xmlns:r="http://schemas.openxmlformats.org/officeDocument/2006/relationships" xmlns:p14="http://schemas.microsoft.com/office/powerpoint/2010/main" xmlns:p15="http://schemas.microsoft.com/office/powerpoint/2012/main" xmlns:mc="http://schemas.openxmlformats.org/markup-compatibility/2006" type="twoObjOverTx" preserve="1">
+<p:sldLayout xmlns:a="http://schemas.openxmlformats.org/drawingml/2006/main" xmlns:r="http://schemas.openxmlformats.org/officeDocument/2006/relationships" xmlns:p="http://schemas.openxmlformats.org/presentationml/2006/main" type="twoObjOverTx" preserve="1">
   <p:cSld name="Title, 2 Content over Content">
     <p:spTree>
       <p:nvGrpSpPr>
@@ -3232,16 +3525,17 @@
           </a:prstGeom>
         </p:spPr>
         <p:txBody>
-          <a:bodyPr lIns="0" rIns="0" tIns="0" bIns="0" anchor="ctr"/>
+          <a:bodyPr lIns="0" tIns="0" rIns="0" bIns="0" anchor="ctr"/>
+          <a:lstStyle/>
           <a:p>
             <a:pPr algn="ctr"/>
-            <a:endParaRPr b="0" lang="en-GB" sz="4400" spc="-1" strike="noStrike">
+            <a:endParaRPr lang="en-GB" sz="4400" b="0" strike="noStrike" spc="-1">
               <a:solidFill>
                 <a:srgbClr val="000000"/>
               </a:solidFill>
               <a:uFill>
                 <a:solidFill>
-                  <a:srgbClr val="ffffff"/>
+                  <a:srgbClr val="FFFFFF"/>
                 </a:solidFill>
               </a:uFill>
               <a:latin typeface="Arial"/>
@@ -3269,15 +3563,16 @@
           </a:prstGeom>
         </p:spPr>
         <p:txBody>
-          <a:bodyPr lIns="0" rIns="0" tIns="0" bIns="0"/>
-          <a:p>
-            <a:endParaRPr b="0" lang="en-GB" sz="3200" spc="-1" strike="noStrike">
+          <a:bodyPr lIns="0" tIns="0" rIns="0" bIns="0"/>
+          <a:lstStyle/>
+          <a:p>
+            <a:endParaRPr lang="en-GB" sz="3200" b="0" strike="noStrike" spc="-1">
               <a:solidFill>
                 <a:srgbClr val="000000"/>
               </a:solidFill>
               <a:uFill>
                 <a:solidFill>
-                  <a:srgbClr val="ffffff"/>
+                  <a:srgbClr val="FFFFFF"/>
                 </a:solidFill>
               </a:uFill>
               <a:latin typeface="Arial"/>
@@ -3305,15 +3600,16 @@
           </a:prstGeom>
         </p:spPr>
         <p:txBody>
-          <a:bodyPr lIns="0" rIns="0" tIns="0" bIns="0"/>
-          <a:p>
-            <a:endParaRPr b="0" lang="en-GB" sz="3200" spc="-1" strike="noStrike">
+          <a:bodyPr lIns="0" tIns="0" rIns="0" bIns="0"/>
+          <a:lstStyle/>
+          <a:p>
+            <a:endParaRPr lang="en-GB" sz="3200" b="0" strike="noStrike" spc="-1">
               <a:solidFill>
                 <a:srgbClr val="000000"/>
               </a:solidFill>
               <a:uFill>
                 <a:solidFill>
-                  <a:srgbClr val="ffffff"/>
+                  <a:srgbClr val="FFFFFF"/>
                 </a:solidFill>
               </a:uFill>
               <a:latin typeface="Arial"/>
@@ -3341,15 +3637,16 @@
           </a:prstGeom>
         </p:spPr>
         <p:txBody>
-          <a:bodyPr lIns="0" rIns="0" tIns="0" bIns="0"/>
-          <a:p>
-            <a:endParaRPr b="0" lang="en-GB" sz="3200" spc="-1" strike="noStrike">
+          <a:bodyPr lIns="0" tIns="0" rIns="0" bIns="0"/>
+          <a:lstStyle/>
+          <a:p>
+            <a:endParaRPr lang="en-GB" sz="3200" b="0" strike="noStrike" spc="-1">
               <a:solidFill>
                 <a:srgbClr val="000000"/>
               </a:solidFill>
               <a:uFill>
                 <a:solidFill>
-                  <a:srgbClr val="ffffff"/>
+                  <a:srgbClr val="FFFFFF"/>
                 </a:solidFill>
               </a:uFill>
               <a:latin typeface="Arial"/>
@@ -3359,17 +3656,21 @@
       </p:sp>
     </p:spTree>
   </p:cSld>
+  <p:clrMapOvr>
+    <a:masterClrMapping/>
+  </p:clrMapOvr>
 </p:sldLayout>
 </file>
 
 <file path=ppt/slideMasters/slideMaster1.xml><?xml version="1.0" encoding="utf-8"?>
-<p:sldMaster xmlns:a="http://schemas.openxmlformats.org/drawingml/2006/main" xmlns:p="http://schemas.openxmlformats.org/presentationml/2006/main" xmlns:r="http://schemas.openxmlformats.org/officeDocument/2006/relationships" xmlns:p14="http://schemas.microsoft.com/office/powerpoint/2010/main" xmlns:p15="http://schemas.microsoft.com/office/powerpoint/2012/main" xmlns:mc="http://schemas.openxmlformats.org/markup-compatibility/2006">
+<p:sldMaster xmlns:a="http://schemas.openxmlformats.org/drawingml/2006/main" xmlns:r="http://schemas.openxmlformats.org/officeDocument/2006/relationships" xmlns:p="http://schemas.openxmlformats.org/presentationml/2006/main">
   <p:cSld>
     <p:bg>
       <p:bgPr>
         <a:solidFill>
-          <a:srgbClr val="ffffff"/>
+          <a:srgbClr val="FFFFFF"/>
         </a:solidFill>
+        <a:effectLst/>
       </p:bgPr>
     </p:bg>
     <p:spTree>
@@ -3388,7 +3689,7 @@
       </p:grpSpPr>
       <p:sp>
         <p:nvSpPr>
-          <p:cNvPr id="0" name="PlaceHolder 1"/>
+          <p:cNvPr id="2" name="PlaceHolder 1"/>
           <p:cNvSpPr>
             <a:spLocks noGrp="1"/>
           </p:cNvSpPr>
@@ -3406,40 +3707,30 @@
           </a:prstGeom>
         </p:spPr>
         <p:txBody>
-          <a:bodyPr lIns="0" rIns="0" tIns="0" bIns="0" anchor="ctr"/>
+          <a:bodyPr lIns="0" tIns="0" rIns="0" bIns="0" anchor="ctr"/>
+          <a:lstStyle/>
           <a:p>
             <a:pPr algn="ctr"/>
             <a:r>
-              <a:rPr b="0" lang="en-GB" sz="4400" spc="-1" strike="noStrike">
+              <a:rPr lang="en-GB" sz="4400" b="0" strike="noStrike" spc="-1">
                 <a:solidFill>
                   <a:srgbClr val="000000"/>
                 </a:solidFill>
                 <a:uFill>
                   <a:solidFill>
-                    <a:srgbClr val="ffffff"/>
+                    <a:srgbClr val="FFFFFF"/>
                   </a:solidFill>
                 </a:uFill>
                 <a:latin typeface="Arial"/>
               </a:rPr>
               <a:t>Click to edit the title text format</a:t>
             </a:r>
-            <a:endParaRPr b="0" lang="en-GB" sz="4400" spc="-1" strike="noStrike">
-              <a:solidFill>
-                <a:srgbClr val="000000"/>
-              </a:solidFill>
-              <a:uFill>
-                <a:solidFill>
-                  <a:srgbClr val="ffffff"/>
-                </a:solidFill>
-              </a:uFill>
-              <a:latin typeface="Arial"/>
-            </a:endParaRPr>
           </a:p>
         </p:txBody>
       </p:sp>
       <p:sp>
         <p:nvSpPr>
-          <p:cNvPr id="1" name="PlaceHolder 2"/>
+          <p:cNvPr id="3" name="PlaceHolder 2"/>
           <p:cNvSpPr>
             <a:spLocks noGrp="1"/>
           </p:cNvSpPr>
@@ -3457,7 +3748,8 @@
           </a:prstGeom>
         </p:spPr>
         <p:txBody>
-          <a:bodyPr lIns="0" rIns="0" tIns="0" bIns="0"/>
+          <a:bodyPr lIns="0" tIns="0" rIns="0" bIns="0"/>
+          <a:lstStyle/>
           <a:p>
             <a:pPr marL="432000" indent="-324000">
               <a:buClr>
@@ -3468,33 +3760,22 @@
               <a:buChar char=""/>
             </a:pPr>
             <a:r>
-              <a:rPr b="0" lang="en-GB" sz="3200" spc="-1" strike="noStrike">
+              <a:rPr lang="en-GB" sz="3200" b="0" strike="noStrike" spc="-1">
                 <a:solidFill>
                   <a:srgbClr val="000000"/>
                 </a:solidFill>
                 <a:uFill>
                   <a:solidFill>
-                    <a:srgbClr val="ffffff"/>
+                    <a:srgbClr val="FFFFFF"/>
                   </a:solidFill>
                 </a:uFill>
                 <a:latin typeface="Arial"/>
               </a:rPr>
               <a:t>Click to edit the outline text format</a:t>
             </a:r>
-            <a:endParaRPr b="0" lang="en-GB" sz="3200" spc="-1" strike="noStrike">
-              <a:solidFill>
-                <a:srgbClr val="000000"/>
-              </a:solidFill>
-              <a:uFill>
-                <a:solidFill>
-                  <a:srgbClr val="ffffff"/>
-                </a:solidFill>
-              </a:uFill>
-              <a:latin typeface="Arial"/>
-            </a:endParaRPr>
-          </a:p>
-          <a:p>
-            <a:pPr lvl="1" marL="864000" indent="-324000">
+          </a:p>
+          <a:p>
+            <a:pPr marL="864000" lvl="1" indent="-324000">
               <a:buClr>
                 <a:srgbClr val="000000"/>
               </a:buClr>
@@ -3503,33 +3784,22 @@
               <a:buChar char=""/>
             </a:pPr>
             <a:r>
-              <a:rPr b="0" lang="en-GB" sz="2800" spc="-1" strike="noStrike">
+              <a:rPr lang="en-GB" sz="2800" b="0" strike="noStrike" spc="-1">
                 <a:solidFill>
                   <a:srgbClr val="000000"/>
                 </a:solidFill>
                 <a:uFill>
                   <a:solidFill>
-                    <a:srgbClr val="ffffff"/>
+                    <a:srgbClr val="FFFFFF"/>
                   </a:solidFill>
                 </a:uFill>
                 <a:latin typeface="Arial"/>
               </a:rPr>
               <a:t>Second Outline Level</a:t>
             </a:r>
-            <a:endParaRPr b="0" lang="en-GB" sz="2800" spc="-1" strike="noStrike">
-              <a:solidFill>
-                <a:srgbClr val="000000"/>
-              </a:solidFill>
-              <a:uFill>
-                <a:solidFill>
-                  <a:srgbClr val="ffffff"/>
-                </a:solidFill>
-              </a:uFill>
-              <a:latin typeface="Arial"/>
-            </a:endParaRPr>
-          </a:p>
-          <a:p>
-            <a:pPr lvl="2" marL="1296000" indent="-288000">
+          </a:p>
+          <a:p>
+            <a:pPr marL="1296000" lvl="2" indent="-288000">
               <a:buClr>
                 <a:srgbClr val="000000"/>
               </a:buClr>
@@ -3538,33 +3808,22 @@
               <a:buChar char=""/>
             </a:pPr>
             <a:r>
-              <a:rPr b="0" lang="en-GB" sz="2400" spc="-1" strike="noStrike">
+              <a:rPr lang="en-GB" sz="2400" b="0" strike="noStrike" spc="-1">
                 <a:solidFill>
                   <a:srgbClr val="000000"/>
                 </a:solidFill>
                 <a:uFill>
                   <a:solidFill>
-                    <a:srgbClr val="ffffff"/>
+                    <a:srgbClr val="FFFFFF"/>
                   </a:solidFill>
                 </a:uFill>
                 <a:latin typeface="Arial"/>
               </a:rPr>
               <a:t>Third Outline Level</a:t>
             </a:r>
-            <a:endParaRPr b="0" lang="en-GB" sz="2400" spc="-1" strike="noStrike">
-              <a:solidFill>
-                <a:srgbClr val="000000"/>
-              </a:solidFill>
-              <a:uFill>
-                <a:solidFill>
-                  <a:srgbClr val="ffffff"/>
-                </a:solidFill>
-              </a:uFill>
-              <a:latin typeface="Arial"/>
-            </a:endParaRPr>
-          </a:p>
-          <a:p>
-            <a:pPr lvl="3" marL="1728000" indent="-216000">
+          </a:p>
+          <a:p>
+            <a:pPr marL="1728000" lvl="3" indent="-216000">
               <a:buClr>
                 <a:srgbClr val="000000"/>
               </a:buClr>
@@ -3573,33 +3832,22 @@
               <a:buChar char=""/>
             </a:pPr>
             <a:r>
-              <a:rPr b="0" lang="en-GB" sz="2000" spc="-1" strike="noStrike">
+              <a:rPr lang="en-GB" sz="2000" b="0" strike="noStrike" spc="-1">
                 <a:solidFill>
                   <a:srgbClr val="000000"/>
                 </a:solidFill>
                 <a:uFill>
                   <a:solidFill>
-                    <a:srgbClr val="ffffff"/>
+                    <a:srgbClr val="FFFFFF"/>
                   </a:solidFill>
                 </a:uFill>
                 <a:latin typeface="Arial"/>
               </a:rPr>
               <a:t>Fourth Outline Level</a:t>
             </a:r>
-            <a:endParaRPr b="0" lang="en-GB" sz="2000" spc="-1" strike="noStrike">
-              <a:solidFill>
-                <a:srgbClr val="000000"/>
-              </a:solidFill>
-              <a:uFill>
-                <a:solidFill>
-                  <a:srgbClr val="ffffff"/>
-                </a:solidFill>
-              </a:uFill>
-              <a:latin typeface="Arial"/>
-            </a:endParaRPr>
-          </a:p>
-          <a:p>
-            <a:pPr lvl="4" marL="2160000" indent="-216000">
+          </a:p>
+          <a:p>
+            <a:pPr marL="2160000" lvl="4" indent="-216000">
               <a:buClr>
                 <a:srgbClr val="000000"/>
               </a:buClr>
@@ -3608,33 +3856,22 @@
               <a:buChar char=""/>
             </a:pPr>
             <a:r>
-              <a:rPr b="0" lang="en-GB" sz="2000" spc="-1" strike="noStrike">
+              <a:rPr lang="en-GB" sz="2000" b="0" strike="noStrike" spc="-1">
                 <a:solidFill>
                   <a:srgbClr val="000000"/>
                 </a:solidFill>
                 <a:uFill>
                   <a:solidFill>
-                    <a:srgbClr val="ffffff"/>
+                    <a:srgbClr val="FFFFFF"/>
                   </a:solidFill>
                 </a:uFill>
                 <a:latin typeface="Arial"/>
               </a:rPr>
               <a:t>Fifth Outline Level</a:t>
             </a:r>
-            <a:endParaRPr b="0" lang="en-GB" sz="2000" spc="-1" strike="noStrike">
-              <a:solidFill>
-                <a:srgbClr val="000000"/>
-              </a:solidFill>
-              <a:uFill>
-                <a:solidFill>
-                  <a:srgbClr val="ffffff"/>
-                </a:solidFill>
-              </a:uFill>
-              <a:latin typeface="Arial"/>
-            </a:endParaRPr>
-          </a:p>
-          <a:p>
-            <a:pPr lvl="5" marL="2592000" indent="-216000">
+          </a:p>
+          <a:p>
+            <a:pPr marL="2592000" lvl="5" indent="-216000">
               <a:buClr>
                 <a:srgbClr val="000000"/>
               </a:buClr>
@@ -3643,33 +3880,22 @@
               <a:buChar char=""/>
             </a:pPr>
             <a:r>
-              <a:rPr b="0" lang="en-GB" sz="2000" spc="-1" strike="noStrike">
+              <a:rPr lang="en-GB" sz="2000" b="0" strike="noStrike" spc="-1">
                 <a:solidFill>
                   <a:srgbClr val="000000"/>
                 </a:solidFill>
                 <a:uFill>
                   <a:solidFill>
-                    <a:srgbClr val="ffffff"/>
+                    <a:srgbClr val="FFFFFF"/>
                   </a:solidFill>
                 </a:uFill>
                 <a:latin typeface="Arial"/>
               </a:rPr>
               <a:t>Sixth Outline Level</a:t>
             </a:r>
-            <a:endParaRPr b="0" lang="en-GB" sz="2000" spc="-1" strike="noStrike">
-              <a:solidFill>
-                <a:srgbClr val="000000"/>
-              </a:solidFill>
-              <a:uFill>
-                <a:solidFill>
-                  <a:srgbClr val="ffffff"/>
-                </a:solidFill>
-              </a:uFill>
-              <a:latin typeface="Arial"/>
-            </a:endParaRPr>
-          </a:p>
-          <a:p>
-            <a:pPr lvl="6" marL="3024000" indent="-216000">
+          </a:p>
+          <a:p>
+            <a:pPr marL="3024000" lvl="6" indent="-216000">
               <a:buClr>
                 <a:srgbClr val="000000"/>
               </a:buClr>
@@ -3678,61 +3904,331 @@
               <a:buChar char=""/>
             </a:pPr>
             <a:r>
-              <a:rPr b="0" lang="en-GB" sz="2000" spc="-1" strike="noStrike">
+              <a:rPr lang="en-GB" sz="2000" b="0" strike="noStrike" spc="-1">
                 <a:solidFill>
                   <a:srgbClr val="000000"/>
                 </a:solidFill>
                 <a:uFill>
                   <a:solidFill>
-                    <a:srgbClr val="ffffff"/>
+                    <a:srgbClr val="FFFFFF"/>
                   </a:solidFill>
                 </a:uFill>
                 <a:latin typeface="Arial"/>
               </a:rPr>
               <a:t>Seventh Outline Level</a:t>
             </a:r>
-            <a:endParaRPr b="0" lang="en-GB" sz="2000" spc="-1" strike="noStrike">
-              <a:solidFill>
-                <a:srgbClr val="000000"/>
-              </a:solidFill>
-              <a:uFill>
-                <a:solidFill>
-                  <a:srgbClr val="ffffff"/>
-                </a:solidFill>
-              </a:uFill>
-              <a:latin typeface="Arial"/>
-            </a:endParaRPr>
           </a:p>
         </p:txBody>
       </p:sp>
     </p:spTree>
   </p:cSld>
-  <p:clrMap bg1="lt1" bg2="lt2" tx1="dk1" tx2="dk2" accent1="accent1" accent2="accent2" accent3="accent3" accent4="accent4" accent5="accent5" accent6="accent6" hlink="hlink" folHlink="folHlink"/>
+  <p:clrMap bg1="lt1" tx1="dk1" bg2="lt2" tx2="dk2" accent1="accent1" accent2="accent2" accent3="accent3" accent4="accent4" accent5="accent5" accent6="accent6" hlink="hlink" folHlink="folHlink"/>
   <p:sldLayoutIdLst>
-    <p:sldLayoutId id="2147483649" r:id="rId2"/>
-    <p:sldLayoutId id="2147483650" r:id="rId3"/>
-    <p:sldLayoutId id="2147483651" r:id="rId4"/>
-    <p:sldLayoutId id="2147483652" r:id="rId5"/>
-    <p:sldLayoutId id="2147483653" r:id="rId6"/>
-    <p:sldLayoutId id="2147483654" r:id="rId7"/>
-    <p:sldLayoutId id="2147483655" r:id="rId8"/>
-    <p:sldLayoutId id="2147483656" r:id="rId9"/>
-    <p:sldLayoutId id="2147483657" r:id="rId10"/>
-    <p:sldLayoutId id="2147483658" r:id="rId11"/>
-    <p:sldLayoutId id="2147483659" r:id="rId12"/>
-    <p:sldLayoutId id="2147483660" r:id="rId13"/>
+    <p:sldLayoutId id="2147483649" r:id="rId1"/>
+    <p:sldLayoutId id="2147483650" r:id="rId2"/>
+    <p:sldLayoutId id="2147483651" r:id="rId3"/>
+    <p:sldLayoutId id="2147483652" r:id="rId4"/>
+    <p:sldLayoutId id="2147483653" r:id="rId5"/>
+    <p:sldLayoutId id="2147483654" r:id="rId6"/>
+    <p:sldLayoutId id="2147483655" r:id="rId7"/>
+    <p:sldLayoutId id="2147483656" r:id="rId8"/>
+    <p:sldLayoutId id="2147483657" r:id="rId9"/>
+    <p:sldLayoutId id="2147483658" r:id="rId10"/>
+    <p:sldLayoutId id="2147483659" r:id="rId11"/>
+    <p:sldLayoutId id="2147483660" r:id="rId12"/>
   </p:sldLayoutIdLst>
+  <p:txStyles>
+    <p:titleStyle>
+      <a:lvl1pPr algn="l" defTabSz="914400" rtl="0" eaLnBrk="1" latinLnBrk="0" hangingPunct="1">
+        <a:lnSpc>
+          <a:spcPct val="90000"/>
+        </a:lnSpc>
+        <a:spcBef>
+          <a:spcPct val="0"/>
+        </a:spcBef>
+        <a:buNone/>
+        <a:defRPr sz="4400" kern="1200">
+          <a:solidFill>
+            <a:schemeClr val="tx1"/>
+          </a:solidFill>
+          <a:latin typeface="+mj-lt"/>
+          <a:ea typeface="+mj-ea"/>
+          <a:cs typeface="+mj-cs"/>
+        </a:defRPr>
+      </a:lvl1pPr>
+    </p:titleStyle>
+    <p:bodyStyle>
+      <a:lvl1pPr marL="228600" indent="-228600" algn="l" defTabSz="914400" rtl="0" eaLnBrk="1" latinLnBrk="0" hangingPunct="1">
+        <a:lnSpc>
+          <a:spcPct val="90000"/>
+        </a:lnSpc>
+        <a:spcBef>
+          <a:spcPts val="1000"/>
+        </a:spcBef>
+        <a:buFont typeface="Arial"/>
+        <a:buChar char="•"/>
+        <a:defRPr sz="2800" kern="1200">
+          <a:solidFill>
+            <a:schemeClr val="tx1"/>
+          </a:solidFill>
+          <a:latin typeface="+mn-lt"/>
+          <a:ea typeface="+mn-ea"/>
+          <a:cs typeface="+mn-cs"/>
+        </a:defRPr>
+      </a:lvl1pPr>
+      <a:lvl2pPr marL="685800" indent="-228600" algn="l" defTabSz="914400" rtl="0" eaLnBrk="1" latinLnBrk="0" hangingPunct="1">
+        <a:lnSpc>
+          <a:spcPct val="90000"/>
+        </a:lnSpc>
+        <a:spcBef>
+          <a:spcPts val="500"/>
+        </a:spcBef>
+        <a:buFont typeface="Arial"/>
+        <a:buChar char="•"/>
+        <a:defRPr sz="2400" kern="1200">
+          <a:solidFill>
+            <a:schemeClr val="tx1"/>
+          </a:solidFill>
+          <a:latin typeface="+mn-lt"/>
+          <a:ea typeface="+mn-ea"/>
+          <a:cs typeface="+mn-cs"/>
+        </a:defRPr>
+      </a:lvl2pPr>
+      <a:lvl3pPr marL="1143000" indent="-228600" algn="l" defTabSz="914400" rtl="0" eaLnBrk="1" latinLnBrk="0" hangingPunct="1">
+        <a:lnSpc>
+          <a:spcPct val="90000"/>
+        </a:lnSpc>
+        <a:spcBef>
+          <a:spcPts val="500"/>
+        </a:spcBef>
+        <a:buFont typeface="Arial"/>
+        <a:buChar char="•"/>
+        <a:defRPr sz="2000" kern="1200">
+          <a:solidFill>
+            <a:schemeClr val="tx1"/>
+          </a:solidFill>
+          <a:latin typeface="+mn-lt"/>
+          <a:ea typeface="+mn-ea"/>
+          <a:cs typeface="+mn-cs"/>
+        </a:defRPr>
+      </a:lvl3pPr>
+      <a:lvl4pPr marL="1600200" indent="-228600" algn="l" defTabSz="914400" rtl="0" eaLnBrk="1" latinLnBrk="0" hangingPunct="1">
+        <a:lnSpc>
+          <a:spcPct val="90000"/>
+        </a:lnSpc>
+        <a:spcBef>
+          <a:spcPts val="500"/>
+        </a:spcBef>
+        <a:buFont typeface="Arial"/>
+        <a:buChar char="•"/>
+        <a:defRPr sz="1800" kern="1200">
+          <a:solidFill>
+            <a:schemeClr val="tx1"/>
+          </a:solidFill>
+          <a:latin typeface="+mn-lt"/>
+          <a:ea typeface="+mn-ea"/>
+          <a:cs typeface="+mn-cs"/>
+        </a:defRPr>
+      </a:lvl4pPr>
+      <a:lvl5pPr marL="2057400" indent="-228600" algn="l" defTabSz="914400" rtl="0" eaLnBrk="1" latinLnBrk="0" hangingPunct="1">
+        <a:lnSpc>
+          <a:spcPct val="90000"/>
+        </a:lnSpc>
+        <a:spcBef>
+          <a:spcPts val="500"/>
+        </a:spcBef>
+        <a:buFont typeface="Arial"/>
+        <a:buChar char="•"/>
+        <a:defRPr sz="1800" kern="1200">
+          <a:solidFill>
+            <a:schemeClr val="tx1"/>
+          </a:solidFill>
+          <a:latin typeface="+mn-lt"/>
+          <a:ea typeface="+mn-ea"/>
+          <a:cs typeface="+mn-cs"/>
+        </a:defRPr>
+      </a:lvl5pPr>
+      <a:lvl6pPr marL="2514600" indent="-228600" algn="l" defTabSz="914400" rtl="0" eaLnBrk="1" latinLnBrk="0" hangingPunct="1">
+        <a:lnSpc>
+          <a:spcPct val="90000"/>
+        </a:lnSpc>
+        <a:spcBef>
+          <a:spcPts val="500"/>
+        </a:spcBef>
+        <a:buFont typeface="Arial"/>
+        <a:buChar char="•"/>
+        <a:defRPr sz="1800" kern="1200">
+          <a:solidFill>
+            <a:schemeClr val="tx1"/>
+          </a:solidFill>
+          <a:latin typeface="+mn-lt"/>
+          <a:ea typeface="+mn-ea"/>
+          <a:cs typeface="+mn-cs"/>
+        </a:defRPr>
+      </a:lvl6pPr>
+      <a:lvl7pPr marL="2971800" indent="-228600" algn="l" defTabSz="914400" rtl="0" eaLnBrk="1" latinLnBrk="0" hangingPunct="1">
+        <a:lnSpc>
+          <a:spcPct val="90000"/>
+        </a:lnSpc>
+        <a:spcBef>
+          <a:spcPts val="500"/>
+        </a:spcBef>
+        <a:buFont typeface="Arial"/>
+        <a:buChar char="•"/>
+        <a:defRPr sz="1800" kern="1200">
+          <a:solidFill>
+            <a:schemeClr val="tx1"/>
+          </a:solidFill>
+          <a:latin typeface="+mn-lt"/>
+          <a:ea typeface="+mn-ea"/>
+          <a:cs typeface="+mn-cs"/>
+        </a:defRPr>
+      </a:lvl7pPr>
+      <a:lvl8pPr marL="3429000" indent="-228600" algn="l" defTabSz="914400" rtl="0" eaLnBrk="1" latinLnBrk="0" hangingPunct="1">
+        <a:lnSpc>
+          <a:spcPct val="90000"/>
+        </a:lnSpc>
+        <a:spcBef>
+          <a:spcPts val="500"/>
+        </a:spcBef>
+        <a:buFont typeface="Arial"/>
+        <a:buChar char="•"/>
+        <a:defRPr sz="1800" kern="1200">
+          <a:solidFill>
+            <a:schemeClr val="tx1"/>
+          </a:solidFill>
+          <a:latin typeface="+mn-lt"/>
+          <a:ea typeface="+mn-ea"/>
+          <a:cs typeface="+mn-cs"/>
+        </a:defRPr>
+      </a:lvl8pPr>
+      <a:lvl9pPr marL="3886200" indent="-228600" algn="l" defTabSz="914400" rtl="0" eaLnBrk="1" latinLnBrk="0" hangingPunct="1">
+        <a:lnSpc>
+          <a:spcPct val="90000"/>
+        </a:lnSpc>
+        <a:spcBef>
+          <a:spcPts val="500"/>
+        </a:spcBef>
+        <a:buFont typeface="Arial"/>
+        <a:buChar char="•"/>
+        <a:defRPr sz="1800" kern="1200">
+          <a:solidFill>
+            <a:schemeClr val="tx1"/>
+          </a:solidFill>
+          <a:latin typeface="+mn-lt"/>
+          <a:ea typeface="+mn-ea"/>
+          <a:cs typeface="+mn-cs"/>
+        </a:defRPr>
+      </a:lvl9pPr>
+    </p:bodyStyle>
+    <p:otherStyle>
+      <a:defPPr>
+        <a:defRPr lang="en-US"/>
+      </a:defPPr>
+      <a:lvl1pPr marL="0" algn="l" defTabSz="914400" rtl="0" eaLnBrk="1" latinLnBrk="0" hangingPunct="1">
+        <a:defRPr sz="1800" kern="1200">
+          <a:solidFill>
+            <a:schemeClr val="tx1"/>
+          </a:solidFill>
+          <a:latin typeface="+mn-lt"/>
+          <a:ea typeface="+mn-ea"/>
+          <a:cs typeface="+mn-cs"/>
+        </a:defRPr>
+      </a:lvl1pPr>
+      <a:lvl2pPr marL="457200" algn="l" defTabSz="914400" rtl="0" eaLnBrk="1" latinLnBrk="0" hangingPunct="1">
+        <a:defRPr sz="1800" kern="1200">
+          <a:solidFill>
+            <a:schemeClr val="tx1"/>
+          </a:solidFill>
+          <a:latin typeface="+mn-lt"/>
+          <a:ea typeface="+mn-ea"/>
+          <a:cs typeface="+mn-cs"/>
+        </a:defRPr>
+      </a:lvl2pPr>
+      <a:lvl3pPr marL="914400" algn="l" defTabSz="914400" rtl="0" eaLnBrk="1" latinLnBrk="0" hangingPunct="1">
+        <a:defRPr sz="1800" kern="1200">
+          <a:solidFill>
+            <a:schemeClr val="tx1"/>
+          </a:solidFill>
+          <a:latin typeface="+mn-lt"/>
+          <a:ea typeface="+mn-ea"/>
+          <a:cs typeface="+mn-cs"/>
+        </a:defRPr>
+      </a:lvl3pPr>
+      <a:lvl4pPr marL="1371600" algn="l" defTabSz="914400" rtl="0" eaLnBrk="1" latinLnBrk="0" hangingPunct="1">
+        <a:defRPr sz="1800" kern="1200">
+          <a:solidFill>
+            <a:schemeClr val="tx1"/>
+          </a:solidFill>
+          <a:latin typeface="+mn-lt"/>
+          <a:ea typeface="+mn-ea"/>
+          <a:cs typeface="+mn-cs"/>
+        </a:defRPr>
+      </a:lvl4pPr>
+      <a:lvl5pPr marL="1828800" algn="l" defTabSz="914400" rtl="0" eaLnBrk="1" latinLnBrk="0" hangingPunct="1">
+        <a:defRPr sz="1800" kern="1200">
+          <a:solidFill>
+            <a:schemeClr val="tx1"/>
+          </a:solidFill>
+          <a:latin typeface="+mn-lt"/>
+          <a:ea typeface="+mn-ea"/>
+          <a:cs typeface="+mn-cs"/>
+        </a:defRPr>
+      </a:lvl5pPr>
+      <a:lvl6pPr marL="2286000" algn="l" defTabSz="914400" rtl="0" eaLnBrk="1" latinLnBrk="0" hangingPunct="1">
+        <a:defRPr sz="1800" kern="1200">
+          <a:solidFill>
+            <a:schemeClr val="tx1"/>
+          </a:solidFill>
+          <a:latin typeface="+mn-lt"/>
+          <a:ea typeface="+mn-ea"/>
+          <a:cs typeface="+mn-cs"/>
+        </a:defRPr>
+      </a:lvl6pPr>
+      <a:lvl7pPr marL="2743200" algn="l" defTabSz="914400" rtl="0" eaLnBrk="1" latinLnBrk="0" hangingPunct="1">
+        <a:defRPr sz="1800" kern="1200">
+          <a:solidFill>
+            <a:schemeClr val="tx1"/>
+          </a:solidFill>
+          <a:latin typeface="+mn-lt"/>
+          <a:ea typeface="+mn-ea"/>
+          <a:cs typeface="+mn-cs"/>
+        </a:defRPr>
+      </a:lvl7pPr>
+      <a:lvl8pPr marL="3200400" algn="l" defTabSz="914400" rtl="0" eaLnBrk="1" latinLnBrk="0" hangingPunct="1">
+        <a:defRPr sz="1800" kern="1200">
+          <a:solidFill>
+            <a:schemeClr val="tx1"/>
+          </a:solidFill>
+          <a:latin typeface="+mn-lt"/>
+          <a:ea typeface="+mn-ea"/>
+          <a:cs typeface="+mn-cs"/>
+        </a:defRPr>
+      </a:lvl8pPr>
+      <a:lvl9pPr marL="3657600" algn="l" defTabSz="914400" rtl="0" eaLnBrk="1" latinLnBrk="0" hangingPunct="1">
+        <a:defRPr sz="1800" kern="1200">
+          <a:solidFill>
+            <a:schemeClr val="tx1"/>
+          </a:solidFill>
+          <a:latin typeface="+mn-lt"/>
+          <a:ea typeface="+mn-ea"/>
+          <a:cs typeface="+mn-cs"/>
+        </a:defRPr>
+      </a:lvl9pPr>
+    </p:otherStyle>
+  </p:txStyles>
 </p:sldMaster>
 </file>
 
 <file path=ppt/slideMasters/slideMaster2.xml><?xml version="1.0" encoding="utf-8"?>
-<p:sldMaster xmlns:a="http://schemas.openxmlformats.org/drawingml/2006/main" xmlns:p="http://schemas.openxmlformats.org/presentationml/2006/main" xmlns:r="http://schemas.openxmlformats.org/officeDocument/2006/relationships" xmlns:p14="http://schemas.microsoft.com/office/powerpoint/2010/main" xmlns:p15="http://schemas.microsoft.com/office/powerpoint/2012/main" xmlns:mc="http://schemas.openxmlformats.org/markup-compatibility/2006">
+<p:sldMaster xmlns:a="http://schemas.openxmlformats.org/drawingml/2006/main" xmlns:r="http://schemas.openxmlformats.org/officeDocument/2006/relationships" xmlns:p="http://schemas.openxmlformats.org/presentationml/2006/main">
   <p:cSld>
     <p:bg>
       <p:bgPr>
         <a:solidFill>
-          <a:srgbClr val="ffffff"/>
+          <a:srgbClr val="FFFFFF"/>
         </a:solidFill>
+        <a:effectLst/>
       </p:bgPr>
     </p:bg>
     <p:spTree>
@@ -3769,34 +4265,24 @@
           </a:prstGeom>
         </p:spPr>
         <p:txBody>
-          <a:bodyPr lIns="0" rIns="0" tIns="0" bIns="0" anchor="ctr"/>
+          <a:bodyPr lIns="0" tIns="0" rIns="0" bIns="0" anchor="ctr"/>
+          <a:lstStyle/>
           <a:p>
             <a:pPr algn="ctr"/>
             <a:r>
-              <a:rPr b="0" lang="en-GB" sz="4400" spc="-1" strike="noStrike">
+              <a:rPr lang="en-GB" sz="4400" b="0" strike="noStrike" spc="-1">
                 <a:solidFill>
                   <a:srgbClr val="000000"/>
                 </a:solidFill>
                 <a:uFill>
                   <a:solidFill>
-                    <a:srgbClr val="ffffff"/>
+                    <a:srgbClr val="FFFFFF"/>
                   </a:solidFill>
                 </a:uFill>
                 <a:latin typeface="Arial"/>
               </a:rPr>
               <a:t>Click to edit the title text format</a:t>
             </a:r>
-            <a:endParaRPr b="0" lang="en-GB" sz="4400" spc="-1" strike="noStrike">
-              <a:solidFill>
-                <a:srgbClr val="000000"/>
-              </a:solidFill>
-              <a:uFill>
-                <a:solidFill>
-                  <a:srgbClr val="ffffff"/>
-                </a:solidFill>
-              </a:uFill>
-              <a:latin typeface="Arial"/>
-            </a:endParaRPr>
           </a:p>
         </p:txBody>
       </p:sp>
@@ -3820,7 +4306,8 @@
           </a:prstGeom>
         </p:spPr>
         <p:txBody>
-          <a:bodyPr lIns="0" rIns="0" tIns="0" bIns="0"/>
+          <a:bodyPr lIns="0" tIns="0" rIns="0" bIns="0"/>
+          <a:lstStyle/>
           <a:p>
             <a:pPr marL="432000" indent="-324000">
               <a:buClr>
@@ -3831,33 +4318,22 @@
               <a:buChar char=""/>
             </a:pPr>
             <a:r>
-              <a:rPr b="0" lang="en-GB" sz="3200" spc="-1" strike="noStrike">
+              <a:rPr lang="en-GB" sz="3200" b="0" strike="noStrike" spc="-1">
                 <a:solidFill>
                   <a:srgbClr val="000000"/>
                 </a:solidFill>
                 <a:uFill>
                   <a:solidFill>
-                    <a:srgbClr val="ffffff"/>
+                    <a:srgbClr val="FFFFFF"/>
                   </a:solidFill>
                 </a:uFill>
                 <a:latin typeface="Arial"/>
               </a:rPr>
               <a:t>Click to edit the outline text format</a:t>
             </a:r>
-            <a:endParaRPr b="0" lang="en-GB" sz="3200" spc="-1" strike="noStrike">
-              <a:solidFill>
-                <a:srgbClr val="000000"/>
-              </a:solidFill>
-              <a:uFill>
-                <a:solidFill>
-                  <a:srgbClr val="ffffff"/>
-                </a:solidFill>
-              </a:uFill>
-              <a:latin typeface="Arial"/>
-            </a:endParaRPr>
-          </a:p>
-          <a:p>
-            <a:pPr lvl="1" marL="864000" indent="-324000">
+          </a:p>
+          <a:p>
+            <a:pPr marL="864000" lvl="1" indent="-324000">
               <a:buClr>
                 <a:srgbClr val="000000"/>
               </a:buClr>
@@ -3866,33 +4342,22 @@
               <a:buChar char=""/>
             </a:pPr>
             <a:r>
-              <a:rPr b="0" lang="en-GB" sz="2800" spc="-1" strike="noStrike">
+              <a:rPr lang="en-GB" sz="2800" b="0" strike="noStrike" spc="-1">
                 <a:solidFill>
                   <a:srgbClr val="000000"/>
                 </a:solidFill>
                 <a:uFill>
                   <a:solidFill>
-                    <a:srgbClr val="ffffff"/>
+                    <a:srgbClr val="FFFFFF"/>
                   </a:solidFill>
                 </a:uFill>
                 <a:latin typeface="Arial"/>
               </a:rPr>
               <a:t>Second Outline Level</a:t>
             </a:r>
-            <a:endParaRPr b="0" lang="en-GB" sz="2800" spc="-1" strike="noStrike">
-              <a:solidFill>
-                <a:srgbClr val="000000"/>
-              </a:solidFill>
-              <a:uFill>
-                <a:solidFill>
-                  <a:srgbClr val="ffffff"/>
-                </a:solidFill>
-              </a:uFill>
-              <a:latin typeface="Arial"/>
-            </a:endParaRPr>
-          </a:p>
-          <a:p>
-            <a:pPr lvl="2" marL="1296000" indent="-288000">
+          </a:p>
+          <a:p>
+            <a:pPr marL="1296000" lvl="2" indent="-288000">
               <a:buClr>
                 <a:srgbClr val="000000"/>
               </a:buClr>
@@ -3901,33 +4366,22 @@
               <a:buChar char=""/>
             </a:pPr>
             <a:r>
-              <a:rPr b="0" lang="en-GB" sz="2400" spc="-1" strike="noStrike">
+              <a:rPr lang="en-GB" sz="2400" b="0" strike="noStrike" spc="-1">
                 <a:solidFill>
                   <a:srgbClr val="000000"/>
                 </a:solidFill>
                 <a:uFill>
                   <a:solidFill>
-                    <a:srgbClr val="ffffff"/>
+                    <a:srgbClr val="FFFFFF"/>
                   </a:solidFill>
                 </a:uFill>
                 <a:latin typeface="Arial"/>
               </a:rPr>
               <a:t>Third Outline Level</a:t>
             </a:r>
-            <a:endParaRPr b="0" lang="en-GB" sz="2400" spc="-1" strike="noStrike">
-              <a:solidFill>
-                <a:srgbClr val="000000"/>
-              </a:solidFill>
-              <a:uFill>
-                <a:solidFill>
-                  <a:srgbClr val="ffffff"/>
-                </a:solidFill>
-              </a:uFill>
-              <a:latin typeface="Arial"/>
-            </a:endParaRPr>
-          </a:p>
-          <a:p>
-            <a:pPr lvl="3" marL="1728000" indent="-216000">
+          </a:p>
+          <a:p>
+            <a:pPr marL="1728000" lvl="3" indent="-216000">
               <a:buClr>
                 <a:srgbClr val="000000"/>
               </a:buClr>
@@ -3936,33 +4390,22 @@
               <a:buChar char=""/>
             </a:pPr>
             <a:r>
-              <a:rPr b="0" lang="en-GB" sz="2000" spc="-1" strike="noStrike">
+              <a:rPr lang="en-GB" sz="2000" b="0" strike="noStrike" spc="-1">
                 <a:solidFill>
                   <a:srgbClr val="000000"/>
                 </a:solidFill>
                 <a:uFill>
                   <a:solidFill>
-                    <a:srgbClr val="ffffff"/>
+                    <a:srgbClr val="FFFFFF"/>
                   </a:solidFill>
                 </a:uFill>
                 <a:latin typeface="Arial"/>
               </a:rPr>
               <a:t>Fourth Outline Level</a:t>
             </a:r>
-            <a:endParaRPr b="0" lang="en-GB" sz="2000" spc="-1" strike="noStrike">
-              <a:solidFill>
-                <a:srgbClr val="000000"/>
-              </a:solidFill>
-              <a:uFill>
-                <a:solidFill>
-                  <a:srgbClr val="ffffff"/>
-                </a:solidFill>
-              </a:uFill>
-              <a:latin typeface="Arial"/>
-            </a:endParaRPr>
-          </a:p>
-          <a:p>
-            <a:pPr lvl="4" marL="2160000" indent="-216000">
+          </a:p>
+          <a:p>
+            <a:pPr marL="2160000" lvl="4" indent="-216000">
               <a:buClr>
                 <a:srgbClr val="000000"/>
               </a:buClr>
@@ -3971,33 +4414,22 @@
               <a:buChar char=""/>
             </a:pPr>
             <a:r>
-              <a:rPr b="0" lang="en-GB" sz="2000" spc="-1" strike="noStrike">
+              <a:rPr lang="en-GB" sz="2000" b="0" strike="noStrike" spc="-1">
                 <a:solidFill>
                   <a:srgbClr val="000000"/>
                 </a:solidFill>
                 <a:uFill>
                   <a:solidFill>
-                    <a:srgbClr val="ffffff"/>
+                    <a:srgbClr val="FFFFFF"/>
                   </a:solidFill>
                 </a:uFill>
                 <a:latin typeface="Arial"/>
               </a:rPr>
               <a:t>Fifth Outline Level</a:t>
             </a:r>
-            <a:endParaRPr b="0" lang="en-GB" sz="2000" spc="-1" strike="noStrike">
-              <a:solidFill>
-                <a:srgbClr val="000000"/>
-              </a:solidFill>
-              <a:uFill>
-                <a:solidFill>
-                  <a:srgbClr val="ffffff"/>
-                </a:solidFill>
-              </a:uFill>
-              <a:latin typeface="Arial"/>
-            </a:endParaRPr>
-          </a:p>
-          <a:p>
-            <a:pPr lvl="5" marL="2592000" indent="-216000">
+          </a:p>
+          <a:p>
+            <a:pPr marL="2592000" lvl="5" indent="-216000">
               <a:buClr>
                 <a:srgbClr val="000000"/>
               </a:buClr>
@@ -4006,33 +4438,22 @@
               <a:buChar char=""/>
             </a:pPr>
             <a:r>
-              <a:rPr b="0" lang="en-GB" sz="2000" spc="-1" strike="noStrike">
+              <a:rPr lang="en-GB" sz="2000" b="0" strike="noStrike" spc="-1">
                 <a:solidFill>
                   <a:srgbClr val="000000"/>
                 </a:solidFill>
                 <a:uFill>
                   <a:solidFill>
-                    <a:srgbClr val="ffffff"/>
+                    <a:srgbClr val="FFFFFF"/>
                   </a:solidFill>
                 </a:uFill>
                 <a:latin typeface="Arial"/>
               </a:rPr>
               <a:t>Sixth Outline Level</a:t>
             </a:r>
-            <a:endParaRPr b="0" lang="en-GB" sz="2000" spc="-1" strike="noStrike">
-              <a:solidFill>
-                <a:srgbClr val="000000"/>
-              </a:solidFill>
-              <a:uFill>
-                <a:solidFill>
-                  <a:srgbClr val="ffffff"/>
-                </a:solidFill>
-              </a:uFill>
-              <a:latin typeface="Arial"/>
-            </a:endParaRPr>
-          </a:p>
-          <a:p>
-            <a:pPr lvl="6" marL="3024000" indent="-216000">
+          </a:p>
+          <a:p>
+            <a:pPr marL="3024000" lvl="6" indent="-216000">
               <a:buClr>
                 <a:srgbClr val="000000"/>
               </a:buClr>
@@ -4041,55 +4462,324 @@
               <a:buChar char=""/>
             </a:pPr>
             <a:r>
-              <a:rPr b="0" lang="en-GB" sz="2000" spc="-1" strike="noStrike">
+              <a:rPr lang="en-GB" sz="2000" b="0" strike="noStrike" spc="-1">
                 <a:solidFill>
                   <a:srgbClr val="000000"/>
                 </a:solidFill>
                 <a:uFill>
                   <a:solidFill>
-                    <a:srgbClr val="ffffff"/>
+                    <a:srgbClr val="FFFFFF"/>
                   </a:solidFill>
                 </a:uFill>
                 <a:latin typeface="Arial"/>
               </a:rPr>
               <a:t>Seventh Outline Level</a:t>
             </a:r>
-            <a:endParaRPr b="0" lang="en-GB" sz="2000" spc="-1" strike="noStrike">
-              <a:solidFill>
-                <a:srgbClr val="000000"/>
-              </a:solidFill>
-              <a:uFill>
-                <a:solidFill>
-                  <a:srgbClr val="ffffff"/>
-                </a:solidFill>
-              </a:uFill>
-              <a:latin typeface="Arial"/>
-            </a:endParaRPr>
           </a:p>
         </p:txBody>
       </p:sp>
     </p:spTree>
   </p:cSld>
-  <p:clrMap bg1="lt1" bg2="lt2" tx1="dk1" tx2="dk2" accent1="accent1" accent2="accent2" accent3="accent3" accent4="accent4" accent5="accent5" accent6="accent6" hlink="hlink" folHlink="folHlink"/>
+  <p:clrMap bg1="lt1" tx1="dk1" bg2="lt2" tx2="dk2" accent1="accent1" accent2="accent2" accent3="accent3" accent4="accent4" accent5="accent5" accent6="accent6" hlink="hlink" folHlink="folHlink"/>
   <p:sldLayoutIdLst>
-    <p:sldLayoutId id="2147483662" r:id="rId2"/>
-    <p:sldLayoutId id="2147483663" r:id="rId3"/>
-    <p:sldLayoutId id="2147483664" r:id="rId4"/>
-    <p:sldLayoutId id="2147483665" r:id="rId5"/>
-    <p:sldLayoutId id="2147483666" r:id="rId6"/>
-    <p:sldLayoutId id="2147483667" r:id="rId7"/>
-    <p:sldLayoutId id="2147483668" r:id="rId8"/>
-    <p:sldLayoutId id="2147483669" r:id="rId9"/>
-    <p:sldLayoutId id="2147483670" r:id="rId10"/>
-    <p:sldLayoutId id="2147483671" r:id="rId11"/>
-    <p:sldLayoutId id="2147483672" r:id="rId12"/>
-    <p:sldLayoutId id="2147483673" r:id="rId13"/>
+    <p:sldLayoutId id="2147483662" r:id="rId1"/>
+    <p:sldLayoutId id="2147483663" r:id="rId2"/>
+    <p:sldLayoutId id="2147483664" r:id="rId3"/>
+    <p:sldLayoutId id="2147483665" r:id="rId4"/>
+    <p:sldLayoutId id="2147483666" r:id="rId5"/>
+    <p:sldLayoutId id="2147483667" r:id="rId6"/>
+    <p:sldLayoutId id="2147483668" r:id="rId7"/>
+    <p:sldLayoutId id="2147483669" r:id="rId8"/>
+    <p:sldLayoutId id="2147483670" r:id="rId9"/>
+    <p:sldLayoutId id="2147483671" r:id="rId10"/>
+    <p:sldLayoutId id="2147483672" r:id="rId11"/>
+    <p:sldLayoutId id="2147483673" r:id="rId12"/>
   </p:sldLayoutIdLst>
+  <p:txStyles>
+    <p:titleStyle>
+      <a:lvl1pPr algn="l" defTabSz="914400" rtl="0" eaLnBrk="1" latinLnBrk="0" hangingPunct="1">
+        <a:lnSpc>
+          <a:spcPct val="90000"/>
+        </a:lnSpc>
+        <a:spcBef>
+          <a:spcPct val="0"/>
+        </a:spcBef>
+        <a:buNone/>
+        <a:defRPr sz="4400" kern="1200">
+          <a:solidFill>
+            <a:schemeClr val="tx1"/>
+          </a:solidFill>
+          <a:latin typeface="+mj-lt"/>
+          <a:ea typeface="+mj-ea"/>
+          <a:cs typeface="+mj-cs"/>
+        </a:defRPr>
+      </a:lvl1pPr>
+    </p:titleStyle>
+    <p:bodyStyle>
+      <a:lvl1pPr marL="228600" indent="-228600" algn="l" defTabSz="914400" rtl="0" eaLnBrk="1" latinLnBrk="0" hangingPunct="1">
+        <a:lnSpc>
+          <a:spcPct val="90000"/>
+        </a:lnSpc>
+        <a:spcBef>
+          <a:spcPts val="1000"/>
+        </a:spcBef>
+        <a:buFont typeface="Arial"/>
+        <a:buChar char="•"/>
+        <a:defRPr sz="2800" kern="1200">
+          <a:solidFill>
+            <a:schemeClr val="tx1"/>
+          </a:solidFill>
+          <a:latin typeface="+mn-lt"/>
+          <a:ea typeface="+mn-ea"/>
+          <a:cs typeface="+mn-cs"/>
+        </a:defRPr>
+      </a:lvl1pPr>
+      <a:lvl2pPr marL="685800" indent="-228600" algn="l" defTabSz="914400" rtl="0" eaLnBrk="1" latinLnBrk="0" hangingPunct="1">
+        <a:lnSpc>
+          <a:spcPct val="90000"/>
+        </a:lnSpc>
+        <a:spcBef>
+          <a:spcPts val="500"/>
+        </a:spcBef>
+        <a:buFont typeface="Arial"/>
+        <a:buChar char="•"/>
+        <a:defRPr sz="2400" kern="1200">
+          <a:solidFill>
+            <a:schemeClr val="tx1"/>
+          </a:solidFill>
+          <a:latin typeface="+mn-lt"/>
+          <a:ea typeface="+mn-ea"/>
+          <a:cs typeface="+mn-cs"/>
+        </a:defRPr>
+      </a:lvl2pPr>
+      <a:lvl3pPr marL="1143000" indent="-228600" algn="l" defTabSz="914400" rtl="0" eaLnBrk="1" latinLnBrk="0" hangingPunct="1">
+        <a:lnSpc>
+          <a:spcPct val="90000"/>
+        </a:lnSpc>
+        <a:spcBef>
+          <a:spcPts val="500"/>
+        </a:spcBef>
+        <a:buFont typeface="Arial"/>
+        <a:buChar char="•"/>
+        <a:defRPr sz="2000" kern="1200">
+          <a:solidFill>
+            <a:schemeClr val="tx1"/>
+          </a:solidFill>
+          <a:latin typeface="+mn-lt"/>
+          <a:ea typeface="+mn-ea"/>
+          <a:cs typeface="+mn-cs"/>
+        </a:defRPr>
+      </a:lvl3pPr>
+      <a:lvl4pPr marL="1600200" indent="-228600" algn="l" defTabSz="914400" rtl="0" eaLnBrk="1" latinLnBrk="0" hangingPunct="1">
+        <a:lnSpc>
+          <a:spcPct val="90000"/>
+        </a:lnSpc>
+        <a:spcBef>
+          <a:spcPts val="500"/>
+        </a:spcBef>
+        <a:buFont typeface="Arial"/>
+        <a:buChar char="•"/>
+        <a:defRPr sz="1800" kern="1200">
+          <a:solidFill>
+            <a:schemeClr val="tx1"/>
+          </a:solidFill>
+          <a:latin typeface="+mn-lt"/>
+          <a:ea typeface="+mn-ea"/>
+          <a:cs typeface="+mn-cs"/>
+        </a:defRPr>
+      </a:lvl4pPr>
+      <a:lvl5pPr marL="2057400" indent="-228600" algn="l" defTabSz="914400" rtl="0" eaLnBrk="1" latinLnBrk="0" hangingPunct="1">
+        <a:lnSpc>
+          <a:spcPct val="90000"/>
+        </a:lnSpc>
+        <a:spcBef>
+          <a:spcPts val="500"/>
+        </a:spcBef>
+        <a:buFont typeface="Arial"/>
+        <a:buChar char="•"/>
+        <a:defRPr sz="1800" kern="1200">
+          <a:solidFill>
+            <a:schemeClr val="tx1"/>
+          </a:solidFill>
+          <a:latin typeface="+mn-lt"/>
+          <a:ea typeface="+mn-ea"/>
+          <a:cs typeface="+mn-cs"/>
+        </a:defRPr>
+      </a:lvl5pPr>
+      <a:lvl6pPr marL="2514600" indent="-228600" algn="l" defTabSz="914400" rtl="0" eaLnBrk="1" latinLnBrk="0" hangingPunct="1">
+        <a:lnSpc>
+          <a:spcPct val="90000"/>
+        </a:lnSpc>
+        <a:spcBef>
+          <a:spcPts val="500"/>
+        </a:spcBef>
+        <a:buFont typeface="Arial"/>
+        <a:buChar char="•"/>
+        <a:defRPr sz="1800" kern="1200">
+          <a:solidFill>
+            <a:schemeClr val="tx1"/>
+          </a:solidFill>
+          <a:latin typeface="+mn-lt"/>
+          <a:ea typeface="+mn-ea"/>
+          <a:cs typeface="+mn-cs"/>
+        </a:defRPr>
+      </a:lvl6pPr>
+      <a:lvl7pPr marL="2971800" indent="-228600" algn="l" defTabSz="914400" rtl="0" eaLnBrk="1" latinLnBrk="0" hangingPunct="1">
+        <a:lnSpc>
+          <a:spcPct val="90000"/>
+        </a:lnSpc>
+        <a:spcBef>
+          <a:spcPts val="500"/>
+        </a:spcBef>
+        <a:buFont typeface="Arial"/>
+        <a:buChar char="•"/>
+        <a:defRPr sz="1800" kern="1200">
+          <a:solidFill>
+            <a:schemeClr val="tx1"/>
+          </a:solidFill>
+          <a:latin typeface="+mn-lt"/>
+          <a:ea typeface="+mn-ea"/>
+          <a:cs typeface="+mn-cs"/>
+        </a:defRPr>
+      </a:lvl7pPr>
+      <a:lvl8pPr marL="3429000" indent="-228600" algn="l" defTabSz="914400" rtl="0" eaLnBrk="1" latinLnBrk="0" hangingPunct="1">
+        <a:lnSpc>
+          <a:spcPct val="90000"/>
+        </a:lnSpc>
+        <a:spcBef>
+          <a:spcPts val="500"/>
+        </a:spcBef>
+        <a:buFont typeface="Arial"/>
+        <a:buChar char="•"/>
+        <a:defRPr sz="1800" kern="1200">
+          <a:solidFill>
+            <a:schemeClr val="tx1"/>
+          </a:solidFill>
+          <a:latin typeface="+mn-lt"/>
+          <a:ea typeface="+mn-ea"/>
+          <a:cs typeface="+mn-cs"/>
+        </a:defRPr>
+      </a:lvl8pPr>
+      <a:lvl9pPr marL="3886200" indent="-228600" algn="l" defTabSz="914400" rtl="0" eaLnBrk="1" latinLnBrk="0" hangingPunct="1">
+        <a:lnSpc>
+          <a:spcPct val="90000"/>
+        </a:lnSpc>
+        <a:spcBef>
+          <a:spcPts val="500"/>
+        </a:spcBef>
+        <a:buFont typeface="Arial"/>
+        <a:buChar char="•"/>
+        <a:defRPr sz="1800" kern="1200">
+          <a:solidFill>
+            <a:schemeClr val="tx1"/>
+          </a:solidFill>
+          <a:latin typeface="+mn-lt"/>
+          <a:ea typeface="+mn-ea"/>
+          <a:cs typeface="+mn-cs"/>
+        </a:defRPr>
+      </a:lvl9pPr>
+    </p:bodyStyle>
+    <p:otherStyle>
+      <a:defPPr>
+        <a:defRPr lang="en-US"/>
+      </a:defPPr>
+      <a:lvl1pPr marL="0" algn="l" defTabSz="914400" rtl="0" eaLnBrk="1" latinLnBrk="0" hangingPunct="1">
+        <a:defRPr sz="1800" kern="1200">
+          <a:solidFill>
+            <a:schemeClr val="tx1"/>
+          </a:solidFill>
+          <a:latin typeface="+mn-lt"/>
+          <a:ea typeface="+mn-ea"/>
+          <a:cs typeface="+mn-cs"/>
+        </a:defRPr>
+      </a:lvl1pPr>
+      <a:lvl2pPr marL="457200" algn="l" defTabSz="914400" rtl="0" eaLnBrk="1" latinLnBrk="0" hangingPunct="1">
+        <a:defRPr sz="1800" kern="1200">
+          <a:solidFill>
+            <a:schemeClr val="tx1"/>
+          </a:solidFill>
+          <a:latin typeface="+mn-lt"/>
+          <a:ea typeface="+mn-ea"/>
+          <a:cs typeface="+mn-cs"/>
+        </a:defRPr>
+      </a:lvl2pPr>
+      <a:lvl3pPr marL="914400" algn="l" defTabSz="914400" rtl="0" eaLnBrk="1" latinLnBrk="0" hangingPunct="1">
+        <a:defRPr sz="1800" kern="1200">
+          <a:solidFill>
+            <a:schemeClr val="tx1"/>
+          </a:solidFill>
+          <a:latin typeface="+mn-lt"/>
+          <a:ea typeface="+mn-ea"/>
+          <a:cs typeface="+mn-cs"/>
+        </a:defRPr>
+      </a:lvl3pPr>
+      <a:lvl4pPr marL="1371600" algn="l" defTabSz="914400" rtl="0" eaLnBrk="1" latinLnBrk="0" hangingPunct="1">
+        <a:defRPr sz="1800" kern="1200">
+          <a:solidFill>
+            <a:schemeClr val="tx1"/>
+          </a:solidFill>
+          <a:latin typeface="+mn-lt"/>
+          <a:ea typeface="+mn-ea"/>
+          <a:cs typeface="+mn-cs"/>
+        </a:defRPr>
+      </a:lvl4pPr>
+      <a:lvl5pPr marL="1828800" algn="l" defTabSz="914400" rtl="0" eaLnBrk="1" latinLnBrk="0" hangingPunct="1">
+        <a:defRPr sz="1800" kern="1200">
+          <a:solidFill>
+            <a:schemeClr val="tx1"/>
+          </a:solidFill>
+          <a:latin typeface="+mn-lt"/>
+          <a:ea typeface="+mn-ea"/>
+          <a:cs typeface="+mn-cs"/>
+        </a:defRPr>
+      </a:lvl5pPr>
+      <a:lvl6pPr marL="2286000" algn="l" defTabSz="914400" rtl="0" eaLnBrk="1" latinLnBrk="0" hangingPunct="1">
+        <a:defRPr sz="1800" kern="1200">
+          <a:solidFill>
+            <a:schemeClr val="tx1"/>
+          </a:solidFill>
+          <a:latin typeface="+mn-lt"/>
+          <a:ea typeface="+mn-ea"/>
+          <a:cs typeface="+mn-cs"/>
+        </a:defRPr>
+      </a:lvl6pPr>
+      <a:lvl7pPr marL="2743200" algn="l" defTabSz="914400" rtl="0" eaLnBrk="1" latinLnBrk="0" hangingPunct="1">
+        <a:defRPr sz="1800" kern="1200">
+          <a:solidFill>
+            <a:schemeClr val="tx1"/>
+          </a:solidFill>
+          <a:latin typeface="+mn-lt"/>
+          <a:ea typeface="+mn-ea"/>
+          <a:cs typeface="+mn-cs"/>
+        </a:defRPr>
+      </a:lvl7pPr>
+      <a:lvl8pPr marL="3200400" algn="l" defTabSz="914400" rtl="0" eaLnBrk="1" latinLnBrk="0" hangingPunct="1">
+        <a:defRPr sz="1800" kern="1200">
+          <a:solidFill>
+            <a:schemeClr val="tx1"/>
+          </a:solidFill>
+          <a:latin typeface="+mn-lt"/>
+          <a:ea typeface="+mn-ea"/>
+          <a:cs typeface="+mn-cs"/>
+        </a:defRPr>
+      </a:lvl8pPr>
+      <a:lvl9pPr marL="3657600" algn="l" defTabSz="914400" rtl="0" eaLnBrk="1" latinLnBrk="0" hangingPunct="1">
+        <a:defRPr sz="1800" kern="1200">
+          <a:solidFill>
+            <a:schemeClr val="tx1"/>
+          </a:solidFill>
+          <a:latin typeface="+mn-lt"/>
+          <a:ea typeface="+mn-ea"/>
+          <a:cs typeface="+mn-cs"/>
+        </a:defRPr>
+      </a:lvl9pPr>
+    </p:otherStyle>
+  </p:txStyles>
 </p:sldMaster>
 </file>
 
 <file path=ppt/slides/slide1.xml><?xml version="1.0" encoding="utf-8"?>
-<p:sld xmlns:a="http://schemas.openxmlformats.org/drawingml/2006/main" xmlns:p="http://schemas.openxmlformats.org/presentationml/2006/main" xmlns:r="http://schemas.openxmlformats.org/officeDocument/2006/relationships" xmlns:p14="http://schemas.microsoft.com/office/powerpoint/2010/main" xmlns:p15="http://schemas.microsoft.com/office/powerpoint/2012/main" xmlns:mc="http://schemas.openxmlformats.org/markup-compatibility/2006">
+<p:sld xmlns:a="http://schemas.openxmlformats.org/drawingml/2006/main" xmlns:r="http://schemas.openxmlformats.org/officeDocument/2006/relationships" xmlns:p="http://schemas.openxmlformats.org/presentationml/2006/main">
   <p:cSld>
     <p:spTree>
       <p:nvGrpSpPr>
@@ -4125,13 +4815,20 @@
           </a:ln>
         </p:spPr>
         <p:style>
-          <a:lnRef idx="0"/>
-          <a:fillRef idx="0"/>
-          <a:effectRef idx="0"/>
+          <a:lnRef idx="0">
+            <a:scrgbClr r="0" g="0" b="0"/>
+          </a:lnRef>
+          <a:fillRef idx="0">
+            <a:scrgbClr r="0" g="0" b="0"/>
+          </a:fillRef>
+          <a:effectRef idx="0">
+            <a:scrgbClr r="0" g="0" b="0"/>
+          </a:effectRef>
           <a:fontRef idx="minor"/>
         </p:style>
         <p:txBody>
-          <a:bodyPr lIns="0" rIns="0" tIns="39240" bIns="0" anchor="ctr"/>
+          <a:bodyPr lIns="0" tIns="39240" rIns="0" bIns="0" anchor="ctr"/>
+          <a:lstStyle/>
           <a:p>
             <a:pPr algn="ctr">
               <a:lnSpc>
@@ -4139,13 +4836,13 @@
               </a:lnSpc>
             </a:pPr>
             <a:r>
-              <a:rPr b="0" lang="en-GB" sz="4400" spc="-1" strike="noStrike">
+              <a:rPr lang="en-GB" sz="4400" b="0" strike="noStrike" spc="-1">
                 <a:solidFill>
                   <a:srgbClr val="800000"/>
                 </a:solidFill>
                 <a:uFill>
                   <a:solidFill>
-                    <a:srgbClr val="ffffff"/>
+                    <a:srgbClr val="FFFFFF"/>
                   </a:solidFill>
                 </a:uFill>
                 <a:latin typeface="Arial"/>
@@ -4153,13 +4850,13 @@
               </a:rPr>
               <a:t>Neuroscience Gateway (NSG)</a:t>
             </a:r>
-            <a:endParaRPr b="0" lang="en-GB" sz="1800" spc="-1" strike="noStrike">
+            <a:endParaRPr lang="en-GB" sz="1800" b="0" strike="noStrike" spc="-1">
               <a:solidFill>
                 <a:srgbClr val="000000"/>
               </a:solidFill>
               <a:uFill>
                 <a:solidFill>
-                  <a:srgbClr val="ffffff"/>
+                  <a:srgbClr val="FFFFFF"/>
                 </a:solidFill>
               </a:uFill>
               <a:latin typeface="Arial"/>
@@ -4187,13 +4884,20 @@
           </a:ln>
         </p:spPr>
         <p:style>
-          <a:lnRef idx="0"/>
-          <a:fillRef idx="0"/>
-          <a:effectRef idx="0"/>
+          <a:lnRef idx="0">
+            <a:scrgbClr r="0" g="0" b="0"/>
+          </a:lnRef>
+          <a:fillRef idx="0">
+            <a:scrgbClr r="0" g="0" b="0"/>
+          </a:fillRef>
+          <a:effectRef idx="0">
+            <a:scrgbClr r="0" g="0" b="0"/>
+          </a:effectRef>
           <a:fontRef idx="minor"/>
         </p:style>
         <p:txBody>
-          <a:bodyPr lIns="0" rIns="0" tIns="28440" bIns="0" anchor="ctr"/>
+          <a:bodyPr lIns="0" tIns="28440" rIns="0" bIns="0" anchor="ctr"/>
+          <a:lstStyle/>
           <a:p>
             <a:pPr algn="ctr">
               <a:lnSpc>
@@ -4201,28 +4905,28 @@
               </a:lnSpc>
             </a:pPr>
             <a:r>
-              <a:rPr b="0" lang="en-GB" sz="3200" spc="-1" strike="noStrike" u="sng">
-                <a:solidFill>
-                  <a:srgbClr val="0000ff"/>
+              <a:rPr lang="en-GB" sz="3200" b="0" u="sng" strike="noStrike" spc="-1">
+                <a:solidFill>
+                  <a:srgbClr val="0000FF"/>
                 </a:solidFill>
                 <a:uFill>
                   <a:solidFill>
-                    <a:srgbClr val="ffffff"/>
+                    <a:srgbClr val="FFFFFF"/>
                   </a:solidFill>
                 </a:uFill>
                 <a:latin typeface="Arial"/>
                 <a:ea typeface="Noto Sans CJK SC Regular"/>
-                <a:hlinkClick r:id="rId1"/>
+                <a:hlinkClick r:id="rId3"/>
               </a:rPr>
               <a:t>http://www.nsgportal.org</a:t>
             </a:r>
-            <a:endParaRPr b="0" lang="en-GB" sz="1800" spc="-1" strike="noStrike">
+            <a:endParaRPr lang="en-GB" sz="1800" b="0" strike="noStrike" spc="-1">
               <a:solidFill>
                 <a:srgbClr val="000000"/>
               </a:solidFill>
               <a:uFill>
                 <a:solidFill>
-                  <a:srgbClr val="ffffff"/>
+                  <a:srgbClr val="FFFFFF"/>
                 </a:solidFill>
               </a:uFill>
               <a:latin typeface="Arial"/>
@@ -4250,13 +4954,20 @@
           </a:ln>
         </p:spPr>
         <p:style>
-          <a:lnRef idx="0"/>
-          <a:fillRef idx="0"/>
-          <a:effectRef idx="0"/>
+          <a:lnRef idx="0">
+            <a:scrgbClr r="0" g="0" b="0"/>
+          </a:lnRef>
+          <a:fillRef idx="0">
+            <a:scrgbClr r="0" g="0" b="0"/>
+          </a:fillRef>
+          <a:effectRef idx="0">
+            <a:scrgbClr r="0" g="0" b="0"/>
+          </a:effectRef>
           <a:fontRef idx="minor"/>
         </p:style>
         <p:txBody>
-          <a:bodyPr lIns="0" rIns="0" tIns="35640" bIns="0" anchor="ctr"/>
+          <a:bodyPr lIns="0" tIns="35640" rIns="0" bIns="0" anchor="ctr"/>
+          <a:lstStyle/>
           <a:p>
             <a:pPr>
               <a:lnSpc>
@@ -4264,13 +4975,13 @@
               </a:lnSpc>
             </a:pPr>
             <a:r>
-              <a:rPr b="1" lang="en-GB" sz="1800" spc="-1" strike="noStrike">
+              <a:rPr lang="en-GB" sz="1800" b="1" strike="noStrike" spc="-1">
                 <a:solidFill>
                   <a:srgbClr val="808080"/>
                 </a:solidFill>
                 <a:uFill>
                   <a:solidFill>
-                    <a:srgbClr val="ffffff"/>
+                    <a:srgbClr val="FFFFFF"/>
                   </a:solidFill>
                 </a:uFill>
                 <a:latin typeface="Arial"/>
@@ -4278,13 +4989,13 @@
               </a:rPr>
               <a:t>Neuroinformatics tutorial</a:t>
             </a:r>
-            <a:endParaRPr b="0" lang="en-GB" sz="1800" spc="-1" strike="noStrike">
+            <a:endParaRPr lang="en-GB" sz="1800" b="0" strike="noStrike" spc="-1">
               <a:solidFill>
                 <a:srgbClr val="000000"/>
               </a:solidFill>
               <a:uFill>
                 <a:solidFill>
-                  <a:srgbClr val="ffffff"/>
+                  <a:srgbClr val="FFFFFF"/>
                 </a:solidFill>
               </a:uFill>
               <a:latin typeface="Arial"/>
@@ -4312,13 +5023,20 @@
           </a:ln>
         </p:spPr>
         <p:style>
-          <a:lnRef idx="0"/>
-          <a:fillRef idx="0"/>
-          <a:effectRef idx="0"/>
+          <a:lnRef idx="0">
+            <a:scrgbClr r="0" g="0" b="0"/>
+          </a:lnRef>
+          <a:fillRef idx="0">
+            <a:scrgbClr r="0" g="0" b="0"/>
+          </a:fillRef>
+          <a:effectRef idx="0">
+            <a:scrgbClr r="0" g="0" b="0"/>
+          </a:effectRef>
           <a:fontRef idx="minor"/>
         </p:style>
         <p:txBody>
-          <a:bodyPr lIns="90000" rIns="90000" tIns="60840" bIns="45000"/>
+          <a:bodyPr lIns="90000" tIns="60840" rIns="90000" bIns="45000"/>
+          <a:lstStyle/>
           <a:p>
             <a:pPr>
               <a:lnSpc>
@@ -4326,13 +5044,13 @@
               </a:lnSpc>
             </a:pPr>
             <a:r>
-              <a:rPr b="0" lang="en-GB" sz="1800" spc="-1" strike="noStrike">
+              <a:rPr lang="en-GB" sz="1800" b="0" strike="noStrike" spc="-1">
                 <a:solidFill>
                   <a:srgbClr val="000000"/>
                 </a:solidFill>
                 <a:uFill>
                   <a:solidFill>
-                    <a:srgbClr val="ffffff"/>
+                    <a:srgbClr val="FFFFFF"/>
                   </a:solidFill>
                 </a:uFill>
                 <a:latin typeface="Arial"/>
@@ -4340,13 +5058,13 @@
               </a:rPr>
               <a:t>NSG facilitates access and use of High Performance Computing resources freely and openly for the neuroscience community via web-based and programmatic (RESTful API) access. Various computational neuroscience tools, libraries, pipelines and data processing software are made available on HPC resources. </a:t>
             </a:r>
-            <a:endParaRPr b="0" lang="en-GB" sz="1800" spc="-1" strike="noStrike">
+            <a:endParaRPr lang="en-GB" sz="1800" b="0" strike="noStrike" spc="-1">
               <a:solidFill>
                 <a:srgbClr val="000000"/>
               </a:solidFill>
               <a:uFill>
                 <a:solidFill>
-                  <a:srgbClr val="ffffff"/>
+                  <a:srgbClr val="FFFFFF"/>
                 </a:solidFill>
               </a:uFill>
               <a:latin typeface="Arial"/>
@@ -4376,9 +5094,15 @@
           </a:ln>
         </p:spPr>
         <p:style>
-          <a:lnRef idx="0"/>
-          <a:fillRef idx="0"/>
-          <a:effectRef idx="0"/>
+          <a:lnRef idx="0">
+            <a:scrgbClr r="0" g="0" b="0"/>
+          </a:lnRef>
+          <a:fillRef idx="0">
+            <a:scrgbClr r="0" g="0" b="0"/>
+          </a:fillRef>
+          <a:effectRef idx="0">
+            <a:scrgbClr r="0" g="0" b="0"/>
+          </a:effectRef>
           <a:fontRef idx="minor"/>
         </p:style>
       </p:sp>
@@ -4402,13 +5126,20 @@
           </a:ln>
         </p:spPr>
         <p:style>
-          <a:lnRef idx="0"/>
-          <a:fillRef idx="0"/>
-          <a:effectRef idx="0"/>
+          <a:lnRef idx="0">
+            <a:scrgbClr r="0" g="0" b="0"/>
+          </a:lnRef>
+          <a:fillRef idx="0">
+            <a:scrgbClr r="0" g="0" b="0"/>
+          </a:fillRef>
+          <a:effectRef idx="0">
+            <a:scrgbClr r="0" g="0" b="0"/>
+          </a:effectRef>
           <a:fontRef idx="minor"/>
         </p:style>
         <p:txBody>
-          <a:bodyPr lIns="0" rIns="0" tIns="35640" bIns="0" anchor="ctr"/>
+          <a:bodyPr lIns="0" tIns="35640" rIns="0" bIns="0" anchor="ctr"/>
+          <a:lstStyle/>
           <a:p>
             <a:pPr algn="r">
               <a:lnSpc>
@@ -4416,13 +5147,13 @@
               </a:lnSpc>
             </a:pPr>
             <a:r>
-              <a:rPr b="0" lang="en-GB" sz="1800" spc="-1" strike="noStrike">
+              <a:rPr lang="en-GB" sz="1800" b="0" strike="noStrike" spc="-1">
                 <a:solidFill>
                   <a:srgbClr val="808080"/>
                 </a:solidFill>
                 <a:uFill>
                   <a:solidFill>
-                    <a:srgbClr val="ffffff"/>
+                    <a:srgbClr val="FFFFFF"/>
                   </a:solidFill>
                 </a:uFill>
                 <a:latin typeface="Arial"/>
@@ -4430,13 +5161,13 @@
               </a:rPr>
               <a:t>1.6 Computing infrastructure</a:t>
             </a:r>
-            <a:endParaRPr b="0" lang="en-GB" sz="1800" spc="-1" strike="noStrike">
+            <a:endParaRPr lang="en-GB" sz="1800" b="0" strike="noStrike" spc="-1">
               <a:solidFill>
                 <a:srgbClr val="000000"/>
               </a:solidFill>
               <a:uFill>
                 <a:solidFill>
-                  <a:srgbClr val="ffffff"/>
+                  <a:srgbClr val="FFFFFF"/>
                 </a:solidFill>
               </a:uFill>
               <a:latin typeface="Arial"/>
@@ -4446,6 +5177,9 @@
       </p:sp>
     </p:spTree>
   </p:cSld>
+  <p:clrMapOvr>
+    <a:masterClrMapping/>
+  </p:clrMapOvr>
   <p:timing>
     <p:tnLst>
       <p:par>
@@ -4454,14 +5188,14 @@
             <p:seq>
               <p:cTn id="2" nodeType="mainSeq"/>
               <p:prevCondLst>
-                <p:cond delay="0" evt="onPrev">
+                <p:cond evt="onPrev" delay="0">
                   <p:tgtEl>
                     <p:sldTgt/>
                   </p:tgtEl>
                 </p:cond>
               </p:prevCondLst>
               <p:nextCondLst>
-                <p:cond delay="0" evt="onNext">
+                <p:cond evt="onNext" delay="0">
                   <p:tgtEl>
                     <p:sldTgt/>
                   </p:tgtEl>
@@ -4477,7 +5211,7 @@
 </file>
 
 <file path=ppt/slides/slide2.xml><?xml version="1.0" encoding="utf-8"?>
-<p:sld xmlns:a="http://schemas.openxmlformats.org/drawingml/2006/main" xmlns:p="http://schemas.openxmlformats.org/presentationml/2006/main" xmlns:r="http://schemas.openxmlformats.org/officeDocument/2006/relationships" xmlns:p14="http://schemas.microsoft.com/office/powerpoint/2010/main" xmlns:p15="http://schemas.microsoft.com/office/powerpoint/2012/main" xmlns:mc="http://schemas.openxmlformats.org/markup-compatibility/2006">
+<p:sld xmlns:a="http://schemas.openxmlformats.org/drawingml/2006/main" xmlns:r="http://schemas.openxmlformats.org/officeDocument/2006/relationships" xmlns:p="http://schemas.openxmlformats.org/presentationml/2006/main">
   <p:cSld>
     <p:spTree>
       <p:nvGrpSpPr>
@@ -4513,13 +5247,20 @@
           </a:ln>
         </p:spPr>
         <p:style>
-          <a:lnRef idx="0"/>
-          <a:fillRef idx="0"/>
-          <a:effectRef idx="0"/>
+          <a:lnRef idx="0">
+            <a:scrgbClr r="0" g="0" b="0"/>
+          </a:lnRef>
+          <a:fillRef idx="0">
+            <a:scrgbClr r="0" g="0" b="0"/>
+          </a:fillRef>
+          <a:effectRef idx="0">
+            <a:scrgbClr r="0" g="0" b="0"/>
+          </a:effectRef>
           <a:fontRef idx="minor"/>
         </p:style>
         <p:txBody>
-          <a:bodyPr lIns="0" rIns="0" tIns="0" bIns="0" anchor="ctr"/>
+          <a:bodyPr lIns="0" tIns="0" rIns="0" bIns="0" anchor="ctr"/>
+          <a:lstStyle/>
           <a:p>
             <a:pPr algn="ctr">
               <a:lnSpc>
@@ -4527,13 +5268,13 @@
               </a:lnSpc>
             </a:pPr>
             <a:r>
-              <a:rPr b="0" lang="en-GB" sz="3200" spc="-1" strike="noStrike">
+              <a:rPr lang="en-GB" sz="3200" b="0" strike="noStrike" spc="-1">
                 <a:solidFill>
                   <a:srgbClr val="000000"/>
                 </a:solidFill>
                 <a:uFill>
                   <a:solidFill>
-                    <a:srgbClr val="ffffff"/>
+                    <a:srgbClr val="FFFFFF"/>
                   </a:solidFill>
                 </a:uFill>
                 <a:latin typeface="Arial"/>
@@ -4542,13 +5283,13 @@
               <a:t>NSG</a:t>
             </a:r>
             <a:r>
-              <a:rPr b="0" lang="en-GB" sz="3530" spc="-1" strike="noStrike">
+              <a:rPr lang="en-GB" sz="3530" b="0" strike="noStrike" spc="-1">
                 <a:solidFill>
                   <a:srgbClr val="000000"/>
                 </a:solidFill>
                 <a:uFill>
                   <a:solidFill>
-                    <a:srgbClr val="ffffff"/>
+                    <a:srgbClr val="FFFFFF"/>
                   </a:solidFill>
                 </a:uFill>
                 <a:latin typeface="Arial"/>
@@ -4556,13 +5297,13 @@
               </a:rPr>
               <a:t> - Portal and Programmatic Access </a:t>
             </a:r>
-            <a:endParaRPr b="0" lang="en-GB" sz="1800" spc="-1" strike="noStrike">
+            <a:endParaRPr lang="en-GB" sz="1800" b="0" strike="noStrike" spc="-1">
               <a:solidFill>
                 <a:srgbClr val="000000"/>
               </a:solidFill>
               <a:uFill>
                 <a:solidFill>
-                  <a:srgbClr val="ffffff"/>
+                  <a:srgbClr val="FFFFFF"/>
                 </a:solidFill>
               </a:uFill>
               <a:latin typeface="Arial"/>
@@ -4590,13 +5331,20 @@
           </a:ln>
         </p:spPr>
         <p:style>
-          <a:lnRef idx="0"/>
-          <a:fillRef idx="0"/>
-          <a:effectRef idx="0"/>
+          <a:lnRef idx="0">
+            <a:scrgbClr r="0" g="0" b="0"/>
+          </a:lnRef>
+          <a:fillRef idx="0">
+            <a:scrgbClr r="0" g="0" b="0"/>
+          </a:fillRef>
+          <a:effectRef idx="0">
+            <a:scrgbClr r="0" g="0" b="0"/>
+          </a:effectRef>
           <a:fontRef idx="minor"/>
         </p:style>
         <p:txBody>
-          <a:bodyPr lIns="0" rIns="0" tIns="28440" bIns="0"/>
+          <a:bodyPr lIns="0" tIns="28440" rIns="0" bIns="0"/>
+          <a:lstStyle/>
           <a:p>
             <a:pPr marL="343080" indent="-342360">
               <a:lnSpc>
@@ -4604,13 +5352,13 @@
               </a:lnSpc>
             </a:pPr>
             <a:r>
-              <a:rPr b="0" lang="en-GB" sz="2650" spc="-1" strike="noStrike">
+              <a:rPr lang="en-GB" sz="2650" b="0" strike="noStrike" spc="-1">
                 <a:solidFill>
                   <a:srgbClr val="000000"/>
                 </a:solidFill>
                 <a:uFill>
                   <a:solidFill>
-                    <a:srgbClr val="ffffff"/>
+                    <a:srgbClr val="FFFFFF"/>
                   </a:solidFill>
                 </a:uFill>
                 <a:latin typeface="Arial"/>
@@ -4618,13 +5366,13 @@
               </a:rPr>
               <a:t>NSG Portal: Simple and easy to use web interface</a:t>
             </a:r>
-            <a:endParaRPr b="0" lang="en-GB" sz="1800" spc="-1" strike="noStrike">
+            <a:endParaRPr lang="en-GB" sz="1800" b="0" strike="noStrike" spc="-1">
               <a:solidFill>
                 <a:srgbClr val="000000"/>
               </a:solidFill>
               <a:uFill>
                 <a:solidFill>
-                  <a:srgbClr val="ffffff"/>
+                  <a:srgbClr val="FFFFFF"/>
                 </a:solidFill>
               </a:uFill>
               <a:latin typeface="Arial"/>
@@ -4637,13 +5385,13 @@
               </a:lnSpc>
             </a:pPr>
             <a:r>
-              <a:rPr b="0" lang="en-GB" sz="2650" spc="-1" strike="noStrike">
+              <a:rPr lang="en-GB" sz="2650" b="0" strike="noStrike" spc="-1">
                 <a:solidFill>
                   <a:srgbClr val="000000"/>
                 </a:solidFill>
                 <a:uFill>
                   <a:solidFill>
-                    <a:srgbClr val="ffffff"/>
+                    <a:srgbClr val="FFFFFF"/>
                   </a:solidFill>
                 </a:uFill>
                 <a:latin typeface="Arial"/>
@@ -4651,13 +5399,13 @@
               </a:rPr>
               <a:t>NSG–R: Programmatic access through RESTful services</a:t>
             </a:r>
-            <a:endParaRPr b="0" lang="en-GB" sz="1800" spc="-1" strike="noStrike">
+            <a:endParaRPr lang="en-GB" sz="1800" b="0" strike="noStrike" spc="-1">
               <a:solidFill>
                 <a:srgbClr val="000000"/>
               </a:solidFill>
               <a:uFill>
                 <a:solidFill>
-                  <a:srgbClr val="ffffff"/>
+                  <a:srgbClr val="FFFFFF"/>
                 </a:solidFill>
               </a:uFill>
               <a:latin typeface="Arial"/>
@@ -4667,12 +5415,12 @@
       </p:sp>
       <p:pic>
         <p:nvPicPr>
-          <p:cNvPr id="85" name="Picture 14" descr=""/>
+          <p:cNvPr id="85" name="Picture 14"/>
           <p:cNvPicPr/>
           <p:nvPr/>
         </p:nvPicPr>
         <p:blipFill>
-          <a:blip r:embed="rId1"/>
+          <a:blip r:embed="rId2"/>
           <a:stretch/>
         </p:blipFill>
         <p:spPr>
@@ -4711,9 +5459,15 @@
           </a:ln>
         </p:spPr>
         <p:style>
-          <a:lnRef idx="0"/>
-          <a:fillRef idx="0"/>
-          <a:effectRef idx="0"/>
+          <a:lnRef idx="0">
+            <a:scrgbClr r="0" g="0" b="0"/>
+          </a:lnRef>
+          <a:fillRef idx="0">
+            <a:scrgbClr r="0" g="0" b="0"/>
+          </a:fillRef>
+          <a:effectRef idx="0">
+            <a:scrgbClr r="0" g="0" b="0"/>
+          </a:effectRef>
           <a:fontRef idx="minor"/>
         </p:style>
       </p:sp>
@@ -4737,13 +5491,20 @@
           </a:ln>
         </p:spPr>
         <p:style>
-          <a:lnRef idx="0"/>
-          <a:fillRef idx="0"/>
-          <a:effectRef idx="0"/>
+          <a:lnRef idx="0">
+            <a:scrgbClr r="0" g="0" b="0"/>
+          </a:lnRef>
+          <a:fillRef idx="0">
+            <a:scrgbClr r="0" g="0" b="0"/>
+          </a:fillRef>
+          <a:effectRef idx="0">
+            <a:scrgbClr r="0" g="0" b="0"/>
+          </a:effectRef>
           <a:fontRef idx="minor"/>
         </p:style>
         <p:txBody>
-          <a:bodyPr lIns="90000" rIns="90000" tIns="45000" bIns="45000"/>
+          <a:bodyPr lIns="90000" tIns="45000" rIns="90000" bIns="45000"/>
+          <a:lstStyle/>
           <a:p>
             <a:pPr algn="ctr">
               <a:lnSpc>
@@ -4751,13 +5512,13 @@
               </a:lnSpc>
             </a:pPr>
             <a:r>
-              <a:rPr b="1" lang="en-GB" sz="1550" spc="-1" strike="noStrike">
-                <a:solidFill>
-                  <a:srgbClr val="ff0000"/>
+              <a:rPr lang="en-GB" sz="1550" b="1" strike="noStrike" spc="-1" dirty="0">
+                <a:solidFill>
+                  <a:srgbClr val="FF0000"/>
                 </a:solidFill>
                 <a:uFill>
                   <a:solidFill>
-                    <a:srgbClr val="ffffff"/>
+                    <a:srgbClr val="FFFFFF"/>
                   </a:solidFill>
                 </a:uFill>
                 <a:latin typeface="Arial"/>
@@ -4765,13 +5526,13 @@
               </a:rPr>
               <a:t>Browser interface</a:t>
             </a:r>
-            <a:endParaRPr b="0" lang="en-GB" sz="1800" spc="-1" strike="noStrike">
+            <a:endParaRPr lang="en-GB" sz="1800" b="0" strike="noStrike" spc="-1" dirty="0">
               <a:solidFill>
                 <a:srgbClr val="000000"/>
               </a:solidFill>
               <a:uFill>
                 <a:solidFill>
-                  <a:srgbClr val="ffffff"/>
+                  <a:srgbClr val="FFFFFF"/>
                 </a:solidFill>
               </a:uFill>
               <a:latin typeface="Arial"/>
@@ -4802,9 +5563,15 @@
           </a:ln>
         </p:spPr>
         <p:style>
-          <a:lnRef idx="0"/>
-          <a:fillRef idx="0"/>
-          <a:effectRef idx="0"/>
+          <a:lnRef idx="0">
+            <a:scrgbClr r="0" g="0" b="0"/>
+          </a:lnRef>
+          <a:fillRef idx="0">
+            <a:scrgbClr r="0" g="0" b="0"/>
+          </a:fillRef>
+          <a:effectRef idx="0">
+            <a:scrgbClr r="0" g="0" b="0"/>
+          </a:effectRef>
           <a:fontRef idx="minor"/>
         </p:style>
       </p:sp>
@@ -4817,7 +5584,7 @@
         <p:spPr>
           <a:xfrm>
             <a:off x="5796360" y="5123880"/>
-            <a:ext cx="1091160" cy="796320"/>
+            <a:ext cx="1259280" cy="796320"/>
           </a:xfrm>
           <a:prstGeom prst="rect">
             <a:avLst/>
@@ -4828,13 +5595,20 @@
           </a:ln>
         </p:spPr>
         <p:style>
-          <a:lnRef idx="0"/>
-          <a:fillRef idx="0"/>
-          <a:effectRef idx="0"/>
+          <a:lnRef idx="0">
+            <a:scrgbClr r="0" g="0" b="0"/>
+          </a:lnRef>
+          <a:fillRef idx="0">
+            <a:scrgbClr r="0" g="0" b="0"/>
+          </a:fillRef>
+          <a:effectRef idx="0">
+            <a:scrgbClr r="0" g="0" b="0"/>
+          </a:effectRef>
           <a:fontRef idx="minor"/>
         </p:style>
         <p:txBody>
-          <a:bodyPr lIns="90000" rIns="90000" tIns="45000" bIns="45000"/>
+          <a:bodyPr lIns="90000" tIns="45000" rIns="90000" bIns="45000"/>
+          <a:lstStyle/>
           <a:p>
             <a:pPr algn="ctr">
               <a:lnSpc>
@@ -4842,13 +5616,13 @@
               </a:lnSpc>
             </a:pPr>
             <a:r>
-              <a:rPr b="1" lang="en-GB" sz="1550" spc="-1" strike="noStrike">
-                <a:solidFill>
-                  <a:srgbClr val="00b050"/>
+              <a:rPr lang="en-GB" sz="1550" b="1" strike="noStrike" spc="-1">
+                <a:solidFill>
+                  <a:srgbClr val="00B050"/>
                 </a:solidFill>
                 <a:uFill>
                   <a:solidFill>
-                    <a:srgbClr val="ffffff"/>
+                    <a:srgbClr val="FFFFFF"/>
                   </a:solidFill>
                 </a:uFill>
                 <a:latin typeface="Arial"/>
@@ -4856,13 +5630,13 @@
               </a:rPr>
               <a:t>RESTful web services </a:t>
             </a:r>
-            <a:endParaRPr b="0" lang="en-GB" sz="1800" spc="-1" strike="noStrike">
+            <a:endParaRPr lang="en-GB" sz="1800" b="0" strike="noStrike" spc="-1">
               <a:solidFill>
                 <a:srgbClr val="000000"/>
               </a:solidFill>
               <a:uFill>
                 <a:solidFill>
-                  <a:srgbClr val="ffffff"/>
+                  <a:srgbClr val="FFFFFF"/>
                 </a:solidFill>
               </a:uFill>
               <a:latin typeface="Arial"/>
@@ -4898,9 +5672,15 @@
           </a:ln>
         </p:spPr>
         <p:style>
-          <a:lnRef idx="0"/>
-          <a:fillRef idx="0"/>
-          <a:effectRef idx="0"/>
+          <a:lnRef idx="0">
+            <a:scrgbClr r="0" g="0" b="0"/>
+          </a:lnRef>
+          <a:fillRef idx="0">
+            <a:scrgbClr r="0" g="0" b="0"/>
+          </a:fillRef>
+          <a:effectRef idx="0">
+            <a:scrgbClr r="0" g="0" b="0"/>
+          </a:effectRef>
           <a:fontRef idx="minor"/>
         </p:style>
       </p:sp>
@@ -4924,13 +5704,20 @@
           </a:ln>
         </p:spPr>
         <p:style>
-          <a:lnRef idx="0"/>
-          <a:fillRef idx="0"/>
-          <a:effectRef idx="0"/>
+          <a:lnRef idx="0">
+            <a:scrgbClr r="0" g="0" b="0"/>
+          </a:lnRef>
+          <a:fillRef idx="0">
+            <a:scrgbClr r="0" g="0" b="0"/>
+          </a:fillRef>
+          <a:effectRef idx="0">
+            <a:scrgbClr r="0" g="0" b="0"/>
+          </a:effectRef>
           <a:fontRef idx="minor"/>
         </p:style>
         <p:txBody>
-          <a:bodyPr lIns="90000" rIns="90000" tIns="45000" bIns="45000"/>
+          <a:bodyPr lIns="90000" tIns="45000" rIns="90000" bIns="45000"/>
+          <a:lstStyle/>
           <a:p>
             <a:pPr algn="ctr">
               <a:lnSpc>
@@ -4938,13 +5725,13 @@
               </a:lnSpc>
             </a:pPr>
             <a:r>
-              <a:rPr b="1" lang="en-GB" sz="1550" spc="-1" strike="noStrike">
+              <a:rPr lang="en-GB" sz="1550" b="1" strike="noStrike" spc="-1">
                 <a:solidFill>
                   <a:srgbClr val="000000"/>
                 </a:solidFill>
                 <a:uFill>
                   <a:solidFill>
-                    <a:srgbClr val="ffffff"/>
+                    <a:srgbClr val="FFFFFF"/>
                   </a:solidFill>
                 </a:uFill>
                 <a:latin typeface="Arial"/>
@@ -4952,13 +5739,13 @@
               </a:rPr>
               <a:t>NSG</a:t>
             </a:r>
-            <a:endParaRPr b="0" lang="en-GB" sz="1800" spc="-1" strike="noStrike">
+            <a:endParaRPr lang="en-GB" sz="1800" b="0" strike="noStrike" spc="-1">
               <a:solidFill>
                 <a:srgbClr val="000000"/>
               </a:solidFill>
               <a:uFill>
                 <a:solidFill>
-                  <a:srgbClr val="ffffff"/>
+                  <a:srgbClr val="FFFFFF"/>
                 </a:solidFill>
               </a:uFill>
               <a:latin typeface="Arial"/>
@@ -4981,6 +5768,7 @@
             <a:avLst/>
             <a:gdLst/>
             <a:ahLst/>
+            <a:cxnLst/>
             <a:rect l="l" t="t" r="r" b="b"/>
             <a:pathLst>
               <a:path w="21600" h="21600">
@@ -4999,14 +5787,20 @@
               <a:schemeClr val="tx1"/>
             </a:solidFill>
             <a:round/>
-            <a:headEnd len="med" type="arrow" w="med"/>
-            <a:tailEnd len="med" type="arrow" w="med"/>
+            <a:headEnd type="arrow" w="med" len="med"/>
+            <a:tailEnd type="arrow" w="med" len="med"/>
           </a:ln>
         </p:spPr>
         <p:style>
-          <a:lnRef idx="0"/>
-          <a:fillRef idx="0"/>
-          <a:effectRef idx="0"/>
+          <a:lnRef idx="0">
+            <a:scrgbClr r="0" g="0" b="0"/>
+          </a:lnRef>
+          <a:fillRef idx="0">
+            <a:scrgbClr r="0" g="0" b="0"/>
+          </a:fillRef>
+          <a:effectRef idx="0">
+            <a:scrgbClr r="0" g="0" b="0"/>
+          </a:effectRef>
           <a:fontRef idx="minor"/>
         </p:style>
       </p:sp>
@@ -5025,6 +5819,7 @@
             <a:avLst/>
             <a:gdLst/>
             <a:ahLst/>
+            <a:cxnLst/>
             <a:rect l="l" t="t" r="r" b="b"/>
             <a:pathLst>
               <a:path w="21600" h="21600">
@@ -5043,14 +5838,20 @@
               <a:schemeClr val="tx1"/>
             </a:solidFill>
             <a:round/>
-            <a:headEnd len="med" type="arrow" w="med"/>
-            <a:tailEnd len="med" type="arrow" w="med"/>
+            <a:headEnd type="arrow" w="med" len="med"/>
+            <a:tailEnd type="arrow" w="med" len="med"/>
           </a:ln>
         </p:spPr>
         <p:style>
-          <a:lnRef idx="0"/>
-          <a:fillRef idx="0"/>
-          <a:effectRef idx="0"/>
+          <a:lnRef idx="0">
+            <a:scrgbClr r="0" g="0" b="0"/>
+          </a:lnRef>
+          <a:fillRef idx="0">
+            <a:scrgbClr r="0" g="0" b="0"/>
+          </a:fillRef>
+          <a:effectRef idx="0">
+            <a:scrgbClr r="0" g="0" b="0"/>
+          </a:effectRef>
           <a:fontRef idx="minor"/>
         </p:style>
       </p:sp>
@@ -5069,6 +5870,7 @@
             <a:avLst/>
             <a:gdLst/>
             <a:ahLst/>
+            <a:cxnLst/>
             <a:rect l="l" t="t" r="r" b="b"/>
             <a:pathLst>
               <a:path w="21600" h="21600">
@@ -5084,17 +5886,23 @@
           <a:noFill/>
           <a:ln w="28440">
             <a:solidFill>
-              <a:srgbClr val="00b050"/>
+              <a:srgbClr val="00B050"/>
             </a:solidFill>
             <a:round/>
-            <a:headEnd len="med" type="arrow" w="med"/>
-            <a:tailEnd len="med" type="arrow" w="med"/>
+            <a:headEnd type="arrow" w="med" len="med"/>
+            <a:tailEnd type="arrow" w="med" len="med"/>
           </a:ln>
         </p:spPr>
         <p:style>
-          <a:lnRef idx="0"/>
-          <a:fillRef idx="0"/>
-          <a:effectRef idx="0"/>
+          <a:lnRef idx="0">
+            <a:scrgbClr r="0" g="0" b="0"/>
+          </a:lnRef>
+          <a:fillRef idx="0">
+            <a:scrgbClr r="0" g="0" b="0"/>
+          </a:fillRef>
+          <a:effectRef idx="0">
+            <a:scrgbClr r="0" g="0" b="0"/>
+          </a:effectRef>
           <a:fontRef idx="minor"/>
         </p:style>
       </p:sp>
@@ -5113,6 +5921,7 @@
             <a:avLst/>
             <a:gdLst/>
             <a:ahLst/>
+            <a:cxnLst/>
             <a:rect l="l" t="t" r="r" b="b"/>
             <a:pathLst>
               <a:path w="21600" h="21600">
@@ -5128,17 +5937,23 @@
           <a:noFill/>
           <a:ln w="28440">
             <a:solidFill>
-              <a:srgbClr val="ff0000"/>
+              <a:srgbClr val="FF0000"/>
             </a:solidFill>
             <a:round/>
-            <a:headEnd len="med" type="arrow" w="med"/>
-            <a:tailEnd len="med" type="arrow" w="med"/>
+            <a:headEnd type="arrow" w="med" len="med"/>
+            <a:tailEnd type="arrow" w="med" len="med"/>
           </a:ln>
         </p:spPr>
         <p:style>
-          <a:lnRef idx="0"/>
-          <a:fillRef idx="0"/>
-          <a:effectRef idx="0"/>
+          <a:lnRef idx="0">
+            <a:scrgbClr r="0" g="0" b="0"/>
+          </a:lnRef>
+          <a:fillRef idx="0">
+            <a:scrgbClr r="0" g="0" b="0"/>
+          </a:fillRef>
+          <a:effectRef idx="0">
+            <a:scrgbClr r="0" g="0" b="0"/>
+          </a:effectRef>
           <a:fontRef idx="minor"/>
         </p:style>
       </p:sp>
@@ -5157,6 +5972,7 @@
             <a:avLst/>
             <a:gdLst/>
             <a:ahLst/>
+            <a:cxnLst/>
             <a:rect l="l" t="t" r="r" b="b"/>
             <a:pathLst>
               <a:path w="21600" h="21600">
@@ -5172,16 +5988,22 @@
           <a:noFill/>
           <a:ln w="28440">
             <a:solidFill>
-              <a:srgbClr val="00b050"/>
+              <a:srgbClr val="00B050"/>
             </a:solidFill>
             <a:round/>
-            <a:tailEnd len="med" type="arrow" w="med"/>
+            <a:tailEnd type="arrow" w="med" len="med"/>
           </a:ln>
         </p:spPr>
         <p:style>
-          <a:lnRef idx="0"/>
-          <a:fillRef idx="0"/>
-          <a:effectRef idx="0"/>
+          <a:lnRef idx="0">
+            <a:scrgbClr r="0" g="0" b="0"/>
+          </a:lnRef>
+          <a:fillRef idx="0">
+            <a:scrgbClr r="0" g="0" b="0"/>
+          </a:fillRef>
+          <a:effectRef idx="0">
+            <a:scrgbClr r="0" g="0" b="0"/>
+          </a:effectRef>
           <a:fontRef idx="minor"/>
         </p:style>
       </p:sp>
@@ -5200,6 +6022,7 @@
             <a:avLst/>
             <a:gdLst/>
             <a:ahLst/>
+            <a:cxnLst/>
             <a:rect l="l" t="t" r="r" b="b"/>
             <a:pathLst>
               <a:path w="21600" h="21600">
@@ -5215,16 +6038,22 @@
           <a:noFill/>
           <a:ln w="28440">
             <a:solidFill>
-              <a:srgbClr val="00b050"/>
+              <a:srgbClr val="00B050"/>
             </a:solidFill>
             <a:round/>
-            <a:tailEnd len="med" type="arrow" w="med"/>
+            <a:tailEnd type="arrow" w="med" len="med"/>
           </a:ln>
         </p:spPr>
         <p:style>
-          <a:lnRef idx="0"/>
-          <a:fillRef idx="0"/>
-          <a:effectRef idx="0"/>
+          <a:lnRef idx="0">
+            <a:scrgbClr r="0" g="0" b="0"/>
+          </a:lnRef>
+          <a:fillRef idx="0">
+            <a:scrgbClr r="0" g="0" b="0"/>
+          </a:fillRef>
+          <a:effectRef idx="0">
+            <a:scrgbClr r="0" g="0" b="0"/>
+          </a:effectRef>
           <a:fontRef idx="minor"/>
         </p:style>
       </p:sp>
@@ -5243,6 +6072,7 @@
             <a:avLst/>
             <a:gdLst/>
             <a:ahLst/>
+            <a:cxnLst/>
             <a:rect l="l" t="t" r="r" b="b"/>
             <a:pathLst>
               <a:path w="21600" h="21600">
@@ -5258,16 +6088,22 @@
           <a:noFill/>
           <a:ln w="28440">
             <a:solidFill>
-              <a:srgbClr val="00b050"/>
+              <a:srgbClr val="00B050"/>
             </a:solidFill>
             <a:round/>
-            <a:tailEnd len="med" type="arrow" w="med"/>
+            <a:tailEnd type="arrow" w="med" len="med"/>
           </a:ln>
         </p:spPr>
         <p:style>
-          <a:lnRef idx="0"/>
-          <a:fillRef idx="0"/>
-          <a:effectRef idx="0"/>
+          <a:lnRef idx="0">
+            <a:scrgbClr r="0" g="0" b="0"/>
+          </a:lnRef>
+          <a:fillRef idx="0">
+            <a:scrgbClr r="0" g="0" b="0"/>
+          </a:fillRef>
+          <a:effectRef idx="0">
+            <a:scrgbClr r="0" g="0" b="0"/>
+          </a:effectRef>
           <a:fontRef idx="minor"/>
         </p:style>
       </p:sp>
@@ -5286,6 +6122,7 @@
             <a:avLst/>
             <a:gdLst/>
             <a:ahLst/>
+            <a:cxnLst/>
             <a:rect l="l" t="t" r="r" b="b"/>
             <a:pathLst>
               <a:path w="21600" h="21600">
@@ -5301,16 +6138,22 @@
           <a:noFill/>
           <a:ln w="28440">
             <a:solidFill>
-              <a:srgbClr val="00b050"/>
+              <a:srgbClr val="00B050"/>
             </a:solidFill>
             <a:round/>
-            <a:tailEnd len="med" type="arrow" w="med"/>
+            <a:tailEnd type="arrow" w="med" len="med"/>
           </a:ln>
         </p:spPr>
         <p:style>
-          <a:lnRef idx="0"/>
-          <a:fillRef idx="0"/>
-          <a:effectRef idx="0"/>
+          <a:lnRef idx="0">
+            <a:scrgbClr r="0" g="0" b="0"/>
+          </a:lnRef>
+          <a:fillRef idx="0">
+            <a:scrgbClr r="0" g="0" b="0"/>
+          </a:fillRef>
+          <a:effectRef idx="0">
+            <a:scrgbClr r="0" g="0" b="0"/>
+          </a:effectRef>
           <a:fontRef idx="minor"/>
         </p:style>
       </p:sp>
@@ -5329,6 +6172,7 @@
             <a:avLst/>
             <a:gdLst/>
             <a:ahLst/>
+            <a:cxnLst/>
             <a:rect l="l" t="t" r="r" b="b"/>
             <a:pathLst>
               <a:path w="21600" h="21600">
@@ -5344,16 +6188,22 @@
           <a:noFill/>
           <a:ln w="28440">
             <a:solidFill>
-              <a:srgbClr val="00b050"/>
+              <a:srgbClr val="00B050"/>
             </a:solidFill>
             <a:round/>
-            <a:tailEnd len="med" type="arrow" w="med"/>
+            <a:tailEnd type="arrow" w="med" len="med"/>
           </a:ln>
         </p:spPr>
         <p:style>
-          <a:lnRef idx="0"/>
-          <a:fillRef idx="0"/>
-          <a:effectRef idx="0"/>
+          <a:lnRef idx="0">
+            <a:scrgbClr r="0" g="0" b="0"/>
+          </a:lnRef>
+          <a:fillRef idx="0">
+            <a:scrgbClr r="0" g="0" b="0"/>
+          </a:fillRef>
+          <a:effectRef idx="0">
+            <a:scrgbClr r="0" g="0" b="0"/>
+          </a:effectRef>
           <a:fontRef idx="minor"/>
         </p:style>
       </p:sp>
@@ -5380,13 +6230,20 @@
           </a:ln>
         </p:spPr>
         <p:style>
-          <a:lnRef idx="0"/>
-          <a:fillRef idx="0"/>
-          <a:effectRef idx="0"/>
+          <a:lnRef idx="0">
+            <a:scrgbClr r="0" g="0" b="0"/>
+          </a:lnRef>
+          <a:fillRef idx="0">
+            <a:scrgbClr r="0" g="0" b="0"/>
+          </a:fillRef>
+          <a:effectRef idx="0">
+            <a:scrgbClr r="0" g="0" b="0"/>
+          </a:effectRef>
           <a:fontRef idx="minor"/>
         </p:style>
         <p:txBody>
-          <a:bodyPr lIns="90000" rIns="90000" tIns="45000" bIns="45000"/>
+          <a:bodyPr lIns="90000" tIns="45000" rIns="90000" bIns="45000"/>
+          <a:lstStyle/>
           <a:p>
             <a:pPr algn="ctr">
               <a:lnSpc>
@@ -5394,13 +6251,13 @@
               </a:lnSpc>
             </a:pPr>
             <a:r>
-              <a:rPr b="1" lang="en-GB" sz="1550" spc="-1" strike="noStrike">
+              <a:rPr lang="en-GB" sz="1550" b="1" strike="noStrike" spc="-1">
                 <a:solidFill>
                   <a:srgbClr val="000000"/>
                 </a:solidFill>
                 <a:uFill>
                   <a:solidFill>
-                    <a:srgbClr val="ffffff"/>
+                    <a:srgbClr val="FFFFFF"/>
                   </a:solidFill>
                 </a:uFill>
                 <a:latin typeface="Arial"/>
@@ -5408,13 +6265,13 @@
               </a:rPr>
               <a:t>HPC resource 1</a:t>
             </a:r>
-            <a:endParaRPr b="0" lang="en-GB" sz="1800" spc="-1" strike="noStrike">
+            <a:endParaRPr lang="en-GB" sz="1800" b="0" strike="noStrike" spc="-1">
               <a:solidFill>
                 <a:srgbClr val="000000"/>
               </a:solidFill>
               <a:uFill>
                 <a:solidFill>
-                  <a:srgbClr val="ffffff"/>
+                  <a:srgbClr val="FFFFFF"/>
                 </a:solidFill>
               </a:uFill>
               <a:latin typeface="Arial"/>
@@ -5431,7 +6288,7 @@
         <p:spPr>
           <a:xfrm>
             <a:off x="7476120" y="3947760"/>
-            <a:ext cx="1259280" cy="671400"/>
+            <a:ext cx="1259280" cy="595440"/>
           </a:xfrm>
           <a:prstGeom prst="rect">
             <a:avLst/>
@@ -5445,9 +6302,15 @@
           </a:ln>
         </p:spPr>
         <p:style>
-          <a:lnRef idx="0"/>
-          <a:fillRef idx="0"/>
-          <a:effectRef idx="0"/>
+          <a:lnRef idx="0">
+            <a:scrgbClr r="0" g="0" b="0"/>
+          </a:lnRef>
+          <a:fillRef idx="0">
+            <a:scrgbClr r="0" g="0" b="0"/>
+          </a:fillRef>
+          <a:effectRef idx="0">
+            <a:scrgbClr r="0" g="0" b="0"/>
+          </a:effectRef>
           <a:fontRef idx="minor"/>
         </p:style>
       </p:sp>
@@ -5459,8 +6322,8 @@
         </p:nvSpPr>
         <p:spPr>
           <a:xfrm>
-            <a:off x="7392240" y="3958920"/>
-            <a:ext cx="1343160" cy="560880"/>
+            <a:off x="7475040" y="3958920"/>
+            <a:ext cx="1260360" cy="560880"/>
           </a:xfrm>
           <a:prstGeom prst="rect">
             <a:avLst/>
@@ -5471,13 +6334,20 @@
           </a:ln>
         </p:spPr>
         <p:style>
-          <a:lnRef idx="0"/>
-          <a:fillRef idx="0"/>
-          <a:effectRef idx="0"/>
+          <a:lnRef idx="0">
+            <a:scrgbClr r="0" g="0" b="0"/>
+          </a:lnRef>
+          <a:fillRef idx="0">
+            <a:scrgbClr r="0" g="0" b="0"/>
+          </a:fillRef>
+          <a:effectRef idx="0">
+            <a:scrgbClr r="0" g="0" b="0"/>
+          </a:effectRef>
           <a:fontRef idx="minor"/>
         </p:style>
         <p:txBody>
-          <a:bodyPr lIns="90000" rIns="90000" tIns="45000" bIns="45000"/>
+          <a:bodyPr lIns="90000" tIns="45000" rIns="90000" bIns="45000"/>
+          <a:lstStyle/>
           <a:p>
             <a:pPr algn="ctr">
               <a:lnSpc>
@@ -5485,13 +6355,13 @@
               </a:lnSpc>
             </a:pPr>
             <a:r>
-              <a:rPr b="1" lang="en-GB" sz="1550" spc="-1" strike="noStrike">
+              <a:rPr lang="en-GB" sz="1550" b="1" strike="noStrike" spc="-1">
                 <a:solidFill>
                   <a:srgbClr val="000000"/>
                 </a:solidFill>
                 <a:uFill>
                   <a:solidFill>
-                    <a:srgbClr val="ffffff"/>
+                    <a:srgbClr val="FFFFFF"/>
                   </a:solidFill>
                 </a:uFill>
                 <a:latin typeface="Arial"/>
@@ -5499,13 +6369,13 @@
               </a:rPr>
               <a:t>HPC resource 2</a:t>
             </a:r>
-            <a:endParaRPr b="0" lang="en-GB" sz="1800" spc="-1" strike="noStrike">
+            <a:endParaRPr lang="en-GB" sz="1800" b="0" strike="noStrike" spc="-1">
               <a:solidFill>
                 <a:srgbClr val="000000"/>
               </a:solidFill>
               <a:uFill>
                 <a:solidFill>
-                  <a:srgbClr val="ffffff"/>
+                  <a:srgbClr val="FFFFFF"/>
                 </a:solidFill>
               </a:uFill>
               <a:latin typeface="Arial"/>
@@ -5522,7 +6392,7 @@
         <p:spPr>
           <a:xfrm>
             <a:off x="7476120" y="5123880"/>
-            <a:ext cx="1259280" cy="671400"/>
+            <a:ext cx="1259280" cy="579960"/>
           </a:xfrm>
           <a:prstGeom prst="rect">
             <a:avLst/>
@@ -5536,9 +6406,15 @@
           </a:ln>
         </p:spPr>
         <p:style>
-          <a:lnRef idx="0"/>
-          <a:fillRef idx="0"/>
-          <a:effectRef idx="0"/>
+          <a:lnRef idx="0">
+            <a:scrgbClr r="0" g="0" b="0"/>
+          </a:lnRef>
+          <a:fillRef idx="0">
+            <a:scrgbClr r="0" g="0" b="0"/>
+          </a:fillRef>
+          <a:effectRef idx="0">
+            <a:scrgbClr r="0" g="0" b="0"/>
+          </a:effectRef>
           <a:fontRef idx="minor"/>
         </p:style>
       </p:sp>
@@ -5550,8 +6426,8 @@
         </p:nvSpPr>
         <p:spPr>
           <a:xfrm>
-            <a:off x="7392240" y="5207760"/>
-            <a:ext cx="1343160" cy="560880"/>
+            <a:off x="7475040" y="5147280"/>
+            <a:ext cx="1260360" cy="556560"/>
           </a:xfrm>
           <a:prstGeom prst="rect">
             <a:avLst/>
@@ -5562,13 +6438,20 @@
           </a:ln>
         </p:spPr>
         <p:style>
-          <a:lnRef idx="0"/>
-          <a:fillRef idx="0"/>
-          <a:effectRef idx="0"/>
+          <a:lnRef idx="0">
+            <a:scrgbClr r="0" g="0" b="0"/>
+          </a:lnRef>
+          <a:fillRef idx="0">
+            <a:scrgbClr r="0" g="0" b="0"/>
+          </a:fillRef>
+          <a:effectRef idx="0">
+            <a:scrgbClr r="0" g="0" b="0"/>
+          </a:effectRef>
           <a:fontRef idx="minor"/>
         </p:style>
         <p:txBody>
-          <a:bodyPr lIns="90000" rIns="90000" tIns="45000" bIns="45000"/>
+          <a:bodyPr lIns="90000" tIns="45000" rIns="90000" bIns="45000"/>
+          <a:lstStyle/>
           <a:p>
             <a:pPr algn="ctr">
               <a:lnSpc>
@@ -5576,13 +6459,13 @@
               </a:lnSpc>
             </a:pPr>
             <a:r>
-              <a:rPr b="1" lang="en-GB" sz="1550" spc="-1" strike="noStrike">
+              <a:rPr lang="en-GB" sz="1550" b="1" strike="noStrike" spc="-1">
                 <a:solidFill>
                   <a:srgbClr val="000000"/>
                 </a:solidFill>
                 <a:uFill>
                   <a:solidFill>
-                    <a:srgbClr val="ffffff"/>
+                    <a:srgbClr val="FFFFFF"/>
                   </a:solidFill>
                 </a:uFill>
                 <a:latin typeface="Arial"/>
@@ -5590,13 +6473,13 @@
               </a:rPr>
               <a:t>HPC resource3</a:t>
             </a:r>
-            <a:endParaRPr b="0" lang="en-GB" sz="1800" spc="-1" strike="noStrike">
+            <a:endParaRPr lang="en-GB" sz="1800" b="0" strike="noStrike" spc="-1">
               <a:solidFill>
                 <a:srgbClr val="000000"/>
               </a:solidFill>
               <a:uFill>
                 <a:solidFill>
-                  <a:srgbClr val="ffffff"/>
+                  <a:srgbClr val="FFFFFF"/>
                 </a:solidFill>
               </a:uFill>
               <a:latin typeface="Arial"/>
@@ -5619,6 +6502,7 @@
             <a:avLst/>
             <a:gdLst/>
             <a:ahLst/>
+            <a:cxnLst/>
             <a:rect l="l" t="t" r="r" b="b"/>
             <a:pathLst>
               <a:path w="21600" h="21600">
@@ -5637,14 +6521,20 @@
               <a:schemeClr val="tx1"/>
             </a:solidFill>
             <a:round/>
-            <a:headEnd len="med" type="arrow" w="med"/>
-            <a:tailEnd len="med" type="arrow" w="med"/>
+            <a:headEnd type="arrow" w="med" len="med"/>
+            <a:tailEnd type="arrow" w="med" len="med"/>
           </a:ln>
         </p:spPr>
         <p:style>
-          <a:lnRef idx="0"/>
-          <a:fillRef idx="0"/>
-          <a:effectRef idx="0"/>
+          <a:lnRef idx="0">
+            <a:scrgbClr r="0" g="0" b="0"/>
+          </a:lnRef>
+          <a:fillRef idx="0">
+            <a:scrgbClr r="0" g="0" b="0"/>
+          </a:fillRef>
+          <a:effectRef idx="0">
+            <a:scrgbClr r="0" g="0" b="0"/>
+          </a:effectRef>
           <a:fontRef idx="minor"/>
         </p:style>
       </p:sp>
@@ -5663,6 +6553,7 @@
             <a:avLst/>
             <a:gdLst/>
             <a:ahLst/>
+            <a:cxnLst/>
             <a:rect l="l" t="t" r="r" b="b"/>
             <a:pathLst>
               <a:path w="21600" h="21600">
@@ -5681,14 +6572,20 @@
               <a:schemeClr val="tx1"/>
             </a:solidFill>
             <a:round/>
-            <a:headEnd len="med" type="arrow" w="med"/>
-            <a:tailEnd len="med" type="arrow" w="med"/>
+            <a:headEnd type="arrow" w="med" len="med"/>
+            <a:tailEnd type="arrow" w="med" len="med"/>
           </a:ln>
         </p:spPr>
         <p:style>
-          <a:lnRef idx="0"/>
-          <a:fillRef idx="0"/>
-          <a:effectRef idx="0"/>
+          <a:lnRef idx="0">
+            <a:scrgbClr r="0" g="0" b="0"/>
+          </a:lnRef>
+          <a:fillRef idx="0">
+            <a:scrgbClr r="0" g="0" b="0"/>
+          </a:fillRef>
+          <a:effectRef idx="0">
+            <a:scrgbClr r="0" g="0" b="0"/>
+          </a:effectRef>
           <a:fontRef idx="minor"/>
         </p:style>
       </p:sp>
@@ -5707,6 +6604,7 @@
             <a:avLst/>
             <a:gdLst/>
             <a:ahLst/>
+            <a:cxnLst/>
             <a:rect l="l" t="t" r="r" b="b"/>
             <a:pathLst>
               <a:path w="21600" h="21600">
@@ -5725,43 +6623,26 @@
               <a:schemeClr val="tx1"/>
             </a:solidFill>
             <a:round/>
-            <a:headEnd len="med" type="arrow" w="med"/>
-            <a:tailEnd len="med" type="arrow" w="med"/>
+            <a:headEnd type="arrow" w="med" len="med"/>
+            <a:tailEnd type="arrow" w="med" len="med"/>
           </a:ln>
         </p:spPr>
         <p:style>
-          <a:lnRef idx="0"/>
-          <a:fillRef idx="0"/>
-          <a:effectRef idx="0"/>
+          <a:lnRef idx="0">
+            <a:scrgbClr r="0" g="0" b="0"/>
+          </a:lnRef>
+          <a:fillRef idx="0">
+            <a:scrgbClr r="0" g="0" b="0"/>
+          </a:fillRef>
+          <a:effectRef idx="0">
+            <a:scrgbClr r="0" g="0" b="0"/>
+          </a:effectRef>
           <a:fontRef idx="minor"/>
         </p:style>
       </p:sp>
       <p:pic>
         <p:nvPicPr>
-          <p:cNvPr id="109" name="Picture 36" descr=""/>
-          <p:cNvPicPr/>
-          <p:nvPr/>
-        </p:nvPicPr>
-        <p:blipFill>
-          <a:blip r:embed="rId2"/>
-          <a:stretch/>
-        </p:blipFill>
-        <p:spPr>
-          <a:xfrm>
-            <a:off x="2352600" y="4227120"/>
-            <a:ext cx="2099160" cy="475920"/>
-          </a:xfrm>
-          <a:prstGeom prst="rect">
-            <a:avLst/>
-          </a:prstGeom>
-          <a:ln>
-            <a:noFill/>
-          </a:ln>
-        </p:spPr>
-      </p:pic>
-      <p:pic>
-        <p:nvPicPr>
-          <p:cNvPr id="110" name="Picture 37" descr=""/>
+          <p:cNvPr id="109" name="Picture 36"/>
           <p:cNvPicPr/>
           <p:nvPr/>
         </p:nvPicPr>
@@ -5771,8 +6652,8 @@
         </p:blipFill>
         <p:spPr>
           <a:xfrm>
-            <a:off x="2352600" y="3647520"/>
-            <a:ext cx="2267280" cy="467640"/>
+            <a:off x="2435760" y="4227120"/>
+            <a:ext cx="2436120" cy="475920"/>
           </a:xfrm>
           <a:prstGeom prst="rect">
             <a:avLst/>
@@ -5784,7 +6665,7 @@
       </p:pic>
       <p:pic>
         <p:nvPicPr>
-          <p:cNvPr id="111" name="Picture 38" descr=""/>
+          <p:cNvPr id="110" name="Picture 37"/>
           <p:cNvPicPr/>
           <p:nvPr/>
         </p:nvPicPr>
@@ -5794,8 +6675,31 @@
         </p:blipFill>
         <p:spPr>
           <a:xfrm>
-            <a:off x="2436120" y="4787640"/>
-            <a:ext cx="1343520" cy="689040"/>
+            <a:off x="2352600" y="3647520"/>
+            <a:ext cx="2267280" cy="467640"/>
+          </a:xfrm>
+          <a:prstGeom prst="rect">
+            <a:avLst/>
+          </a:prstGeom>
+          <a:ln>
+            <a:noFill/>
+          </a:ln>
+        </p:spPr>
+      </p:pic>
+      <p:pic>
+        <p:nvPicPr>
+          <p:cNvPr id="111" name="Picture 38"/>
+          <p:cNvPicPr/>
+          <p:nvPr/>
+        </p:nvPicPr>
+        <p:blipFill>
+          <a:blip r:embed="rId5"/>
+          <a:stretch/>
+        </p:blipFill>
+        <p:spPr>
+          <a:xfrm>
+            <a:off x="2561490" y="4787640"/>
+            <a:ext cx="1343880" cy="689040"/>
           </a:xfrm>
           <a:prstGeom prst="rect">
             <a:avLst/>
@@ -5825,13 +6729,20 @@
           </a:ln>
         </p:spPr>
         <p:style>
-          <a:lnRef idx="0"/>
-          <a:fillRef idx="0"/>
-          <a:effectRef idx="0"/>
+          <a:lnRef idx="0">
+            <a:scrgbClr r="0" g="0" b="0"/>
+          </a:lnRef>
+          <a:fillRef idx="0">
+            <a:scrgbClr r="0" g="0" b="0"/>
+          </a:fillRef>
+          <a:effectRef idx="0">
+            <a:scrgbClr r="0" g="0" b="0"/>
+          </a:effectRef>
           <a:fontRef idx="minor"/>
         </p:style>
         <p:txBody>
-          <a:bodyPr lIns="90000" rIns="90000" tIns="45000" bIns="45000"/>
+          <a:bodyPr lIns="90000" tIns="45000" rIns="90000" bIns="45000"/>
+          <a:lstStyle/>
           <a:p>
             <a:pPr algn="ctr">
               <a:lnSpc>
@@ -5839,13 +6750,13 @@
               </a:lnSpc>
             </a:pPr>
             <a:r>
-              <a:rPr b="1" lang="en-GB" sz="1550" spc="-1" strike="noStrike">
-                <a:solidFill>
-                  <a:srgbClr val="ff0000"/>
+              <a:rPr lang="en-GB" sz="1550" b="1" strike="noStrike" spc="-1">
+                <a:solidFill>
+                  <a:srgbClr val="FF0000"/>
                 </a:solidFill>
                 <a:uFill>
                   <a:solidFill>
-                    <a:srgbClr val="ffffff"/>
+                    <a:srgbClr val="FFFFFF"/>
                   </a:solidFill>
                 </a:uFill>
                 <a:latin typeface="Arial"/>
@@ -5853,13 +6764,13 @@
               </a:rPr>
               <a:t>NSG user interface</a:t>
             </a:r>
-            <a:endParaRPr b="0" lang="en-GB" sz="1800" spc="-1" strike="noStrike">
+            <a:endParaRPr lang="en-GB" sz="1800" b="0" strike="noStrike" spc="-1">
               <a:solidFill>
                 <a:srgbClr val="000000"/>
               </a:solidFill>
               <a:uFill>
                 <a:solidFill>
-                  <a:srgbClr val="ffffff"/>
+                  <a:srgbClr val="FFFFFF"/>
                 </a:solidFill>
               </a:uFill>
               <a:latin typeface="Arial"/>
@@ -5869,18 +6780,18 @@
       </p:sp>
       <p:pic>
         <p:nvPicPr>
-          <p:cNvPr id="113" name="Picture 6" descr=""/>
+          <p:cNvPr id="113" name="Picture 6"/>
           <p:cNvPicPr/>
           <p:nvPr/>
         </p:nvPicPr>
         <p:blipFill>
-          <a:blip r:embed="rId5"/>
+          <a:blip r:embed="rId6"/>
           <a:stretch/>
         </p:blipFill>
         <p:spPr>
           <a:xfrm>
-            <a:off x="2436480" y="5627880"/>
-            <a:ext cx="1358640" cy="811800"/>
+            <a:off x="2893410" y="5569290"/>
+            <a:ext cx="805860" cy="811800"/>
           </a:xfrm>
           <a:prstGeom prst="rect">
             <a:avLst/>
@@ -5905,6 +6816,7 @@
             <a:avLst/>
             <a:gdLst/>
             <a:ahLst/>
+            <a:cxnLst/>
             <a:rect l="l" t="t" r="r" b="b"/>
             <a:pathLst>
               <a:path w="21600" h="21600">
@@ -5920,17 +6832,23 @@
           <a:noFill/>
           <a:ln w="28440">
             <a:solidFill>
-              <a:srgbClr val="00b050"/>
+              <a:srgbClr val="00B050"/>
             </a:solidFill>
             <a:round/>
-            <a:headEnd len="med" type="arrow" w="med"/>
-            <a:tailEnd len="med" type="arrow" w="med"/>
+            <a:headEnd type="arrow" w="med" len="med"/>
+            <a:tailEnd type="arrow" w="med" len="med"/>
           </a:ln>
         </p:spPr>
         <p:style>
-          <a:lnRef idx="0"/>
-          <a:fillRef idx="0"/>
-          <a:effectRef idx="0"/>
+          <a:lnRef idx="0">
+            <a:scrgbClr r="0" g="0" b="0"/>
+          </a:lnRef>
+          <a:fillRef idx="0">
+            <a:scrgbClr r="0" g="0" b="0"/>
+          </a:fillRef>
+          <a:effectRef idx="0">
+            <a:scrgbClr r="0" g="0" b="0"/>
+          </a:effectRef>
           <a:fontRef idx="minor"/>
         </p:style>
       </p:sp>
@@ -5954,13 +6872,20 @@
           </a:ln>
         </p:spPr>
         <p:style>
-          <a:lnRef idx="0"/>
-          <a:fillRef idx="0"/>
-          <a:effectRef idx="0"/>
+          <a:lnRef idx="0">
+            <a:scrgbClr r="0" g="0" b="0"/>
+          </a:lnRef>
+          <a:fillRef idx="0">
+            <a:scrgbClr r="0" g="0" b="0"/>
+          </a:fillRef>
+          <a:effectRef idx="0">
+            <a:scrgbClr r="0" g="0" b="0"/>
+          </a:effectRef>
           <a:fontRef idx="minor"/>
         </p:style>
         <p:txBody>
-          <a:bodyPr lIns="90000" rIns="90000" tIns="45000" bIns="45000"/>
+          <a:bodyPr lIns="90000" tIns="45000" rIns="90000" bIns="45000"/>
+          <a:lstStyle/>
           <a:p>
             <a:pPr algn="ctr">
               <a:lnSpc>
@@ -5968,13 +6893,13 @@
               </a:lnSpc>
             </a:pPr>
             <a:r>
-              <a:rPr b="1" lang="en-GB" sz="1550" spc="-1" strike="noStrike">
-                <a:solidFill>
-                  <a:srgbClr val="00b050"/>
+              <a:rPr lang="en-GB" sz="1550" b="1" strike="noStrike" spc="-1">
+                <a:solidFill>
+                  <a:srgbClr val="00B050"/>
                 </a:solidFill>
                 <a:uFill>
                   <a:solidFill>
-                    <a:srgbClr val="ffffff"/>
+                    <a:srgbClr val="FFFFFF"/>
                   </a:solidFill>
                 </a:uFill>
                 <a:latin typeface="Arial"/>
@@ -5982,13 +6907,13 @@
               </a:rPr>
               <a:t>Programmatic access</a:t>
             </a:r>
-            <a:endParaRPr b="0" lang="en-GB" sz="1800" spc="-1" strike="noStrike">
+            <a:endParaRPr lang="en-GB" sz="1800" b="0" strike="noStrike" spc="-1">
               <a:solidFill>
                 <a:srgbClr val="000000"/>
               </a:solidFill>
               <a:uFill>
                 <a:solidFill>
-                  <a:srgbClr val="ffffff"/>
+                  <a:srgbClr val="FFFFFF"/>
                 </a:solidFill>
               </a:uFill>
               <a:latin typeface="Arial"/>
@@ -6013,12 +6938,12 @@
           <a:noFill/>
           <a:ln>
             <a:solidFill>
-              <a:srgbClr val="4a7ebb"/>
+              <a:srgbClr val="4A7EBB"/>
             </a:solidFill>
             <a:round/>
           </a:ln>
           <a:effectLst>
-            <a:outerShdw blurRad="40000" dir="5400000" dist="23000" rotWithShape="0">
+            <a:outerShdw blurRad="40000" dist="23000" dir="5400000" rotWithShape="0">
               <a:srgbClr val="000000">
                 <a:alpha val="35000"/>
               </a:srgbClr>
@@ -6046,8 +6971,8 @@
         </p:nvSpPr>
         <p:spPr>
           <a:xfrm rot="16200000">
-            <a:off x="3294360" y="4986720"/>
-            <a:ext cx="2603160" cy="694800"/>
+            <a:off x="3375945" y="4937805"/>
+            <a:ext cx="2592000" cy="634230"/>
           </a:xfrm>
           <a:prstGeom prst="rect">
             <a:avLst/>
@@ -6058,13 +6983,20 @@
           </a:ln>
         </p:spPr>
         <p:style>
-          <a:lnRef idx="0"/>
-          <a:fillRef idx="0"/>
-          <a:effectRef idx="0"/>
+          <a:lnRef idx="0">
+            <a:scrgbClr r="0" g="0" b="0"/>
+          </a:lnRef>
+          <a:fillRef idx="0">
+            <a:scrgbClr r="0" g="0" b="0"/>
+          </a:fillRef>
+          <a:effectRef idx="0">
+            <a:scrgbClr r="0" g="0" b="0"/>
+          </a:effectRef>
           <a:fontRef idx="minor"/>
         </p:style>
         <p:txBody>
-          <a:bodyPr lIns="90000" rIns="90000" tIns="45000" bIns="45000"/>
+          <a:bodyPr lIns="90000" tIns="45000" rIns="90000" bIns="45000"/>
+          <a:lstStyle/>
           <a:p>
             <a:pPr>
               <a:lnSpc>
@@ -6072,13 +7004,13 @@
               </a:lnSpc>
             </a:pPr>
             <a:r>
-              <a:rPr b="0" lang="en-GB" sz="1990" spc="-1" strike="noStrike">
+              <a:rPr lang="en-GB" sz="1600" b="0" strike="noStrike" spc="-1" dirty="0">
                 <a:solidFill>
                   <a:srgbClr val="008000"/>
                 </a:solidFill>
                 <a:uFill>
                   <a:solidFill>
-                    <a:srgbClr val="ffffff"/>
+                    <a:srgbClr val="FFFFFF"/>
                   </a:solidFill>
                 </a:uFill>
                 <a:latin typeface="Calibri"/>
@@ -6086,13 +7018,13 @@
               </a:rPr>
               <a:t>Other Neuroscience community projects</a:t>
             </a:r>
-            <a:endParaRPr b="0" lang="en-GB" sz="1800" spc="-1" strike="noStrike">
+            <a:endParaRPr lang="en-GB" sz="1600" b="0" strike="noStrike" spc="-1" dirty="0">
               <a:solidFill>
                 <a:srgbClr val="000000"/>
               </a:solidFill>
               <a:uFill>
                 <a:solidFill>
-                  <a:srgbClr val="ffffff"/>
+                  <a:srgbClr val="FFFFFF"/>
                 </a:solidFill>
               </a:uFill>
               <a:latin typeface="Arial"/>
@@ -6107,7 +7039,7 @@
           <p:nvPr/>
         </p:nvSpPr>
         <p:spPr>
-          <a:xfrm flipH="1" rot="16200000">
+          <a:xfrm rot="16200000" flipH="1">
             <a:off x="4542120" y="4290840"/>
             <a:ext cx="2086200" cy="419400"/>
           </a:xfrm>
@@ -6117,10 +7049,10 @@
           <a:noFill/>
           <a:ln w="28440">
             <a:solidFill>
-              <a:srgbClr val="00b050"/>
+              <a:srgbClr val="00B050"/>
             </a:solidFill>
             <a:round/>
-            <a:tailEnd len="med" type="arrow" w="med"/>
+            <a:tailEnd type="arrow" w="med" len="med"/>
           </a:ln>
         </p:spPr>
         <p:style>
@@ -6138,22 +7070,25 @@
       </p:sp>
     </p:spTree>
   </p:cSld>
+  <p:clrMapOvr>
+    <a:masterClrMapping/>
+  </p:clrMapOvr>
   <p:timing>
     <p:tnLst>
       <p:par>
-        <p:cTn id="3" dur="indefinite" restart="never" nodeType="tmRoot">
+        <p:cTn id="1" dur="indefinite" restart="never" nodeType="tmRoot">
           <p:childTnLst>
             <p:seq>
-              <p:cTn id="4" nodeType="mainSeq"/>
+              <p:cTn id="2" nodeType="mainSeq"/>
               <p:prevCondLst>
-                <p:cond delay="0" evt="onPrev">
+                <p:cond evt="onPrev" delay="0">
                   <p:tgtEl>
                     <p:sldTgt/>
                   </p:tgtEl>
                 </p:cond>
               </p:prevCondLst>
               <p:nextCondLst>
-                <p:cond delay="0" evt="onNext">
+                <p:cond evt="onNext" delay="0">
                   <p:tgtEl>
                     <p:sldTgt/>
                   </p:tgtEl>
@@ -6169,7 +7104,7 @@
 </file>
 
 <file path=ppt/slides/slide3.xml><?xml version="1.0" encoding="utf-8"?>
-<p:sld xmlns:a="http://schemas.openxmlformats.org/drawingml/2006/main" xmlns:p="http://schemas.openxmlformats.org/presentationml/2006/main" xmlns:r="http://schemas.openxmlformats.org/officeDocument/2006/relationships" xmlns:p14="http://schemas.microsoft.com/office/powerpoint/2010/main" xmlns:p15="http://schemas.microsoft.com/office/powerpoint/2012/main" xmlns:mc="http://schemas.openxmlformats.org/markup-compatibility/2006">
+<p:sld xmlns:a="http://schemas.openxmlformats.org/drawingml/2006/main" xmlns:r="http://schemas.openxmlformats.org/officeDocument/2006/relationships" xmlns:p="http://schemas.openxmlformats.org/presentationml/2006/main">
   <p:cSld>
     <p:spTree>
       <p:nvGrpSpPr>
@@ -6205,13 +7140,20 @@
           </a:ln>
         </p:spPr>
         <p:style>
-          <a:lnRef idx="0"/>
-          <a:fillRef idx="0"/>
-          <a:effectRef idx="0"/>
+          <a:lnRef idx="0">
+            <a:scrgbClr r="0" g="0" b="0"/>
+          </a:lnRef>
+          <a:fillRef idx="0">
+            <a:scrgbClr r="0" g="0" b="0"/>
+          </a:fillRef>
+          <a:effectRef idx="0">
+            <a:scrgbClr r="0" g="0" b="0"/>
+          </a:effectRef>
           <a:fontRef idx="minor"/>
         </p:style>
         <p:txBody>
-          <a:bodyPr lIns="0" rIns="0" tIns="0" bIns="0" anchor="ctr"/>
+          <a:bodyPr lIns="0" tIns="0" rIns="0" bIns="0" anchor="ctr"/>
+          <a:lstStyle/>
           <a:p>
             <a:pPr algn="ctr">
               <a:lnSpc>
@@ -6219,13 +7161,13 @@
               </a:lnSpc>
             </a:pPr>
             <a:r>
-              <a:rPr b="0" lang="en-GB" sz="3200" spc="-1" strike="noStrike">
+              <a:rPr lang="en-GB" sz="3200" b="0" strike="noStrike" spc="-1">
                 <a:solidFill>
                   <a:srgbClr val="000000"/>
                 </a:solidFill>
                 <a:uFill>
                   <a:solidFill>
-                    <a:srgbClr val="ffffff"/>
+                    <a:srgbClr val="FFFFFF"/>
                   </a:solidFill>
                 </a:uFill>
                 <a:latin typeface="Arial"/>
@@ -6233,13 +7175,13 @@
               </a:rPr>
               <a:t>Currently available tools/software/pipelines</a:t>
             </a:r>
-            <a:endParaRPr b="0" lang="en-GB" sz="1800" spc="-1" strike="noStrike">
+            <a:endParaRPr lang="en-GB" sz="1800" b="0" strike="noStrike" spc="-1">
               <a:solidFill>
                 <a:srgbClr val="000000"/>
               </a:solidFill>
               <a:uFill>
                 <a:solidFill>
-                  <a:srgbClr val="ffffff"/>
+                  <a:srgbClr val="FFFFFF"/>
                 </a:solidFill>
               </a:uFill>
               <a:latin typeface="Arial"/>
@@ -6267,13 +7209,20 @@
           </a:ln>
         </p:spPr>
         <p:style>
-          <a:lnRef idx="0"/>
-          <a:fillRef idx="0"/>
-          <a:effectRef idx="0"/>
+          <a:lnRef idx="0">
+            <a:scrgbClr r="0" g="0" b="0"/>
+          </a:lnRef>
+          <a:fillRef idx="0">
+            <a:scrgbClr r="0" g="0" b="0"/>
+          </a:fillRef>
+          <a:effectRef idx="0">
+            <a:scrgbClr r="0" g="0" b="0"/>
+          </a:effectRef>
           <a:fontRef idx="minor"/>
         </p:style>
         <p:txBody>
-          <a:bodyPr lIns="0" rIns="0" tIns="28440" bIns="0"/>
+          <a:bodyPr lIns="0" tIns="28440" rIns="0" bIns="0"/>
+          <a:lstStyle/>
           <a:p>
             <a:pPr marL="343080" indent="-342360">
               <a:lnSpc>
@@ -6281,13 +7230,13 @@
               </a:lnSpc>
             </a:pPr>
             <a:r>
-              <a:rPr b="0" lang="en-GB" sz="2000" spc="-1" strike="noStrike">
+              <a:rPr lang="en-GB" sz="2000" b="0" strike="noStrike" spc="-1">
                 <a:solidFill>
                   <a:srgbClr val="000000"/>
                 </a:solidFill>
                 <a:uFill>
                   <a:solidFill>
-                    <a:srgbClr val="ffffff"/>
+                    <a:srgbClr val="FFFFFF"/>
                   </a:solidFill>
                 </a:uFill>
                 <a:latin typeface="Arial"/>
@@ -6295,13 +7244,13 @@
               </a:rPr>
               <a:t>New tools are added continuously based on request from users, researchers, and developers</a:t>
             </a:r>
-            <a:endParaRPr b="0" lang="en-GB" sz="1800" spc="-1" strike="noStrike">
+            <a:endParaRPr lang="en-GB" sz="1800" b="0" strike="noStrike" spc="-1">
               <a:solidFill>
                 <a:srgbClr val="000000"/>
               </a:solidFill>
               <a:uFill>
                 <a:solidFill>
-                  <a:srgbClr val="ffffff"/>
+                  <a:srgbClr val="FFFFFF"/>
                 </a:solidFill>
               </a:uFill>
               <a:latin typeface="Arial"/>
@@ -6317,7 +7266,7 @@
         </p:nvGraphicFramePr>
         <p:xfrm>
           <a:off x="861480" y="1823040"/>
-          <a:ext cx="8352360" cy="4847040"/>
+          <a:ext cx="8352720" cy="5004000"/>
         </p:xfrm>
         <a:graphic>
           <a:graphicData uri="http://schemas.openxmlformats.org/drawingml/2006/table">
@@ -6331,6 +7280,7 @@
                 <a:tc gridSpan="2">
                   <a:txBody>
                     <a:bodyPr/>
+                    <a:lstStyle/>
                     <a:p>
                       <a:pPr algn="ctr">
                         <a:lnSpc>
@@ -6338,13 +7288,13 @@
                         </a:lnSpc>
                       </a:pPr>
                       <a:r>
-                        <a:rPr b="1" lang="en-GB" sz="1800" spc="-1" strike="noStrike">
+                        <a:rPr lang="en-GB" sz="1800" b="1" strike="noStrike" spc="-1">
                           <a:solidFill>
-                            <a:srgbClr val="ffffff"/>
+                            <a:srgbClr val="FFFFFF"/>
                           </a:solidFill>
                           <a:uFill>
                             <a:solidFill>
-                              <a:srgbClr val="ffffff"/>
+                              <a:srgbClr val="FFFFFF"/>
                             </a:solidFill>
                           </a:uFill>
                           <a:latin typeface="Arial"/>
@@ -6352,38 +7302,38 @@
                         </a:rPr>
                         <a:t>Current ( July, 2017) tools, libraries, software, pipelines</a:t>
                       </a:r>
-                      <a:endParaRPr b="0" lang="en-GB" sz="1800" spc="-1" strike="noStrike">
+                      <a:endParaRPr lang="en-GB" sz="1800" b="0" strike="noStrike" spc="-1">
                         <a:solidFill>
                           <a:srgbClr val="000000"/>
                         </a:solidFill>
                         <a:uFill>
                           <a:solidFill>
-                            <a:srgbClr val="ffffff"/>
+                            <a:srgbClr val="FFFFFF"/>
                           </a:solidFill>
                         </a:uFill>
                         <a:latin typeface="Arial"/>
                       </a:endParaRPr>
                     </a:p>
                   </a:txBody>
-                  <a:tcPr marL="91440" marR="91440">
+                  <a:tcPr>
                     <a:lnL w="12240">
                       <a:solidFill>
-                        <a:srgbClr val="ffffff"/>
+                        <a:srgbClr val="FFFFFF"/>
                       </a:solidFill>
                     </a:lnL>
                     <a:lnR w="12240">
                       <a:solidFill>
-                        <a:srgbClr val="ffffff"/>
+                        <a:srgbClr val="FFFFFF"/>
                       </a:solidFill>
                     </a:lnR>
                     <a:lnT w="12240">
                       <a:solidFill>
-                        <a:srgbClr val="ffffff"/>
+                        <a:srgbClr val="FFFFFF"/>
                       </a:solidFill>
                     </a:lnT>
                     <a:lnB w="38160">
                       <a:solidFill>
-                        <a:srgbClr val="ffffff"/>
+                        <a:srgbClr val="FFFFFF"/>
                       </a:solidFill>
                     </a:lnB>
                     <a:solidFill>
@@ -6392,9 +7342,16 @@
                   </a:tcPr>
                 </a:tc>
                 <a:tc hMerge="1">
+                  <a:txBody>
+                    <a:bodyPr/>
+                    <a:lstStyle/>
+                    <a:p>
+                      <a:endParaRPr lang="en-US"/>
+                    </a:p>
+                  </a:txBody>
                   <a:tcPr>
                     <a:solidFill>
-                      <a:srgbClr val="729fcf"/>
+                      <a:srgbClr val="729FCF"/>
                     </a:solidFill>
                   </a:tcPr>
                 </a:tc>
@@ -6403,6 +7360,7 @@
                 <a:tc>
                   <a:txBody>
                     <a:bodyPr/>
+                    <a:lstStyle/>
                     <a:p>
                       <a:pPr>
                         <a:lnSpc>
@@ -6410,13 +7368,13 @@
                         </a:lnSpc>
                       </a:pPr>
                       <a:r>
-                        <a:rPr b="0" lang="en-GB" sz="1800" spc="-1" strike="noStrike">
+                        <a:rPr lang="en-GB" sz="1800" b="0" strike="noStrike" spc="-1">
                           <a:solidFill>
                             <a:srgbClr val="000000"/>
                           </a:solidFill>
                           <a:uFill>
                             <a:solidFill>
-                              <a:srgbClr val="ffffff"/>
+                              <a:srgbClr val="FFFFFF"/>
                             </a:solidFill>
                           </a:uFill>
                           <a:latin typeface="Arial"/>
@@ -6424,48 +7382,53 @@
                         </a:rPr>
                         <a:t>BluePyOpt, Michele Migliore et al, National Research Council, Italy</a:t>
                       </a:r>
-                      <a:endParaRPr b="0" lang="en-GB" sz="1800" spc="-1" strike="noStrike">
+                      <a:endParaRPr lang="en-GB" sz="1800" b="0" strike="noStrike" spc="-1">
                         <a:solidFill>
                           <a:srgbClr val="000000"/>
                         </a:solidFill>
                         <a:uFill>
                           <a:solidFill>
-                            <a:srgbClr val="ffffff"/>
+                            <a:srgbClr val="FFFFFF"/>
                           </a:solidFill>
                         </a:uFill>
                         <a:latin typeface="Arial"/>
                       </a:endParaRPr>
                     </a:p>
                   </a:txBody>
-                  <a:tcPr marL="91440" marR="91440">
+                  <a:tcPr>
                     <a:lnL w="12240">
                       <a:solidFill>
-                        <a:srgbClr val="ffffff"/>
+                        <a:srgbClr val="FFFFFF"/>
                       </a:solidFill>
                     </a:lnL>
                     <a:lnR w="12240">
                       <a:solidFill>
-                        <a:srgbClr val="ffffff"/>
+                        <a:srgbClr val="FFFFFF"/>
                       </a:solidFill>
                     </a:lnR>
-                    <a:lnT w="12240">
+                    <a:lnT w="38160" cap="flat" cmpd="sng" algn="ctr">
                       <a:solidFill>
-                        <a:srgbClr val="ffffff"/>
+                        <a:srgbClr val="FFFFFF"/>
                       </a:solidFill>
+                      <a:prstDash val="solid"/>
+                      <a:round/>
+                      <a:headEnd type="none" w="med" len="med"/>
+                      <a:tailEnd type="none" w="med" len="med"/>
                     </a:lnT>
                     <a:lnB w="12240">
                       <a:solidFill>
-                        <a:srgbClr val="ffffff"/>
+                        <a:srgbClr val="FFFFFF"/>
                       </a:solidFill>
                     </a:lnB>
                     <a:solidFill>
-                      <a:srgbClr val="cccccc"/>
+                      <a:srgbClr val="CCCCCC"/>
                     </a:solidFill>
                   </a:tcPr>
                 </a:tc>
                 <a:tc>
                   <a:txBody>
                     <a:bodyPr/>
+                    <a:lstStyle/>
                     <a:p>
                       <a:pPr>
                         <a:lnSpc>
@@ -6473,13 +7436,13 @@
                         </a:lnSpc>
                       </a:pPr>
                       <a:r>
-                        <a:rPr b="0" lang="en-GB" sz="1800" spc="-1" strike="noStrike">
+                        <a:rPr lang="en-GB" sz="1800" b="0" strike="noStrike" spc="-1">
                           <a:solidFill>
                             <a:srgbClr val="000000"/>
                           </a:solidFill>
                           <a:uFill>
                             <a:solidFill>
-                              <a:srgbClr val="ffffff"/>
+                              <a:srgbClr val="FFFFFF"/>
                             </a:solidFill>
                           </a:uFill>
                           <a:latin typeface="Arial"/>
@@ -6487,42 +7450,42 @@
                         </a:rPr>
                         <a:t>PyMoose</a:t>
                       </a:r>
-                      <a:endParaRPr b="0" lang="en-GB" sz="1800" spc="-1" strike="noStrike">
+                      <a:endParaRPr lang="en-GB" sz="1800" b="0" strike="noStrike" spc="-1">
                         <a:solidFill>
                           <a:srgbClr val="000000"/>
                         </a:solidFill>
                         <a:uFill>
                           <a:solidFill>
-                            <a:srgbClr val="ffffff"/>
+                            <a:srgbClr val="FFFFFF"/>
                           </a:solidFill>
                         </a:uFill>
                         <a:latin typeface="Arial"/>
                       </a:endParaRPr>
                     </a:p>
                   </a:txBody>
-                  <a:tcPr marL="91440" marR="91440">
+                  <a:tcPr>
                     <a:lnL w="12240">
                       <a:solidFill>
-                        <a:srgbClr val="ffffff"/>
+                        <a:srgbClr val="FFFFFF"/>
                       </a:solidFill>
                     </a:lnL>
                     <a:lnR w="12240">
                       <a:solidFill>
-                        <a:srgbClr val="ffffff"/>
+                        <a:srgbClr val="FFFFFF"/>
                       </a:solidFill>
                     </a:lnR>
                     <a:lnT w="12240">
                       <a:solidFill>
-                        <a:srgbClr val="ffffff"/>
+                        <a:srgbClr val="FFFFFF"/>
                       </a:solidFill>
                     </a:lnT>
                     <a:lnB w="12240">
                       <a:solidFill>
-                        <a:srgbClr val="ffffff"/>
+                        <a:srgbClr val="FFFFFF"/>
                       </a:solidFill>
                     </a:lnB>
                     <a:solidFill>
-                      <a:srgbClr val="cccccc"/>
+                      <a:srgbClr val="CCCCCC"/>
                     </a:solidFill>
                   </a:tcPr>
                 </a:tc>
@@ -6531,6 +7494,7 @@
                 <a:tc>
                   <a:txBody>
                     <a:bodyPr/>
+                    <a:lstStyle/>
                     <a:p>
                       <a:pPr>
                         <a:lnSpc>
@@ -6538,13 +7502,13 @@
                         </a:lnSpc>
                       </a:pPr>
                       <a:r>
-                        <a:rPr b="0" lang="en-GB" sz="1800" spc="-1" strike="noStrike">
+                        <a:rPr lang="en-GB" sz="1800" b="0" strike="noStrike" spc="-1">
                           <a:solidFill>
                             <a:srgbClr val="000000"/>
                           </a:solidFill>
                           <a:uFill>
                             <a:solidFill>
-                              <a:srgbClr val="ffffff"/>
+                              <a:srgbClr val="FFFFFF"/>
                             </a:solidFill>
                           </a:uFill>
                           <a:latin typeface="Arial"/>
@@ -6552,48 +7516,49 @@
                         </a:rPr>
                         <a:t>BRIAN</a:t>
                       </a:r>
-                      <a:endParaRPr b="0" lang="en-GB" sz="1800" spc="-1" strike="noStrike">
+                      <a:endParaRPr lang="en-GB" sz="1800" b="0" strike="noStrike" spc="-1">
                         <a:solidFill>
                           <a:srgbClr val="000000"/>
                         </a:solidFill>
                         <a:uFill>
                           <a:solidFill>
-                            <a:srgbClr val="ffffff"/>
+                            <a:srgbClr val="FFFFFF"/>
                           </a:solidFill>
                         </a:uFill>
                         <a:latin typeface="Arial"/>
                       </a:endParaRPr>
                     </a:p>
                   </a:txBody>
-                  <a:tcPr marL="91440" marR="91440">
+                  <a:tcPr>
                     <a:lnL w="12240">
                       <a:solidFill>
-                        <a:srgbClr val="ffffff"/>
+                        <a:srgbClr val="FFFFFF"/>
                       </a:solidFill>
                     </a:lnL>
                     <a:lnR w="12240">
                       <a:solidFill>
-                        <a:srgbClr val="ffffff"/>
+                        <a:srgbClr val="FFFFFF"/>
                       </a:solidFill>
                     </a:lnR>
                     <a:lnT w="12240">
                       <a:solidFill>
-                        <a:srgbClr val="ffffff"/>
+                        <a:srgbClr val="FFFFFF"/>
                       </a:solidFill>
                     </a:lnT>
                     <a:lnB w="12240">
                       <a:solidFill>
-                        <a:srgbClr val="ffffff"/>
+                        <a:srgbClr val="FFFFFF"/>
                       </a:solidFill>
                     </a:lnB>
                     <a:solidFill>
-                      <a:srgbClr val="e7e7e7"/>
+                      <a:srgbClr val="E7E7E7"/>
                     </a:solidFill>
                   </a:tcPr>
                 </a:tc>
                 <a:tc>
                   <a:txBody>
                     <a:bodyPr/>
+                    <a:lstStyle/>
                     <a:p>
                       <a:pPr>
                         <a:lnSpc>
@@ -6601,13 +7566,13 @@
                         </a:lnSpc>
                       </a:pPr>
                       <a:r>
-                        <a:rPr b="0" lang="en-GB" sz="1800" spc="-1" strike="noStrike">
+                        <a:rPr lang="en-GB" sz="1800" b="0" strike="noStrike" spc="-1">
                           <a:solidFill>
                             <a:srgbClr val="000000"/>
                           </a:solidFill>
                           <a:uFill>
                             <a:solidFill>
-                              <a:srgbClr val="ffffff"/>
+                              <a:srgbClr val="FFFFFF"/>
                             </a:solidFill>
                           </a:uFill>
                           <a:latin typeface="Arial"/>
@@ -6615,42 +7580,42 @@
                         </a:rPr>
                         <a:t>NEST</a:t>
                       </a:r>
-                      <a:endParaRPr b="0" lang="en-GB" sz="1800" spc="-1" strike="noStrike">
+                      <a:endParaRPr lang="en-GB" sz="1800" b="0" strike="noStrike" spc="-1">
                         <a:solidFill>
                           <a:srgbClr val="000000"/>
                         </a:solidFill>
                         <a:uFill>
                           <a:solidFill>
-                            <a:srgbClr val="ffffff"/>
+                            <a:srgbClr val="FFFFFF"/>
                           </a:solidFill>
                         </a:uFill>
                         <a:latin typeface="Arial"/>
                       </a:endParaRPr>
                     </a:p>
                   </a:txBody>
-                  <a:tcPr marL="91440" marR="91440">
+                  <a:tcPr>
                     <a:lnL w="12240">
                       <a:solidFill>
-                        <a:srgbClr val="ffffff"/>
+                        <a:srgbClr val="FFFFFF"/>
                       </a:solidFill>
                     </a:lnL>
                     <a:lnR w="12240">
                       <a:solidFill>
-                        <a:srgbClr val="ffffff"/>
+                        <a:srgbClr val="FFFFFF"/>
                       </a:solidFill>
                     </a:lnR>
                     <a:lnT w="12240">
                       <a:solidFill>
-                        <a:srgbClr val="ffffff"/>
+                        <a:srgbClr val="FFFFFF"/>
                       </a:solidFill>
                     </a:lnT>
                     <a:lnB w="12240">
                       <a:solidFill>
-                        <a:srgbClr val="ffffff"/>
+                        <a:srgbClr val="FFFFFF"/>
                       </a:solidFill>
                     </a:lnB>
                     <a:solidFill>
-                      <a:srgbClr val="e7e7e7"/>
+                      <a:srgbClr val="E7E7E7"/>
                     </a:solidFill>
                   </a:tcPr>
                 </a:tc>
@@ -6659,6 +7624,7 @@
                 <a:tc>
                   <a:txBody>
                     <a:bodyPr/>
+                    <a:lstStyle/>
                     <a:p>
                       <a:pPr>
                         <a:lnSpc>
@@ -6666,13 +7632,13 @@
                         </a:lnSpc>
                       </a:pPr>
                       <a:r>
-                        <a:rPr b="0" lang="en-GB" sz="1800" spc="-1" strike="noStrike">
+                        <a:rPr lang="en-GB" sz="1800" b="0" strike="noStrike" spc="-1">
                           <a:solidFill>
                             <a:srgbClr val="000000"/>
                           </a:solidFill>
                           <a:uFill>
                             <a:solidFill>
-                              <a:srgbClr val="ffffff"/>
+                              <a:srgbClr val="FFFFFF"/>
                             </a:solidFill>
                           </a:uFill>
                           <a:latin typeface="Arial"/>
@@ -6680,48 +7646,49 @@
                         </a:rPr>
                         <a:t>CARLsim, Jeffrey Krichmar, UC Irvine</a:t>
                       </a:r>
-                      <a:endParaRPr b="0" lang="en-GB" sz="1800" spc="-1" strike="noStrike">
+                      <a:endParaRPr lang="en-GB" sz="1800" b="0" strike="noStrike" spc="-1">
                         <a:solidFill>
                           <a:srgbClr val="000000"/>
                         </a:solidFill>
                         <a:uFill>
                           <a:solidFill>
-                            <a:srgbClr val="ffffff"/>
+                            <a:srgbClr val="FFFFFF"/>
                           </a:solidFill>
                         </a:uFill>
                         <a:latin typeface="Arial"/>
                       </a:endParaRPr>
                     </a:p>
                   </a:txBody>
-                  <a:tcPr marL="91440" marR="91440">
+                  <a:tcPr>
                     <a:lnL w="12240">
                       <a:solidFill>
-                        <a:srgbClr val="ffffff"/>
+                        <a:srgbClr val="FFFFFF"/>
                       </a:solidFill>
                     </a:lnL>
                     <a:lnR w="12240">
                       <a:solidFill>
-                        <a:srgbClr val="ffffff"/>
+                        <a:srgbClr val="FFFFFF"/>
                       </a:solidFill>
                     </a:lnR>
                     <a:lnT w="12240">
                       <a:solidFill>
-                        <a:srgbClr val="ffffff"/>
+                        <a:srgbClr val="FFFFFF"/>
                       </a:solidFill>
                     </a:lnT>
                     <a:lnB w="12240">
                       <a:solidFill>
-                        <a:srgbClr val="ffffff"/>
+                        <a:srgbClr val="FFFFFF"/>
                       </a:solidFill>
                     </a:lnB>
                     <a:solidFill>
-                      <a:srgbClr val="cccccc"/>
+                      <a:srgbClr val="CCCCCC"/>
                     </a:solidFill>
                   </a:tcPr>
                 </a:tc>
                 <a:tc>
                   <a:txBody>
                     <a:bodyPr/>
+                    <a:lstStyle/>
                     <a:p>
                       <a:pPr>
                         <a:lnSpc>
@@ -6729,13 +7696,13 @@
                         </a:lnSpc>
                       </a:pPr>
                       <a:r>
-                        <a:rPr b="0" lang="en-GB" sz="1800" spc="-1" strike="noStrike">
+                        <a:rPr lang="en-GB" sz="1800" b="0" strike="noStrike" spc="-1">
                           <a:solidFill>
                             <a:srgbClr val="000000"/>
                           </a:solidFill>
                           <a:uFill>
                             <a:solidFill>
-                              <a:srgbClr val="ffffff"/>
+                              <a:srgbClr val="FFFFFF"/>
                             </a:solidFill>
                           </a:uFill>
                           <a:latin typeface="Arial"/>
@@ -6743,42 +7710,42 @@
                         </a:rPr>
                         <a:t>NEURON</a:t>
                       </a:r>
-                      <a:endParaRPr b="0" lang="en-GB" sz="1800" spc="-1" strike="noStrike">
+                      <a:endParaRPr lang="en-GB" sz="1800" b="0" strike="noStrike" spc="-1">
                         <a:solidFill>
                           <a:srgbClr val="000000"/>
                         </a:solidFill>
                         <a:uFill>
                           <a:solidFill>
-                            <a:srgbClr val="ffffff"/>
+                            <a:srgbClr val="FFFFFF"/>
                           </a:solidFill>
                         </a:uFill>
                         <a:latin typeface="Arial"/>
                       </a:endParaRPr>
                     </a:p>
                   </a:txBody>
-                  <a:tcPr marL="91440" marR="91440">
+                  <a:tcPr>
                     <a:lnL w="12240">
                       <a:solidFill>
-                        <a:srgbClr val="ffffff"/>
+                        <a:srgbClr val="FFFFFF"/>
                       </a:solidFill>
                     </a:lnL>
                     <a:lnR w="12240">
                       <a:solidFill>
-                        <a:srgbClr val="ffffff"/>
+                        <a:srgbClr val="FFFFFF"/>
                       </a:solidFill>
                     </a:lnR>
                     <a:lnT w="12240">
                       <a:solidFill>
-                        <a:srgbClr val="ffffff"/>
+                        <a:srgbClr val="FFFFFF"/>
                       </a:solidFill>
                     </a:lnT>
                     <a:lnB w="12240">
                       <a:solidFill>
-                        <a:srgbClr val="ffffff"/>
+                        <a:srgbClr val="FFFFFF"/>
                       </a:solidFill>
                     </a:lnB>
                     <a:solidFill>
-                      <a:srgbClr val="cccccc"/>
+                      <a:srgbClr val="CCCCCC"/>
                     </a:solidFill>
                   </a:tcPr>
                 </a:tc>
@@ -6787,6 +7754,7 @@
                 <a:tc>
                   <a:txBody>
                     <a:bodyPr/>
+                    <a:lstStyle/>
                     <a:p>
                       <a:pPr>
                         <a:lnSpc>
@@ -6794,13 +7762,13 @@
                         </a:lnSpc>
                       </a:pPr>
                       <a:r>
-                        <a:rPr b="0" lang="en-GB" sz="1800" spc="-1" strike="noStrike">
+                        <a:rPr lang="en-GB" sz="1800" b="0" strike="noStrike" spc="-1">
                           <a:solidFill>
                             <a:srgbClr val="000000"/>
                           </a:solidFill>
                           <a:uFill>
                             <a:solidFill>
-                              <a:srgbClr val="ffffff"/>
+                              <a:srgbClr val="FFFFFF"/>
                             </a:solidFill>
                           </a:uFill>
                           <a:latin typeface="Arial"/>
@@ -6808,57 +7776,58 @@
                         </a:rPr>
                         <a:t>The Virtual Brain Personalized Medicine Pipeline, Petre Ritter, Humboldt University</a:t>
                       </a:r>
-                      <a:endParaRPr b="0" lang="en-GB" sz="1800" spc="-1" strike="noStrike">
+                      <a:endParaRPr lang="en-GB" sz="1800" b="0" strike="noStrike" spc="-1">
                         <a:solidFill>
                           <a:srgbClr val="000000"/>
                         </a:solidFill>
                         <a:uFill>
                           <a:solidFill>
-                            <a:srgbClr val="ffffff"/>
+                            <a:srgbClr val="FFFFFF"/>
                           </a:solidFill>
                         </a:uFill>
                         <a:latin typeface="Arial"/>
                       </a:endParaRPr>
                     </a:p>
                   </a:txBody>
-                  <a:tcPr marL="91440" marR="91440">
+                  <a:tcPr>
                     <a:lnL w="12240">
                       <a:solidFill>
-                        <a:srgbClr val="ffffff"/>
+                        <a:srgbClr val="FFFFFF"/>
                       </a:solidFill>
                     </a:lnL>
                     <a:lnR w="12240">
                       <a:solidFill>
-                        <a:srgbClr val="ffffff"/>
+                        <a:srgbClr val="FFFFFF"/>
                       </a:solidFill>
                     </a:lnR>
                     <a:lnT w="12240">
                       <a:solidFill>
-                        <a:srgbClr val="ffffff"/>
+                        <a:srgbClr val="FFFFFF"/>
                       </a:solidFill>
                     </a:lnT>
                     <a:lnB w="12240">
                       <a:solidFill>
-                        <a:srgbClr val="ffffff"/>
+                        <a:srgbClr val="FFFFFF"/>
                       </a:solidFill>
                     </a:lnB>
                     <a:solidFill>
-                      <a:srgbClr val="e7e7e7"/>
+                      <a:srgbClr val="E7E7E7"/>
                     </a:solidFill>
                   </a:tcPr>
                 </a:tc>
                 <a:tc>
                   <a:txBody>
                     <a:bodyPr/>
+                    <a:lstStyle/>
                     <a:p>
                       <a:r>
-                        <a:rPr b="0" lang="en-GB" sz="1800" spc="-1" strike="noStrike">
+                        <a:rPr lang="en-GB" sz="1800" b="0" strike="noStrike" spc="-1">
                           <a:solidFill>
                             <a:srgbClr val="000000"/>
                           </a:solidFill>
                           <a:uFill>
                             <a:solidFill>
-                              <a:srgbClr val="ffffff"/>
+                              <a:srgbClr val="FFFFFF"/>
                             </a:solidFill>
                           </a:uFill>
                           <a:latin typeface="Arial"/>
@@ -6866,13 +7835,13 @@
                         </a:rPr>
                         <a:t>Parameter Search</a:t>
                       </a:r>
-                      <a:endParaRPr b="0" lang="en-GB" sz="1800" spc="-1" strike="noStrike">
+                      <a:endParaRPr lang="en-GB" sz="1800" b="0" strike="noStrike" spc="-1">
                         <a:solidFill>
                           <a:srgbClr val="000000"/>
                         </a:solidFill>
                         <a:uFill>
                           <a:solidFill>
-                            <a:srgbClr val="ffffff"/>
+                            <a:srgbClr val="FFFFFF"/>
                           </a:solidFill>
                         </a:uFill>
                         <a:latin typeface="Arial"/>
@@ -6885,13 +7854,13 @@
                         </a:lnSpc>
                       </a:pPr>
                       <a:r>
-                        <a:rPr b="0" lang="en-GB" sz="1800" spc="-1" strike="noStrike">
+                        <a:rPr lang="en-GB" sz="1800" b="0" strike="noStrike" spc="-1">
                           <a:solidFill>
                             <a:srgbClr val="000000"/>
                           </a:solidFill>
                           <a:uFill>
                             <a:solidFill>
-                              <a:srgbClr val="ffffff"/>
+                              <a:srgbClr val="FFFFFF"/>
                             </a:solidFill>
                           </a:uFill>
                           <a:latin typeface="Arial"/>
@@ -6899,42 +7868,42 @@
                         </a:rPr>
                         <a:t>Dieter Jaeger, Emory University </a:t>
                       </a:r>
-                      <a:endParaRPr b="0" lang="en-GB" sz="1800" spc="-1" strike="noStrike">
+                      <a:endParaRPr lang="en-GB" sz="1800" b="0" strike="noStrike" spc="-1">
                         <a:solidFill>
                           <a:srgbClr val="000000"/>
                         </a:solidFill>
                         <a:uFill>
                           <a:solidFill>
-                            <a:srgbClr val="ffffff"/>
+                            <a:srgbClr val="FFFFFF"/>
                           </a:solidFill>
                         </a:uFill>
                         <a:latin typeface="Arial"/>
                       </a:endParaRPr>
                     </a:p>
                   </a:txBody>
-                  <a:tcPr marL="91440" marR="91440">
+                  <a:tcPr>
                     <a:lnL w="12240">
                       <a:solidFill>
-                        <a:srgbClr val="ffffff"/>
+                        <a:srgbClr val="FFFFFF"/>
                       </a:solidFill>
                     </a:lnL>
                     <a:lnR w="12240">
                       <a:solidFill>
-                        <a:srgbClr val="ffffff"/>
+                        <a:srgbClr val="FFFFFF"/>
                       </a:solidFill>
                     </a:lnR>
                     <a:lnT w="12240">
                       <a:solidFill>
-                        <a:srgbClr val="ffffff"/>
+                        <a:srgbClr val="FFFFFF"/>
                       </a:solidFill>
                     </a:lnT>
                     <a:lnB w="12240">
                       <a:solidFill>
-                        <a:srgbClr val="ffffff"/>
+                        <a:srgbClr val="FFFFFF"/>
                       </a:solidFill>
                     </a:lnB>
                     <a:solidFill>
-                      <a:srgbClr val="e7e7e7"/>
+                      <a:srgbClr val="E7E7E7"/>
                     </a:solidFill>
                   </a:tcPr>
                 </a:tc>
@@ -6943,6 +7912,7 @@
                 <a:tc>
                   <a:txBody>
                     <a:bodyPr/>
+                    <a:lstStyle/>
                     <a:p>
                       <a:pPr>
                         <a:lnSpc>
@@ -6950,13 +7920,13 @@
                         </a:lnSpc>
                       </a:pPr>
                       <a:r>
-                        <a:rPr b="0" lang="en-GB" sz="1800" spc="-1" strike="noStrike">
+                        <a:rPr lang="en-GB" sz="1800" b="0" strike="noStrike" spc="-1">
                           <a:solidFill>
                             <a:srgbClr val="000000"/>
                           </a:solidFill>
                           <a:uFill>
                             <a:solidFill>
-                              <a:srgbClr val="ffffff"/>
+                              <a:srgbClr val="FFFFFF"/>
                             </a:solidFill>
                           </a:uFill>
                           <a:latin typeface="Arial"/>
@@ -6964,48 +7934,49 @@
                         </a:rPr>
                         <a:t>FreeSurfer</a:t>
                       </a:r>
-                      <a:endParaRPr b="0" lang="en-GB" sz="1800" spc="-1" strike="noStrike">
+                      <a:endParaRPr lang="en-GB" sz="1800" b="0" strike="noStrike" spc="-1">
                         <a:solidFill>
                           <a:srgbClr val="000000"/>
                         </a:solidFill>
                         <a:uFill>
                           <a:solidFill>
-                            <a:srgbClr val="ffffff"/>
+                            <a:srgbClr val="FFFFFF"/>
                           </a:solidFill>
                         </a:uFill>
                         <a:latin typeface="Arial"/>
                       </a:endParaRPr>
                     </a:p>
                   </a:txBody>
-                  <a:tcPr marL="91440" marR="91440">
+                  <a:tcPr>
                     <a:lnL w="12240">
                       <a:solidFill>
-                        <a:srgbClr val="ffffff"/>
+                        <a:srgbClr val="FFFFFF"/>
                       </a:solidFill>
                     </a:lnL>
                     <a:lnR w="12240">
                       <a:solidFill>
-                        <a:srgbClr val="ffffff"/>
+                        <a:srgbClr val="FFFFFF"/>
                       </a:solidFill>
                     </a:lnR>
                     <a:lnT w="12240">
                       <a:solidFill>
-                        <a:srgbClr val="ffffff"/>
+                        <a:srgbClr val="FFFFFF"/>
                       </a:solidFill>
                     </a:lnT>
                     <a:lnB w="12240">
                       <a:solidFill>
-                        <a:srgbClr val="ffffff"/>
+                        <a:srgbClr val="FFFFFF"/>
                       </a:solidFill>
                     </a:lnB>
                     <a:solidFill>
-                      <a:srgbClr val="cccccc"/>
+                      <a:srgbClr val="CCCCCC"/>
                     </a:solidFill>
                   </a:tcPr>
                 </a:tc>
                 <a:tc>
                   <a:txBody>
                     <a:bodyPr/>
+                    <a:lstStyle/>
                     <a:p>
                       <a:pPr>
                         <a:lnSpc>
@@ -7013,13 +7984,13 @@
                         </a:lnSpc>
                       </a:pPr>
                       <a:r>
-                        <a:rPr b="0" lang="en-GB" sz="1800" spc="-1" strike="noStrike">
+                        <a:rPr lang="en-GB" sz="1800" b="0" strike="noStrike" spc="-1">
                           <a:solidFill>
                             <a:srgbClr val="000000"/>
                           </a:solidFill>
                           <a:uFill>
                             <a:solidFill>
-                              <a:srgbClr val="ffffff"/>
+                              <a:srgbClr val="FFFFFF"/>
                             </a:solidFill>
                           </a:uFill>
                           <a:latin typeface="Arial"/>
@@ -7027,42 +7998,42 @@
                         </a:rPr>
                         <a:t>PyNN</a:t>
                       </a:r>
-                      <a:endParaRPr b="0" lang="en-GB" sz="1800" spc="-1" strike="noStrike">
+                      <a:endParaRPr lang="en-GB" sz="1800" b="0" strike="noStrike" spc="-1">
                         <a:solidFill>
                           <a:srgbClr val="000000"/>
                         </a:solidFill>
                         <a:uFill>
                           <a:solidFill>
-                            <a:srgbClr val="ffffff"/>
+                            <a:srgbClr val="FFFFFF"/>
                           </a:solidFill>
                         </a:uFill>
                         <a:latin typeface="Arial"/>
                       </a:endParaRPr>
                     </a:p>
                   </a:txBody>
-                  <a:tcPr marL="91440" marR="91440">
+                  <a:tcPr>
                     <a:lnL w="12240">
                       <a:solidFill>
-                        <a:srgbClr val="ffffff"/>
+                        <a:srgbClr val="FFFFFF"/>
                       </a:solidFill>
                     </a:lnL>
                     <a:lnR w="12240">
                       <a:solidFill>
-                        <a:srgbClr val="ffffff"/>
+                        <a:srgbClr val="FFFFFF"/>
                       </a:solidFill>
                     </a:lnR>
                     <a:lnT w="12240">
                       <a:solidFill>
-                        <a:srgbClr val="ffffff"/>
+                        <a:srgbClr val="FFFFFF"/>
                       </a:solidFill>
                     </a:lnT>
                     <a:lnB w="12240">
                       <a:solidFill>
-                        <a:srgbClr val="ffffff"/>
+                        <a:srgbClr val="FFFFFF"/>
                       </a:solidFill>
                     </a:lnB>
                     <a:solidFill>
-                      <a:srgbClr val="cccccc"/>
+                      <a:srgbClr val="CCCCCC"/>
                     </a:solidFill>
                   </a:tcPr>
                 </a:tc>
@@ -7071,6 +8042,7 @@
                 <a:tc>
                   <a:txBody>
                     <a:bodyPr/>
+                    <a:lstStyle/>
                     <a:p>
                       <a:pPr>
                         <a:lnSpc>
@@ -7078,13 +8050,13 @@
                         </a:lnSpc>
                       </a:pPr>
                       <a:r>
-                        <a:rPr b="0" lang="en-GB" sz="1800" spc="-1" strike="noStrike">
+                        <a:rPr lang="en-GB" sz="1800" b="0" strike="noStrike" spc="-1">
                           <a:solidFill>
                             <a:srgbClr val="000000"/>
                           </a:solidFill>
                           <a:uFill>
                             <a:solidFill>
-                              <a:srgbClr val="ffffff"/>
+                              <a:srgbClr val="FFFFFF"/>
                             </a:solidFill>
                           </a:uFill>
                           <a:latin typeface="Arial"/>
@@ -7092,13 +8064,13 @@
                         </a:rPr>
                         <a:t>Large Scale Neural Simulator </a:t>
                       </a:r>
-                      <a:endParaRPr b="0" lang="en-GB" sz="1800" spc="-1" strike="noStrike">
+                      <a:endParaRPr lang="en-GB" sz="1800" b="0" strike="noStrike" spc="-1">
                         <a:solidFill>
                           <a:srgbClr val="000000"/>
                         </a:solidFill>
                         <a:uFill>
                           <a:solidFill>
-                            <a:srgbClr val="ffffff"/>
+                            <a:srgbClr val="FFFFFF"/>
                           </a:solidFill>
                         </a:uFill>
                         <a:latin typeface="Arial"/>
@@ -7111,13 +8083,13 @@
                         </a:lnSpc>
                       </a:pPr>
                       <a:r>
-                        <a:rPr b="0" lang="en-GB" sz="1800" spc="-1" strike="noStrike">
+                        <a:rPr lang="en-GB" sz="1800" b="0" strike="noStrike" spc="-1">
                           <a:solidFill>
                             <a:srgbClr val="000000"/>
                           </a:solidFill>
                           <a:uFill>
                             <a:solidFill>
-                              <a:srgbClr val="ffffff"/>
+                              <a:srgbClr val="FFFFFF"/>
                             </a:solidFill>
                           </a:uFill>
                           <a:latin typeface="Arial"/>
@@ -7125,48 +8097,49 @@
                         </a:rPr>
                         <a:t>Antonio Ulloa, Neural Bytes</a:t>
                       </a:r>
-                      <a:endParaRPr b="0" lang="en-GB" sz="1800" spc="-1" strike="noStrike">
+                      <a:endParaRPr lang="en-GB" sz="1800" b="0" strike="noStrike" spc="-1">
                         <a:solidFill>
                           <a:srgbClr val="000000"/>
                         </a:solidFill>
                         <a:uFill>
                           <a:solidFill>
-                            <a:srgbClr val="ffffff"/>
+                            <a:srgbClr val="FFFFFF"/>
                           </a:solidFill>
                         </a:uFill>
                         <a:latin typeface="Arial"/>
                       </a:endParaRPr>
                     </a:p>
                   </a:txBody>
-                  <a:tcPr marL="91440" marR="91440">
+                  <a:tcPr>
                     <a:lnL w="12240">
                       <a:solidFill>
-                        <a:srgbClr val="ffffff"/>
+                        <a:srgbClr val="FFFFFF"/>
                       </a:solidFill>
                     </a:lnL>
                     <a:lnR w="12240">
                       <a:solidFill>
-                        <a:srgbClr val="ffffff"/>
+                        <a:srgbClr val="FFFFFF"/>
                       </a:solidFill>
                     </a:lnR>
                     <a:lnT w="12240">
                       <a:solidFill>
-                        <a:srgbClr val="ffffff"/>
+                        <a:srgbClr val="FFFFFF"/>
                       </a:solidFill>
                     </a:lnT>
                     <a:lnB w="12240">
                       <a:solidFill>
-                        <a:srgbClr val="ffffff"/>
+                        <a:srgbClr val="FFFFFF"/>
                       </a:solidFill>
                     </a:lnB>
                     <a:solidFill>
-                      <a:srgbClr val="e7e7e7"/>
+                      <a:srgbClr val="E7E7E7"/>
                     </a:solidFill>
                   </a:tcPr>
                 </a:tc>
                 <a:tc>
                   <a:txBody>
                     <a:bodyPr/>
+                    <a:lstStyle/>
                     <a:p>
                       <a:pPr>
                         <a:lnSpc>
@@ -7174,13 +8147,13 @@
                         </a:lnSpc>
                       </a:pPr>
                       <a:r>
-                        <a:rPr b="0" lang="en-GB" sz="1800" spc="-1" strike="noStrike">
+                        <a:rPr lang="en-GB" sz="1800" b="0" strike="noStrike" spc="-1">
                           <a:solidFill>
                             <a:srgbClr val="000000"/>
                           </a:solidFill>
                           <a:uFill>
                             <a:solidFill>
-                              <a:srgbClr val="ffffff"/>
+                              <a:srgbClr val="FFFFFF"/>
                             </a:solidFill>
                           </a:uFill>
                           <a:latin typeface="Arial"/>
@@ -7188,42 +8161,42 @@
                         </a:rPr>
                         <a:t>Python</a:t>
                       </a:r>
-                      <a:endParaRPr b="0" lang="en-GB" sz="1800" spc="-1" strike="noStrike">
+                      <a:endParaRPr lang="en-GB" sz="1800" b="0" strike="noStrike" spc="-1">
                         <a:solidFill>
                           <a:srgbClr val="000000"/>
                         </a:solidFill>
                         <a:uFill>
                           <a:solidFill>
-                            <a:srgbClr val="ffffff"/>
+                            <a:srgbClr val="FFFFFF"/>
                           </a:solidFill>
                         </a:uFill>
                         <a:latin typeface="Arial"/>
                       </a:endParaRPr>
                     </a:p>
                   </a:txBody>
-                  <a:tcPr marL="91440" marR="91440">
+                  <a:tcPr>
                     <a:lnL w="12240">
                       <a:solidFill>
-                        <a:srgbClr val="ffffff"/>
+                        <a:srgbClr val="FFFFFF"/>
                       </a:solidFill>
                     </a:lnL>
                     <a:lnR w="12240">
                       <a:solidFill>
-                        <a:srgbClr val="ffffff"/>
+                        <a:srgbClr val="FFFFFF"/>
                       </a:solidFill>
                     </a:lnR>
                     <a:lnT w="12240">
                       <a:solidFill>
-                        <a:srgbClr val="ffffff"/>
+                        <a:srgbClr val="FFFFFF"/>
                       </a:solidFill>
                     </a:lnT>
                     <a:lnB w="12240">
                       <a:solidFill>
-                        <a:srgbClr val="ffffff"/>
+                        <a:srgbClr val="FFFFFF"/>
                       </a:solidFill>
                     </a:lnB>
                     <a:solidFill>
-                      <a:srgbClr val="e7e7e7"/>
+                      <a:srgbClr val="E7E7E7"/>
                     </a:solidFill>
                   </a:tcPr>
                 </a:tc>
@@ -7232,6 +8205,7 @@
                 <a:tc>
                   <a:txBody>
                     <a:bodyPr/>
+                    <a:lstStyle/>
                     <a:p>
                       <a:pPr>
                         <a:lnSpc>
@@ -7239,13 +8213,13 @@
                         </a:lnSpc>
                       </a:pPr>
                       <a:r>
-                        <a:rPr b="0" lang="en-GB" sz="1800" spc="-1" strike="noStrike">
+                        <a:rPr lang="en-GB" sz="1800" b="0" strike="noStrike" spc="-1">
                           <a:solidFill>
                             <a:srgbClr val="000000"/>
                           </a:solidFill>
                           <a:uFill>
                             <a:solidFill>
-                              <a:srgbClr val="ffffff"/>
+                              <a:srgbClr val="FFFFFF"/>
                             </a:solidFill>
                           </a:uFill>
                           <a:latin typeface="Arial"/>
@@ -7253,48 +8227,49 @@
                         </a:rPr>
                         <a:t>Matlab</a:t>
                       </a:r>
-                      <a:endParaRPr b="0" lang="en-GB" sz="1800" spc="-1" strike="noStrike">
+                      <a:endParaRPr lang="en-GB" sz="1800" b="0" strike="noStrike" spc="-1">
                         <a:solidFill>
                           <a:srgbClr val="000000"/>
                         </a:solidFill>
                         <a:uFill>
                           <a:solidFill>
-                            <a:srgbClr val="ffffff"/>
+                            <a:srgbClr val="FFFFFF"/>
                           </a:solidFill>
                         </a:uFill>
                         <a:latin typeface="Arial"/>
                       </a:endParaRPr>
                     </a:p>
                   </a:txBody>
-                  <a:tcPr marL="91440" marR="91440">
+                  <a:tcPr>
                     <a:lnL w="12240">
                       <a:solidFill>
-                        <a:srgbClr val="ffffff"/>
+                        <a:srgbClr val="FFFFFF"/>
                       </a:solidFill>
                     </a:lnL>
                     <a:lnR w="12240">
                       <a:solidFill>
-                        <a:srgbClr val="ffffff"/>
+                        <a:srgbClr val="FFFFFF"/>
                       </a:solidFill>
                     </a:lnR>
                     <a:lnT w="12240">
                       <a:solidFill>
-                        <a:srgbClr val="ffffff"/>
+                        <a:srgbClr val="FFFFFF"/>
                       </a:solidFill>
                     </a:lnT>
                     <a:lnB w="12240">
                       <a:solidFill>
-                        <a:srgbClr val="ffffff"/>
+                        <a:srgbClr val="FFFFFF"/>
                       </a:solidFill>
                     </a:lnB>
                     <a:solidFill>
-                      <a:srgbClr val="cccccc"/>
+                      <a:srgbClr val="CCCCCC"/>
                     </a:solidFill>
                   </a:tcPr>
                 </a:tc>
                 <a:tc>
                   <a:txBody>
                     <a:bodyPr/>
+                    <a:lstStyle/>
                     <a:p>
                       <a:pPr>
                         <a:lnSpc>
@@ -7302,13 +8277,13 @@
                         </a:lnSpc>
                       </a:pPr>
                       <a:r>
-                        <a:rPr b="0" lang="en-GB" sz="1800" spc="-1" strike="noStrike">
+                        <a:rPr lang="en-GB" sz="1800" b="0" strike="noStrike" spc="-1">
                           <a:solidFill>
                             <a:srgbClr val="000000"/>
                           </a:solidFill>
                           <a:uFill>
                             <a:solidFill>
-                              <a:srgbClr val="ffffff"/>
+                              <a:srgbClr val="FFFFFF"/>
                             </a:solidFill>
                           </a:uFill>
                           <a:latin typeface="Arial"/>
@@ -7316,42 +8291,42 @@
                         </a:rPr>
                         <a:t>R</a:t>
                       </a:r>
-                      <a:endParaRPr b="0" lang="en-GB" sz="1800" spc="-1" strike="noStrike">
+                      <a:endParaRPr lang="en-GB" sz="1800" b="0" strike="noStrike" spc="-1">
                         <a:solidFill>
                           <a:srgbClr val="000000"/>
                         </a:solidFill>
                         <a:uFill>
                           <a:solidFill>
-                            <a:srgbClr val="ffffff"/>
+                            <a:srgbClr val="FFFFFF"/>
                           </a:solidFill>
                         </a:uFill>
                         <a:latin typeface="Arial"/>
                       </a:endParaRPr>
                     </a:p>
                   </a:txBody>
-                  <a:tcPr marL="91440" marR="91440">
+                  <a:tcPr>
                     <a:lnL w="12240">
                       <a:solidFill>
-                        <a:srgbClr val="ffffff"/>
+                        <a:srgbClr val="FFFFFF"/>
                       </a:solidFill>
                     </a:lnL>
                     <a:lnR w="12240">
                       <a:solidFill>
-                        <a:srgbClr val="ffffff"/>
+                        <a:srgbClr val="FFFFFF"/>
                       </a:solidFill>
                     </a:lnR>
                     <a:lnT w="12240">
                       <a:solidFill>
-                        <a:srgbClr val="ffffff"/>
+                        <a:srgbClr val="FFFFFF"/>
                       </a:solidFill>
                     </a:lnT>
                     <a:lnB w="12240">
                       <a:solidFill>
-                        <a:srgbClr val="ffffff"/>
+                        <a:srgbClr val="FFFFFF"/>
                       </a:solidFill>
                     </a:lnB>
                     <a:solidFill>
-                      <a:srgbClr val="cccccc"/>
+                      <a:srgbClr val="CCCCCC"/>
                     </a:solidFill>
                   </a:tcPr>
                 </a:tc>
@@ -7360,6 +8335,7 @@
                 <a:tc>
                   <a:txBody>
                     <a:bodyPr/>
+                    <a:lstStyle/>
                     <a:p>
                       <a:pPr>
                         <a:lnSpc>
@@ -7367,13 +8343,13 @@
                         </a:lnSpc>
                       </a:pPr>
                       <a:r>
-                        <a:rPr b="0" lang="en-GB" sz="1800" spc="-1" strike="noStrike">
+                        <a:rPr lang="en-GB" sz="1800" b="0" strike="noStrike" spc="-1">
                           <a:solidFill>
                             <a:srgbClr val="000000"/>
                           </a:solidFill>
                           <a:uFill>
                             <a:solidFill>
-                              <a:srgbClr val="ffffff"/>
+                              <a:srgbClr val="FFFFFF"/>
                             </a:solidFill>
                           </a:uFill>
                           <a:latin typeface="Arial"/>
@@ -7381,48 +8357,49 @@
                         </a:rPr>
                         <a:t>TensorFlow</a:t>
                       </a:r>
-                      <a:endParaRPr b="0" lang="en-GB" sz="1800" spc="-1" strike="noStrike">
+                      <a:endParaRPr lang="en-GB" sz="1800" b="0" strike="noStrike" spc="-1">
                         <a:solidFill>
                           <a:srgbClr val="000000"/>
                         </a:solidFill>
                         <a:uFill>
                           <a:solidFill>
-                            <a:srgbClr val="ffffff"/>
+                            <a:srgbClr val="FFFFFF"/>
                           </a:solidFill>
                         </a:uFill>
                         <a:latin typeface="Arial"/>
                       </a:endParaRPr>
                     </a:p>
                   </a:txBody>
-                  <a:tcPr marL="91440" marR="91440">
+                  <a:tcPr>
                     <a:lnL w="12240">
                       <a:solidFill>
-                        <a:srgbClr val="ffffff"/>
+                        <a:srgbClr val="FFFFFF"/>
                       </a:solidFill>
                     </a:lnL>
                     <a:lnR w="12240">
                       <a:solidFill>
-                        <a:srgbClr val="ffffff"/>
+                        <a:srgbClr val="FFFFFF"/>
                       </a:solidFill>
                     </a:lnR>
                     <a:lnT w="12240">
                       <a:solidFill>
-                        <a:srgbClr val="ffffff"/>
+                        <a:srgbClr val="FFFFFF"/>
                       </a:solidFill>
                     </a:lnT>
                     <a:lnB w="12240">
                       <a:solidFill>
-                        <a:srgbClr val="ffffff"/>
+                        <a:srgbClr val="FFFFFF"/>
                       </a:solidFill>
                     </a:lnB>
                     <a:solidFill>
-                      <a:srgbClr val="e7e7e7"/>
+                      <a:srgbClr val="E7E7E7"/>
                     </a:solidFill>
                   </a:tcPr>
                 </a:tc>
                 <a:tc>
                   <a:txBody>
                     <a:bodyPr/>
+                    <a:lstStyle/>
                     <a:p>
                       <a:pPr>
                         <a:lnSpc>
@@ -7430,13 +8407,13 @@
                         </a:lnSpc>
                       </a:pPr>
                       <a:r>
-                        <a:rPr b="0" lang="en-GB" sz="1800" spc="-1" strike="noStrike">
+                        <a:rPr lang="en-GB" sz="1800" b="0" strike="noStrike" spc="-1">
                           <a:solidFill>
                             <a:srgbClr val="000000"/>
                           </a:solidFill>
                           <a:uFill>
                             <a:solidFill>
-                              <a:srgbClr val="ffffff"/>
+                              <a:srgbClr val="FFFFFF"/>
                             </a:solidFill>
                           </a:uFill>
                           <a:latin typeface="Arial"/>
@@ -7444,42 +8421,42 @@
                         </a:rPr>
                         <a:t>Octave</a:t>
                       </a:r>
-                      <a:endParaRPr b="0" lang="en-GB" sz="1800" spc="-1" strike="noStrike">
+                      <a:endParaRPr lang="en-GB" sz="1800" b="0" strike="noStrike" spc="-1">
                         <a:solidFill>
                           <a:srgbClr val="000000"/>
                         </a:solidFill>
                         <a:uFill>
                           <a:solidFill>
-                            <a:srgbClr val="ffffff"/>
+                            <a:srgbClr val="FFFFFF"/>
                           </a:solidFill>
                         </a:uFill>
                         <a:latin typeface="Arial"/>
                       </a:endParaRPr>
                     </a:p>
                   </a:txBody>
-                  <a:tcPr marL="91440" marR="91440">
+                  <a:tcPr>
                     <a:lnL w="12240">
                       <a:solidFill>
-                        <a:srgbClr val="ffffff"/>
+                        <a:srgbClr val="FFFFFF"/>
                       </a:solidFill>
                     </a:lnL>
                     <a:lnR w="12240">
                       <a:solidFill>
-                        <a:srgbClr val="ffffff"/>
+                        <a:srgbClr val="FFFFFF"/>
                       </a:solidFill>
                     </a:lnR>
                     <a:lnT w="12240">
                       <a:solidFill>
-                        <a:srgbClr val="ffffff"/>
+                        <a:srgbClr val="FFFFFF"/>
                       </a:solidFill>
                     </a:lnT>
                     <a:lnB w="12240">
                       <a:solidFill>
-                        <a:srgbClr val="ffffff"/>
+                        <a:srgbClr val="FFFFFF"/>
                       </a:solidFill>
                     </a:lnB>
                     <a:solidFill>
-                      <a:srgbClr val="e7e7e7"/>
+                      <a:srgbClr val="E7E7E7"/>
                     </a:solidFill>
                   </a:tcPr>
                 </a:tc>
@@ -7488,6 +8465,7 @@
                 <a:tc>
                   <a:txBody>
                     <a:bodyPr/>
+                    <a:lstStyle/>
                     <a:p>
                       <a:pPr>
                         <a:lnSpc>
@@ -7495,13 +8473,13 @@
                         </a:lnSpc>
                       </a:pPr>
                       <a:r>
-                        <a:rPr b="0" lang="en-GB" sz="1800" spc="-1" strike="noStrike">
+                        <a:rPr lang="en-GB" sz="1800" b="0" strike="noStrike" spc="-1">
                           <a:solidFill>
                             <a:srgbClr val="000000"/>
                           </a:solidFill>
                           <a:uFill>
                             <a:solidFill>
-                              <a:srgbClr val="ffffff"/>
+                              <a:srgbClr val="FFFFFF"/>
                             </a:solidFill>
                           </a:uFill>
                           <a:latin typeface="Arial"/>
@@ -7509,69 +8487,76 @@
                         </a:rPr>
                         <a:t>GENESIS</a:t>
                       </a:r>
-                      <a:endParaRPr b="0" lang="en-GB" sz="1800" spc="-1" strike="noStrike">
+                      <a:endParaRPr lang="en-GB" sz="1800" b="0" strike="noStrike" spc="-1">
                         <a:solidFill>
                           <a:srgbClr val="000000"/>
                         </a:solidFill>
                         <a:uFill>
                           <a:solidFill>
-                            <a:srgbClr val="ffffff"/>
+                            <a:srgbClr val="FFFFFF"/>
                           </a:solidFill>
                         </a:uFill>
                         <a:latin typeface="Arial"/>
                       </a:endParaRPr>
                     </a:p>
                   </a:txBody>
-                  <a:tcPr marL="91440" marR="91440">
+                  <a:tcPr>
                     <a:lnL w="12240">
                       <a:solidFill>
-                        <a:srgbClr val="ffffff"/>
+                        <a:srgbClr val="FFFFFF"/>
                       </a:solidFill>
                     </a:lnL>
                     <a:lnR w="12240">
                       <a:solidFill>
-                        <a:srgbClr val="ffffff"/>
+                        <a:srgbClr val="FFFFFF"/>
                       </a:solidFill>
                     </a:lnR>
                     <a:lnT w="12240">
                       <a:solidFill>
-                        <a:srgbClr val="ffffff"/>
+                        <a:srgbClr val="FFFFFF"/>
                       </a:solidFill>
                     </a:lnT>
                     <a:lnB w="12240">
                       <a:solidFill>
-                        <a:srgbClr val="ffffff"/>
+                        <a:srgbClr val="FFFFFF"/>
                       </a:solidFill>
                     </a:lnB>
                     <a:solidFill>
-                      <a:srgbClr val="cccccc"/>
+                      <a:srgbClr val="CCCCCC"/>
                     </a:solidFill>
                   </a:tcPr>
                 </a:tc>
                 <a:tc>
-                  <a:tcPr marL="91440" marR="91440">
+                  <a:txBody>
+                    <a:bodyPr/>
+                    <a:lstStyle/>
+                    <a:p>
+                      <a:endParaRPr lang="en-US"/>
+                    </a:p>
+                  </a:txBody>
+                  <a:tcPr>
                     <a:lnL w="12240">
                       <a:solidFill>
-                        <a:srgbClr val="ffffff"/>
+                        <a:srgbClr val="FFFFFF"/>
                       </a:solidFill>
                     </a:lnL>
                     <a:lnR w="12240">
                       <a:solidFill>
-                        <a:srgbClr val="ffffff"/>
+                        <a:srgbClr val="FFFFFF"/>
                       </a:solidFill>
                     </a:lnR>
                     <a:lnT w="12240">
                       <a:solidFill>
-                        <a:srgbClr val="ffffff"/>
+                        <a:srgbClr val="FFFFFF"/>
                       </a:solidFill>
                     </a:lnT>
                     <a:lnB w="12240">
                       <a:solidFill>
-                        <a:srgbClr val="ffffff"/>
+                        <a:srgbClr val="FFFFFF"/>
                       </a:solidFill>
                     </a:lnB>
                     <a:solidFill>
-                      <a:srgbClr val="cccccc"/>
+                      <a:srgbClr val="CCCCCC"/>
                     </a:solidFill>
                   </a:tcPr>
                 </a:tc>
@@ -7582,22 +8567,25 @@
       </p:graphicFrame>
     </p:spTree>
   </p:cSld>
+  <p:clrMapOvr>
+    <a:masterClrMapping/>
+  </p:clrMapOvr>
   <p:timing>
     <p:tnLst>
       <p:par>
-        <p:cTn id="5" dur="indefinite" restart="never" nodeType="tmRoot">
+        <p:cTn id="1" dur="indefinite" restart="never" nodeType="tmRoot">
           <p:childTnLst>
             <p:seq>
-              <p:cTn id="6" nodeType="mainSeq"/>
+              <p:cTn id="2" nodeType="mainSeq"/>
               <p:prevCondLst>
-                <p:cond delay="0" evt="onPrev">
+                <p:cond evt="onPrev" delay="0">
                   <p:tgtEl>
                     <p:sldTgt/>
                   </p:tgtEl>
                 </p:cond>
               </p:prevCondLst>
               <p:nextCondLst>
-                <p:cond delay="0" evt="onNext">
+                <p:cond evt="onNext" delay="0">
                   <p:tgtEl>
                     <p:sldTgt/>
                   </p:tgtEl>
@@ -7613,7 +8601,7 @@
 </file>
 
 <file path=ppt/slides/slide4.xml><?xml version="1.0" encoding="utf-8"?>
-<p:sld xmlns:a="http://schemas.openxmlformats.org/drawingml/2006/main" xmlns:p="http://schemas.openxmlformats.org/presentationml/2006/main" xmlns:r="http://schemas.openxmlformats.org/officeDocument/2006/relationships" xmlns:p14="http://schemas.microsoft.com/office/powerpoint/2010/main" xmlns:p15="http://schemas.microsoft.com/office/powerpoint/2012/main" xmlns:mc="http://schemas.openxmlformats.org/markup-compatibility/2006">
+<p:sld xmlns:a="http://schemas.openxmlformats.org/drawingml/2006/main" xmlns:r="http://schemas.openxmlformats.org/officeDocument/2006/relationships" xmlns:p="http://schemas.openxmlformats.org/presentationml/2006/main">
   <p:cSld>
     <p:spTree>
       <p:nvGrpSpPr>
@@ -7649,13 +8637,20 @@
           </a:ln>
         </p:spPr>
         <p:style>
-          <a:lnRef idx="0"/>
-          <a:fillRef idx="0"/>
-          <a:effectRef idx="0"/>
+          <a:lnRef idx="0">
+            <a:scrgbClr r="0" g="0" b="0"/>
+          </a:lnRef>
+          <a:fillRef idx="0">
+            <a:scrgbClr r="0" g="0" b="0"/>
+          </a:fillRef>
+          <a:effectRef idx="0">
+            <a:scrgbClr r="0" g="0" b="0"/>
+          </a:effectRef>
           <a:fontRef idx="minor"/>
         </p:style>
         <p:txBody>
-          <a:bodyPr lIns="0" rIns="0" tIns="0" bIns="0" anchor="ctr"/>
+          <a:bodyPr lIns="0" tIns="0" rIns="0" bIns="0" anchor="ctr"/>
+          <a:lstStyle/>
           <a:p>
             <a:pPr algn="ctr">
               <a:lnSpc>
@@ -7663,13 +8658,13 @@
               </a:lnSpc>
             </a:pPr>
             <a:r>
-              <a:rPr b="0" lang="en-GB" sz="3530" spc="-1" strike="noStrike">
+              <a:rPr lang="en-GB" sz="3530" b="0" strike="noStrike" spc="-1">
                 <a:solidFill>
                   <a:srgbClr val="000000"/>
                 </a:solidFill>
                 <a:uFill>
                   <a:solidFill>
-                    <a:srgbClr val="ffffff"/>
+                    <a:srgbClr val="FFFFFF"/>
                   </a:solidFill>
                 </a:uFill>
                 <a:latin typeface="Arial"/>
@@ -7677,13 +8672,13 @@
               </a:rPr>
               <a:t>NSG usage growing – since 2013</a:t>
             </a:r>
-            <a:endParaRPr b="0" lang="en-GB" sz="1800" spc="-1" strike="noStrike">
+            <a:endParaRPr lang="en-GB" sz="1800" b="0" strike="noStrike" spc="-1">
               <a:solidFill>
                 <a:srgbClr val="000000"/>
               </a:solidFill>
               <a:uFill>
                 <a:solidFill>
-                  <a:srgbClr val="ffffff"/>
+                  <a:srgbClr val="FFFFFF"/>
                 </a:solidFill>
               </a:uFill>
               <a:latin typeface="Arial"/>
@@ -7693,30 +8688,7 @@
       </p:sp>
       <p:pic>
         <p:nvPicPr>
-          <p:cNvPr id="123" name="Content Placeholder 3" descr=""/>
-          <p:cNvPicPr/>
-          <p:nvPr/>
-        </p:nvPicPr>
-        <p:blipFill>
-          <a:blip r:embed="rId1"/>
-          <a:stretch/>
-        </p:blipFill>
-        <p:spPr>
-          <a:xfrm>
-            <a:off x="4421880" y="5543640"/>
-            <a:ext cx="479160" cy="315360"/>
-          </a:xfrm>
-          <a:prstGeom prst="rect">
-            <a:avLst/>
-          </a:prstGeom>
-          <a:ln>
-            <a:noFill/>
-          </a:ln>
-        </p:spPr>
-      </p:pic>
-      <p:pic>
-        <p:nvPicPr>
-          <p:cNvPr id="124" name="Picture 9" descr=""/>
+          <p:cNvPr id="123" name="Content Placeholder 3"/>
           <p:cNvPicPr/>
           <p:nvPr/>
         </p:nvPicPr>
@@ -7726,8 +8698,8 @@
         </p:blipFill>
         <p:spPr>
           <a:xfrm>
-            <a:off x="489240" y="3947400"/>
-            <a:ext cx="4660920" cy="2927880"/>
+            <a:off x="4421880" y="5543640"/>
+            <a:ext cx="479160" cy="315360"/>
           </a:xfrm>
           <a:prstGeom prst="rect">
             <a:avLst/>
@@ -7739,7 +8711,7 @@
       </p:pic>
       <p:pic>
         <p:nvPicPr>
-          <p:cNvPr id="125" name="Picture 8" descr=""/>
+          <p:cNvPr id="124" name="Picture 9"/>
           <p:cNvPicPr/>
           <p:nvPr/>
         </p:nvPicPr>
@@ -7749,8 +8721,8 @@
         </p:blipFill>
         <p:spPr>
           <a:xfrm>
-            <a:off x="5325480" y="3840840"/>
-            <a:ext cx="4350240" cy="2950920"/>
+            <a:off x="489240" y="3947400"/>
+            <a:ext cx="4660920" cy="2927880"/>
           </a:xfrm>
           <a:prstGeom prst="rect">
             <a:avLst/>
@@ -7762,7 +8734,7 @@
       </p:pic>
       <p:pic>
         <p:nvPicPr>
-          <p:cNvPr id="126" name="Picture 4" descr=""/>
+          <p:cNvPr id="125" name="Picture 8"/>
           <p:cNvPicPr/>
           <p:nvPr/>
         </p:nvPicPr>
@@ -7772,8 +8744,8 @@
         </p:blipFill>
         <p:spPr>
           <a:xfrm>
-            <a:off x="720000" y="1043640"/>
-            <a:ext cx="4160160" cy="2738520"/>
+            <a:off x="5325480" y="3840840"/>
+            <a:ext cx="4350240" cy="2950920"/>
           </a:xfrm>
           <a:prstGeom prst="rect">
             <a:avLst/>
@@ -7785,7 +8757,30 @@
       </p:pic>
       <p:pic>
         <p:nvPicPr>
-          <p:cNvPr id="127" name="Picture 5" descr=""/>
+          <p:cNvPr id="126" name="Picture 4"/>
+          <p:cNvPicPr/>
+          <p:nvPr/>
+        </p:nvPicPr>
+        <p:blipFill>
+          <a:blip r:embed="rId2"/>
+          <a:stretch/>
+        </p:blipFill>
+        <p:spPr>
+          <a:xfrm>
+            <a:off x="720000" y="1043640"/>
+            <a:ext cx="4160160" cy="2738520"/>
+          </a:xfrm>
+          <a:prstGeom prst="rect">
+            <a:avLst/>
+          </a:prstGeom>
+          <a:ln>
+            <a:noFill/>
+          </a:ln>
+        </p:spPr>
+      </p:pic>
+      <p:pic>
+        <p:nvPicPr>
+          <p:cNvPr id="127" name="Picture 5"/>
           <p:cNvPicPr/>
           <p:nvPr/>
         </p:nvPicPr>
@@ -7808,22 +8803,25 @@
       </p:pic>
     </p:spTree>
   </p:cSld>
+  <p:clrMapOvr>
+    <a:masterClrMapping/>
+  </p:clrMapOvr>
   <p:timing>
     <p:tnLst>
       <p:par>
-        <p:cTn id="7" dur="indefinite" restart="never" nodeType="tmRoot">
+        <p:cTn id="1" dur="indefinite" restart="never" nodeType="tmRoot">
           <p:childTnLst>
             <p:seq>
-              <p:cTn id="8" nodeType="mainSeq"/>
+              <p:cTn id="2" nodeType="mainSeq"/>
               <p:prevCondLst>
-                <p:cond delay="0" evt="onPrev">
+                <p:cond evt="onPrev" delay="0">
                   <p:tgtEl>
                     <p:sldTgt/>
                   </p:tgtEl>
                 </p:cond>
               </p:prevCondLst>
               <p:nextCondLst>
-                <p:cond delay="0" evt="onNext">
+                <p:cond evt="onNext" delay="0">
                   <p:tgtEl>
                     <p:sldTgt/>
                   </p:tgtEl>
@@ -8058,6 +9056,8 @@
       </a:bgFillStyleLst>
     </a:fmtScheme>
   </a:themeElements>
+  <a:objectDefaults/>
+  <a:extraClrSchemeLst/>
 </a:theme>
 </file>
 
@@ -8281,6 +9281,8 @@
       </a:bgFillStyleLst>
     </a:fmtScheme>
   </a:themeElements>
+  <a:objectDefaults/>
+  <a:extraClrSchemeLst/>
 </a:theme>
 </file>
 
@@ -8504,5 +9506,7 @@
       </a:bgFillStyleLst>
     </a:fmtScheme>
   </a:themeElements>
+  <a:objectDefaults/>
+  <a:extraClrSchemeLst/>
 </a:theme>
 </file>